--- a/CSCE689-23/L2.pptx
+++ b/CSCE689-23/L2.pptx
@@ -4,6 +4,9 @@
   <p:sldMasterIdLst>
     <p:sldMasterId id="2147483648" r:id="rId1"/>
   </p:sldMasterIdLst>
+  <p:notesMasterIdLst>
+    <p:notesMasterId r:id="rId50"/>
+  </p:notesMasterIdLst>
   <p:sldIdLst>
     <p:sldId id="263" r:id="rId2"/>
     <p:sldId id="266" r:id="rId3"/>
@@ -171,6 +174,442 @@
 </p:cmAuthorLst>
 </file>
 
+<file path=ppt/notesMasters/notesMaster1.xml><?xml version="1.0" encoding="utf-8"?>
+<p:notesMaster xmlns:a="http://schemas.openxmlformats.org/drawingml/2006/main" xmlns:r="http://schemas.openxmlformats.org/officeDocument/2006/relationships" xmlns:p="http://schemas.openxmlformats.org/presentationml/2006/main">
+  <p:cSld>
+    <p:bg>
+      <p:bgRef idx="1001">
+        <a:schemeClr val="bg1"/>
+      </p:bgRef>
+    </p:bg>
+    <p:spTree>
+      <p:nvGrpSpPr>
+        <p:cNvPr id="1" name=""/>
+        <p:cNvGrpSpPr/>
+        <p:nvPr/>
+      </p:nvGrpSpPr>
+      <p:grpSpPr>
+        <a:xfrm>
+          <a:off x="0" y="0"/>
+          <a:ext cx="0" cy="0"/>
+          <a:chOff x="0" y="0"/>
+          <a:chExt cx="0" cy="0"/>
+        </a:xfrm>
+      </p:grpSpPr>
+      <p:sp>
+        <p:nvSpPr>
+          <p:cNvPr id="2" name="Header Placeholder 1"/>
+          <p:cNvSpPr>
+            <a:spLocks noGrp="1"/>
+          </p:cNvSpPr>
+          <p:nvPr>
+            <p:ph type="hdr" sz="quarter"/>
+          </p:nvPr>
+        </p:nvSpPr>
+        <p:spPr>
+          <a:xfrm>
+            <a:off x="0" y="0"/>
+            <a:ext cx="2971800" cy="458788"/>
+          </a:xfrm>
+          <a:prstGeom prst="rect">
+            <a:avLst/>
+          </a:prstGeom>
+        </p:spPr>
+        <p:txBody>
+          <a:bodyPr vert="horz" lIns="91440" tIns="45720" rIns="91440" bIns="45720" rtlCol="0"/>
+          <a:lstStyle>
+            <a:lvl1pPr algn="l">
+              <a:defRPr sz="1200"/>
+            </a:lvl1pPr>
+          </a:lstStyle>
+          <a:p>
+            <a:endParaRPr lang="en-US"/>
+          </a:p>
+        </p:txBody>
+      </p:sp>
+      <p:sp>
+        <p:nvSpPr>
+          <p:cNvPr id="3" name="Date Placeholder 2"/>
+          <p:cNvSpPr>
+            <a:spLocks noGrp="1"/>
+          </p:cNvSpPr>
+          <p:nvPr>
+            <p:ph type="dt" idx="1"/>
+          </p:nvPr>
+        </p:nvSpPr>
+        <p:spPr>
+          <a:xfrm>
+            <a:off x="3884613" y="0"/>
+            <a:ext cx="2971800" cy="458788"/>
+          </a:xfrm>
+          <a:prstGeom prst="rect">
+            <a:avLst/>
+          </a:prstGeom>
+        </p:spPr>
+        <p:txBody>
+          <a:bodyPr vert="horz" lIns="91440" tIns="45720" rIns="91440" bIns="45720" rtlCol="0"/>
+          <a:lstStyle>
+            <a:lvl1pPr algn="r">
+              <a:defRPr sz="1200"/>
+            </a:lvl1pPr>
+          </a:lstStyle>
+          <a:p>
+            <a:fld id="{36EE111E-D882-410C-A978-6FFD57B6CFA5}" type="datetimeFigureOut">
+              <a:rPr lang="en-US" smtClean="0"/>
+              <a:t>8/25/2023</a:t>
+            </a:fld>
+            <a:endParaRPr lang="en-US"/>
+          </a:p>
+        </p:txBody>
+      </p:sp>
+      <p:sp>
+        <p:nvSpPr>
+          <p:cNvPr id="4" name="Slide Image Placeholder 3"/>
+          <p:cNvSpPr>
+            <a:spLocks noGrp="1" noRot="1" noChangeAspect="1"/>
+          </p:cNvSpPr>
+          <p:nvPr>
+            <p:ph type="sldImg" idx="2"/>
+          </p:nvPr>
+        </p:nvSpPr>
+        <p:spPr>
+          <a:xfrm>
+            <a:off x="685800" y="1143000"/>
+            <a:ext cx="5486400" cy="3086100"/>
+          </a:xfrm>
+          <a:prstGeom prst="rect">
+            <a:avLst/>
+          </a:prstGeom>
+          <a:noFill/>
+          <a:ln w="12700">
+            <a:solidFill>
+              <a:prstClr val="black"/>
+            </a:solidFill>
+          </a:ln>
+        </p:spPr>
+        <p:txBody>
+          <a:bodyPr vert="horz" lIns="91440" tIns="45720" rIns="91440" bIns="45720" rtlCol="0" anchor="ctr"/>
+          <a:lstStyle/>
+          <a:p>
+            <a:endParaRPr lang="en-US"/>
+          </a:p>
+        </p:txBody>
+      </p:sp>
+      <p:sp>
+        <p:nvSpPr>
+          <p:cNvPr id="5" name="Notes Placeholder 4"/>
+          <p:cNvSpPr>
+            <a:spLocks noGrp="1"/>
+          </p:cNvSpPr>
+          <p:nvPr>
+            <p:ph type="body" sz="quarter" idx="3"/>
+          </p:nvPr>
+        </p:nvSpPr>
+        <p:spPr>
+          <a:xfrm>
+            <a:off x="685800" y="4400550"/>
+            <a:ext cx="5486400" cy="3600450"/>
+          </a:xfrm>
+          <a:prstGeom prst="rect">
+            <a:avLst/>
+          </a:prstGeom>
+        </p:spPr>
+        <p:txBody>
+          <a:bodyPr vert="horz" lIns="91440" tIns="45720" rIns="91440" bIns="45720" rtlCol="0"/>
+          <a:lstStyle/>
+          <a:p>
+            <a:pPr lvl="0"/>
+            <a:r>
+              <a:rPr lang="en-US"/>
+              <a:t>Click to edit Master text styles</a:t>
+            </a:r>
+          </a:p>
+          <a:p>
+            <a:pPr lvl="1"/>
+            <a:r>
+              <a:rPr lang="en-US"/>
+              <a:t>Second level</a:t>
+            </a:r>
+          </a:p>
+          <a:p>
+            <a:pPr lvl="2"/>
+            <a:r>
+              <a:rPr lang="en-US"/>
+              <a:t>Third level</a:t>
+            </a:r>
+          </a:p>
+          <a:p>
+            <a:pPr lvl="3"/>
+            <a:r>
+              <a:rPr lang="en-US"/>
+              <a:t>Fourth level</a:t>
+            </a:r>
+          </a:p>
+          <a:p>
+            <a:pPr lvl="4"/>
+            <a:r>
+              <a:rPr lang="en-US"/>
+              <a:t>Fifth level</a:t>
+            </a:r>
+          </a:p>
+        </p:txBody>
+      </p:sp>
+      <p:sp>
+        <p:nvSpPr>
+          <p:cNvPr id="6" name="Footer Placeholder 5"/>
+          <p:cNvSpPr>
+            <a:spLocks noGrp="1"/>
+          </p:cNvSpPr>
+          <p:nvPr>
+            <p:ph type="ftr" sz="quarter" idx="4"/>
+          </p:nvPr>
+        </p:nvSpPr>
+        <p:spPr>
+          <a:xfrm>
+            <a:off x="0" y="8685213"/>
+            <a:ext cx="2971800" cy="458787"/>
+          </a:xfrm>
+          <a:prstGeom prst="rect">
+            <a:avLst/>
+          </a:prstGeom>
+        </p:spPr>
+        <p:txBody>
+          <a:bodyPr vert="horz" lIns="91440" tIns="45720" rIns="91440" bIns="45720" rtlCol="0" anchor="b"/>
+          <a:lstStyle>
+            <a:lvl1pPr algn="l">
+              <a:defRPr sz="1200"/>
+            </a:lvl1pPr>
+          </a:lstStyle>
+          <a:p>
+            <a:endParaRPr lang="en-US"/>
+          </a:p>
+        </p:txBody>
+      </p:sp>
+      <p:sp>
+        <p:nvSpPr>
+          <p:cNvPr id="7" name="Slide Number Placeholder 6"/>
+          <p:cNvSpPr>
+            <a:spLocks noGrp="1"/>
+          </p:cNvSpPr>
+          <p:nvPr>
+            <p:ph type="sldNum" sz="quarter" idx="5"/>
+          </p:nvPr>
+        </p:nvSpPr>
+        <p:spPr>
+          <a:xfrm>
+            <a:off x="3884613" y="8685213"/>
+            <a:ext cx="2971800" cy="458787"/>
+          </a:xfrm>
+          <a:prstGeom prst="rect">
+            <a:avLst/>
+          </a:prstGeom>
+        </p:spPr>
+        <p:txBody>
+          <a:bodyPr vert="horz" lIns="91440" tIns="45720" rIns="91440" bIns="45720" rtlCol="0" anchor="b"/>
+          <a:lstStyle>
+            <a:lvl1pPr algn="r">
+              <a:defRPr sz="1200"/>
+            </a:lvl1pPr>
+          </a:lstStyle>
+          <a:p>
+            <a:fld id="{67A9C7C6-0955-4B11-A090-5EA7755349E0}" type="slidenum">
+              <a:rPr lang="en-US" smtClean="0"/>
+              <a:t>‹#›</a:t>
+            </a:fld>
+            <a:endParaRPr lang="en-US"/>
+          </a:p>
+        </p:txBody>
+      </p:sp>
+    </p:spTree>
+    <p:extLst>
+      <p:ext uri="{BB962C8B-B14F-4D97-AF65-F5344CB8AC3E}">
+        <p14:creationId xmlns:p14="http://schemas.microsoft.com/office/powerpoint/2010/main" val="1926415945"/>
+      </p:ext>
+    </p:extLst>
+  </p:cSld>
+  <p:clrMap bg1="lt1" tx1="dk1" bg2="lt2" tx2="dk2" accent1="accent1" accent2="accent2" accent3="accent3" accent4="accent4" accent5="accent5" accent6="accent6" hlink="hlink" folHlink="folHlink"/>
+  <p:notesStyle>
+    <a:lvl1pPr marL="0" algn="l" defTabSz="914400" rtl="0" eaLnBrk="1" latinLnBrk="0" hangingPunct="1">
+      <a:defRPr sz="1200" kern="1200">
+        <a:solidFill>
+          <a:schemeClr val="tx1"/>
+        </a:solidFill>
+        <a:latin typeface="+mn-lt"/>
+        <a:ea typeface="+mn-ea"/>
+        <a:cs typeface="+mn-cs"/>
+      </a:defRPr>
+    </a:lvl1pPr>
+    <a:lvl2pPr marL="457200" algn="l" defTabSz="914400" rtl="0" eaLnBrk="1" latinLnBrk="0" hangingPunct="1">
+      <a:defRPr sz="1200" kern="1200">
+        <a:solidFill>
+          <a:schemeClr val="tx1"/>
+        </a:solidFill>
+        <a:latin typeface="+mn-lt"/>
+        <a:ea typeface="+mn-ea"/>
+        <a:cs typeface="+mn-cs"/>
+      </a:defRPr>
+    </a:lvl2pPr>
+    <a:lvl3pPr marL="914400" algn="l" defTabSz="914400" rtl="0" eaLnBrk="1" latinLnBrk="0" hangingPunct="1">
+      <a:defRPr sz="1200" kern="1200">
+        <a:solidFill>
+          <a:schemeClr val="tx1"/>
+        </a:solidFill>
+        <a:latin typeface="+mn-lt"/>
+        <a:ea typeface="+mn-ea"/>
+        <a:cs typeface="+mn-cs"/>
+      </a:defRPr>
+    </a:lvl3pPr>
+    <a:lvl4pPr marL="1371600" algn="l" defTabSz="914400" rtl="0" eaLnBrk="1" latinLnBrk="0" hangingPunct="1">
+      <a:defRPr sz="1200" kern="1200">
+        <a:solidFill>
+          <a:schemeClr val="tx1"/>
+        </a:solidFill>
+        <a:latin typeface="+mn-lt"/>
+        <a:ea typeface="+mn-ea"/>
+        <a:cs typeface="+mn-cs"/>
+      </a:defRPr>
+    </a:lvl4pPr>
+    <a:lvl5pPr marL="1828800" algn="l" defTabSz="914400" rtl="0" eaLnBrk="1" latinLnBrk="0" hangingPunct="1">
+      <a:defRPr sz="1200" kern="1200">
+        <a:solidFill>
+          <a:schemeClr val="tx1"/>
+        </a:solidFill>
+        <a:latin typeface="+mn-lt"/>
+        <a:ea typeface="+mn-ea"/>
+        <a:cs typeface="+mn-cs"/>
+      </a:defRPr>
+    </a:lvl5pPr>
+    <a:lvl6pPr marL="2286000" algn="l" defTabSz="914400" rtl="0" eaLnBrk="1" latinLnBrk="0" hangingPunct="1">
+      <a:defRPr sz="1200" kern="1200">
+        <a:solidFill>
+          <a:schemeClr val="tx1"/>
+        </a:solidFill>
+        <a:latin typeface="+mn-lt"/>
+        <a:ea typeface="+mn-ea"/>
+        <a:cs typeface="+mn-cs"/>
+      </a:defRPr>
+    </a:lvl6pPr>
+    <a:lvl7pPr marL="2743200" algn="l" defTabSz="914400" rtl="0" eaLnBrk="1" latinLnBrk="0" hangingPunct="1">
+      <a:defRPr sz="1200" kern="1200">
+        <a:solidFill>
+          <a:schemeClr val="tx1"/>
+        </a:solidFill>
+        <a:latin typeface="+mn-lt"/>
+        <a:ea typeface="+mn-ea"/>
+        <a:cs typeface="+mn-cs"/>
+      </a:defRPr>
+    </a:lvl7pPr>
+    <a:lvl8pPr marL="3200400" algn="l" defTabSz="914400" rtl="0" eaLnBrk="1" latinLnBrk="0" hangingPunct="1">
+      <a:defRPr sz="1200" kern="1200">
+        <a:solidFill>
+          <a:schemeClr val="tx1"/>
+        </a:solidFill>
+        <a:latin typeface="+mn-lt"/>
+        <a:ea typeface="+mn-ea"/>
+        <a:cs typeface="+mn-cs"/>
+      </a:defRPr>
+    </a:lvl8pPr>
+    <a:lvl9pPr marL="3657600" algn="l" defTabSz="914400" rtl="0" eaLnBrk="1" latinLnBrk="0" hangingPunct="1">
+      <a:defRPr sz="1200" kern="1200">
+        <a:solidFill>
+          <a:schemeClr val="tx1"/>
+        </a:solidFill>
+        <a:latin typeface="+mn-lt"/>
+        <a:ea typeface="+mn-ea"/>
+        <a:cs typeface="+mn-cs"/>
+      </a:defRPr>
+    </a:lvl9pPr>
+  </p:notesStyle>
+</p:notesMaster>
+</file>
+
+<file path=ppt/notesSlides/notesSlide1.xml><?xml version="1.0" encoding="utf-8"?>
+<p:notes xmlns:a="http://schemas.openxmlformats.org/drawingml/2006/main" xmlns:r="http://schemas.openxmlformats.org/officeDocument/2006/relationships" xmlns:p="http://schemas.openxmlformats.org/presentationml/2006/main">
+  <p:cSld>
+    <p:spTree>
+      <p:nvGrpSpPr>
+        <p:cNvPr id="1" name=""/>
+        <p:cNvGrpSpPr/>
+        <p:nvPr/>
+      </p:nvGrpSpPr>
+      <p:grpSpPr>
+        <a:xfrm>
+          <a:off x="0" y="0"/>
+          <a:ext cx="0" cy="0"/>
+          <a:chOff x="0" y="0"/>
+          <a:chExt cx="0" cy="0"/>
+        </a:xfrm>
+      </p:grpSpPr>
+      <p:sp>
+        <p:nvSpPr>
+          <p:cNvPr id="2" name="Slide Image Placeholder 1"/>
+          <p:cNvSpPr>
+            <a:spLocks noGrp="1" noRot="1" noChangeAspect="1"/>
+          </p:cNvSpPr>
+          <p:nvPr>
+            <p:ph type="sldImg"/>
+          </p:nvPr>
+        </p:nvSpPr>
+        <p:spPr/>
+      </p:sp>
+      <p:sp>
+        <p:nvSpPr>
+          <p:cNvPr id="3" name="Notes Placeholder 2"/>
+          <p:cNvSpPr>
+            <a:spLocks noGrp="1"/>
+          </p:cNvSpPr>
+          <p:nvPr>
+            <p:ph type="body" idx="1"/>
+          </p:nvPr>
+        </p:nvSpPr>
+        <p:spPr/>
+        <p:txBody>
+          <a:bodyPr/>
+          <a:lstStyle/>
+          <a:p>
+            <a:r>
+              <a:rPr lang="en-US" dirty="0"/>
+              <a:t>0, 1, 3, 6</a:t>
+            </a:r>
+          </a:p>
+        </p:txBody>
+      </p:sp>
+      <p:sp>
+        <p:nvSpPr>
+          <p:cNvPr id="4" name="Slide Number Placeholder 3"/>
+          <p:cNvSpPr>
+            <a:spLocks noGrp="1"/>
+          </p:cNvSpPr>
+          <p:nvPr>
+            <p:ph type="sldNum" sz="quarter" idx="5"/>
+          </p:nvPr>
+        </p:nvSpPr>
+        <p:spPr/>
+        <p:txBody>
+          <a:bodyPr/>
+          <a:lstStyle/>
+          <a:p>
+            <a:fld id="{67A9C7C6-0955-4B11-A090-5EA7755349E0}" type="slidenum">
+              <a:rPr lang="en-US" smtClean="0"/>
+              <a:t>10</a:t>
+            </a:fld>
+            <a:endParaRPr lang="en-US"/>
+          </a:p>
+        </p:txBody>
+      </p:sp>
+    </p:spTree>
+    <p:extLst>
+      <p:ext uri="{BB962C8B-B14F-4D97-AF65-F5344CB8AC3E}">
+        <p14:creationId xmlns:p14="http://schemas.microsoft.com/office/powerpoint/2010/main" val="3234323890"/>
+      </p:ext>
+    </p:extLst>
+  </p:cSld>
+  <p:clrMapOvr>
+    <a:masterClrMapping/>
+  </p:clrMapOvr>
+</p:notes>
+</file>
+
 <file path=ppt/slideLayouts/slideLayout1.xml><?xml version="1.0" encoding="utf-8"?>
 <p:sldLayout xmlns:a="http://schemas.openxmlformats.org/drawingml/2006/main" xmlns:r="http://schemas.openxmlformats.org/officeDocument/2006/relationships" xmlns:p="http://schemas.openxmlformats.org/presentationml/2006/main" type="title" preserve="1">
   <p:cSld name="Title Slide">
@@ -318,7 +757,7 @@
           <a:p>
             <a:fld id="{DAA589FB-F32C-4F56-9CE6-11D53F65B455}" type="datetimeFigureOut">
               <a:rPr lang="en-US" smtClean="0"/>
-              <a:t>8/23/2023</a:t>
+              <a:t>8/25/2023</a:t>
             </a:fld>
             <a:endParaRPr lang="en-US"/>
           </a:p>
@@ -516,7 +955,7 @@
           <a:p>
             <a:fld id="{DAA589FB-F32C-4F56-9CE6-11D53F65B455}" type="datetimeFigureOut">
               <a:rPr lang="en-US" smtClean="0"/>
-              <a:t>8/23/2023</a:t>
+              <a:t>8/25/2023</a:t>
             </a:fld>
             <a:endParaRPr lang="en-US"/>
           </a:p>
@@ -724,7 +1163,7 @@
           <a:p>
             <a:fld id="{DAA589FB-F32C-4F56-9CE6-11D53F65B455}" type="datetimeFigureOut">
               <a:rPr lang="en-US" smtClean="0"/>
-              <a:t>8/23/2023</a:t>
+              <a:t>8/25/2023</a:t>
             </a:fld>
             <a:endParaRPr lang="en-US"/>
           </a:p>
@@ -922,7 +1361,7 @@
           <a:p>
             <a:fld id="{DAA589FB-F32C-4F56-9CE6-11D53F65B455}" type="datetimeFigureOut">
               <a:rPr lang="en-US" smtClean="0"/>
-              <a:t>8/23/2023</a:t>
+              <a:t>8/25/2023</a:t>
             </a:fld>
             <a:endParaRPr lang="en-US"/>
           </a:p>
@@ -1197,7 +1636,7 @@
           <a:p>
             <a:fld id="{DAA589FB-F32C-4F56-9CE6-11D53F65B455}" type="datetimeFigureOut">
               <a:rPr lang="en-US" smtClean="0"/>
-              <a:t>8/23/2023</a:t>
+              <a:t>8/25/2023</a:t>
             </a:fld>
             <a:endParaRPr lang="en-US"/>
           </a:p>
@@ -1462,7 +1901,7 @@
           <a:p>
             <a:fld id="{DAA589FB-F32C-4F56-9CE6-11D53F65B455}" type="datetimeFigureOut">
               <a:rPr lang="en-US" smtClean="0"/>
-              <a:t>8/23/2023</a:t>
+              <a:t>8/25/2023</a:t>
             </a:fld>
             <a:endParaRPr lang="en-US"/>
           </a:p>
@@ -1874,7 +2313,7 @@
           <a:p>
             <a:fld id="{DAA589FB-F32C-4F56-9CE6-11D53F65B455}" type="datetimeFigureOut">
               <a:rPr lang="en-US" smtClean="0"/>
-              <a:t>8/23/2023</a:t>
+              <a:t>8/25/2023</a:t>
             </a:fld>
             <a:endParaRPr lang="en-US"/>
           </a:p>
@@ -2015,7 +2454,7 @@
           <a:p>
             <a:fld id="{DAA589FB-F32C-4F56-9CE6-11D53F65B455}" type="datetimeFigureOut">
               <a:rPr lang="en-US" smtClean="0"/>
-              <a:t>8/23/2023</a:t>
+              <a:t>8/25/2023</a:t>
             </a:fld>
             <a:endParaRPr lang="en-US"/>
           </a:p>
@@ -2128,7 +2567,7 @@
           <a:p>
             <a:fld id="{DAA589FB-F32C-4F56-9CE6-11D53F65B455}" type="datetimeFigureOut">
               <a:rPr lang="en-US" smtClean="0"/>
-              <a:t>8/23/2023</a:t>
+              <a:t>8/25/2023</a:t>
             </a:fld>
             <a:endParaRPr lang="en-US"/>
           </a:p>
@@ -2439,7 +2878,7 @@
           <a:p>
             <a:fld id="{DAA589FB-F32C-4F56-9CE6-11D53F65B455}" type="datetimeFigureOut">
               <a:rPr lang="en-US" smtClean="0"/>
-              <a:t>8/23/2023</a:t>
+              <a:t>8/25/2023</a:t>
             </a:fld>
             <a:endParaRPr lang="en-US"/>
           </a:p>
@@ -2727,7 +3166,7 @@
           <a:p>
             <a:fld id="{DAA589FB-F32C-4F56-9CE6-11D53F65B455}" type="datetimeFigureOut">
               <a:rPr lang="en-US" smtClean="0"/>
-              <a:t>8/23/2023</a:t>
+              <a:t>8/25/2023</a:t>
             </a:fld>
             <a:endParaRPr lang="en-US"/>
           </a:p>
@@ -2968,7 +3407,7 @@
           <a:p>
             <a:fld id="{DAA589FB-F32C-4F56-9CE6-11D53F65B455}" type="datetimeFigureOut">
               <a:rPr lang="en-US" smtClean="0"/>
-              <a:t>8/23/2023</a:t>
+              <a:t>8/25/2023</a:t>
             </a:fld>
             <a:endParaRPr lang="en-US"/>
           </a:p>
@@ -3928,7 +4367,7 @@
             </p:nvSpPr>
             <p:spPr>
               <a:blipFill>
-                <a:blip r:embed="rId2"/>
+                <a:blip r:embed="rId3"/>
                 <a:stretch>
                   <a:fillRect l="-1043" t="-2241"/>
                 </a:stretch>
@@ -24410,8 +24849,8 @@
           </a:p>
         </p:txBody>
       </p:sp>
-      <mc:AlternateContent xmlns:mc="http://schemas.openxmlformats.org/markup-compatibility/2006">
-        <mc:Choice xmlns:a14="http://schemas.microsoft.com/office/drawing/2010/main" Requires="a14">
+      <mc:AlternateContent xmlns:mc="http://schemas.openxmlformats.org/markup-compatibility/2006" xmlns:a14="http://schemas.microsoft.com/office/drawing/2010/main">
+        <mc:Choice Requires="a14">
           <p:sp>
             <p:nvSpPr>
               <p:cNvPr id="3" name="Content Placeholder 2">
@@ -24775,7 +25214,7 @@
             </p:txBody>
           </p:sp>
         </mc:Choice>
-        <mc:Fallback>
+        <mc:Fallback xmlns="">
           <p:sp>
             <p:nvSpPr>
               <p:cNvPr id="3" name="Content Placeholder 2">
@@ -26781,4 +27220,299 @@
     </a:ext>
   </a:extLst>
 </a:theme>
+</file>
+
+<file path=ppt/theme/theme2.xml><?xml version="1.0" encoding="utf-8"?>
+<a:theme xmlns:a="http://schemas.openxmlformats.org/drawingml/2006/main" name="Office Theme">
+  <a:themeElements>
+    <a:clrScheme name="Office">
+      <a:dk1>
+        <a:sysClr val="windowText" lastClr="000000"/>
+      </a:dk1>
+      <a:lt1>
+        <a:sysClr val="window" lastClr="FFFFFF"/>
+      </a:lt1>
+      <a:dk2>
+        <a:srgbClr val="44546A"/>
+      </a:dk2>
+      <a:lt2>
+        <a:srgbClr val="E7E6E6"/>
+      </a:lt2>
+      <a:accent1>
+        <a:srgbClr val="4472C4"/>
+      </a:accent1>
+      <a:accent2>
+        <a:srgbClr val="ED7D31"/>
+      </a:accent2>
+      <a:accent3>
+        <a:srgbClr val="A5A5A5"/>
+      </a:accent3>
+      <a:accent4>
+        <a:srgbClr val="FFC000"/>
+      </a:accent4>
+      <a:accent5>
+        <a:srgbClr val="5B9BD5"/>
+      </a:accent5>
+      <a:accent6>
+        <a:srgbClr val="70AD47"/>
+      </a:accent6>
+      <a:hlink>
+        <a:srgbClr val="0563C1"/>
+      </a:hlink>
+      <a:folHlink>
+        <a:srgbClr val="954F72"/>
+      </a:folHlink>
+    </a:clrScheme>
+    <a:fontScheme name="Office">
+      <a:majorFont>
+        <a:latin typeface="Calibri Light" panose="020F0302020204030204"/>
+        <a:ea typeface=""/>
+        <a:cs typeface=""/>
+        <a:font script="Jpan" typeface="游ゴシック Light"/>
+        <a:font script="Hang" typeface="맑은 고딕"/>
+        <a:font script="Hans" typeface="等线 Light"/>
+        <a:font script="Hant" typeface="新細明體"/>
+        <a:font script="Arab" typeface="Times New Roman"/>
+        <a:font script="Hebr" typeface="Times New Roman"/>
+        <a:font script="Thai" typeface="Angsana New"/>
+        <a:font script="Ethi" typeface="Nyala"/>
+        <a:font script="Beng" typeface="Vrinda"/>
+        <a:font script="Gujr" typeface="Shruti"/>
+        <a:font script="Khmr" typeface="MoolBoran"/>
+        <a:font script="Knda" typeface="Tunga"/>
+        <a:font script="Guru" typeface="Raavi"/>
+        <a:font script="Cans" typeface="Euphemia"/>
+        <a:font script="Cher" typeface="Plantagenet Cherokee"/>
+        <a:font script="Yiii" typeface="Microsoft Yi Baiti"/>
+        <a:font script="Tibt" typeface="Microsoft Himalaya"/>
+        <a:font script="Thaa" typeface="MV Boli"/>
+        <a:font script="Deva" typeface="Mangal"/>
+        <a:font script="Telu" typeface="Gautami"/>
+        <a:font script="Taml" typeface="Latha"/>
+        <a:font script="Syrc" typeface="Estrangelo Edessa"/>
+        <a:font script="Orya" typeface="Kalinga"/>
+        <a:font script="Mlym" typeface="Kartika"/>
+        <a:font script="Laoo" typeface="DokChampa"/>
+        <a:font script="Sinh" typeface="Iskoola Pota"/>
+        <a:font script="Mong" typeface="Mongolian Baiti"/>
+        <a:font script="Viet" typeface="Times New Roman"/>
+        <a:font script="Uigh" typeface="Microsoft Uighur"/>
+        <a:font script="Geor" typeface="Sylfaen"/>
+        <a:font script="Armn" typeface="Arial"/>
+        <a:font script="Bugi" typeface="Leelawadee UI"/>
+        <a:font script="Bopo" typeface="Microsoft JhengHei"/>
+        <a:font script="Java" typeface="Javanese Text"/>
+        <a:font script="Lisu" typeface="Segoe UI"/>
+        <a:font script="Mymr" typeface="Myanmar Text"/>
+        <a:font script="Nkoo" typeface="Ebrima"/>
+        <a:font script="Olck" typeface="Nirmala UI"/>
+        <a:font script="Osma" typeface="Ebrima"/>
+        <a:font script="Phag" typeface="Phagspa"/>
+        <a:font script="Syrn" typeface="Estrangelo Edessa"/>
+        <a:font script="Syrj" typeface="Estrangelo Edessa"/>
+        <a:font script="Syre" typeface="Estrangelo Edessa"/>
+        <a:font script="Sora" typeface="Nirmala UI"/>
+        <a:font script="Tale" typeface="Microsoft Tai Le"/>
+        <a:font script="Talu" typeface="Microsoft New Tai Lue"/>
+        <a:font script="Tfng" typeface="Ebrima"/>
+      </a:majorFont>
+      <a:minorFont>
+        <a:latin typeface="Calibri" panose="020F0502020204030204"/>
+        <a:ea typeface=""/>
+        <a:cs typeface=""/>
+        <a:font script="Jpan" typeface="游ゴシック"/>
+        <a:font script="Hang" typeface="맑은 고딕"/>
+        <a:font script="Hans" typeface="等线"/>
+        <a:font script="Hant" typeface="新細明體"/>
+        <a:font script="Arab" typeface="Arial"/>
+        <a:font script="Hebr" typeface="Arial"/>
+        <a:font script="Thai" typeface="Cordia New"/>
+        <a:font script="Ethi" typeface="Nyala"/>
+        <a:font script="Beng" typeface="Vrinda"/>
+        <a:font script="Gujr" typeface="Shruti"/>
+        <a:font script="Khmr" typeface="DaunPenh"/>
+        <a:font script="Knda" typeface="Tunga"/>
+        <a:font script="Guru" typeface="Raavi"/>
+        <a:font script="Cans" typeface="Euphemia"/>
+        <a:font script="Cher" typeface="Plantagenet Cherokee"/>
+        <a:font script="Yiii" typeface="Microsoft Yi Baiti"/>
+        <a:font script="Tibt" typeface="Microsoft Himalaya"/>
+        <a:font script="Thaa" typeface="MV Boli"/>
+        <a:font script="Deva" typeface="Mangal"/>
+        <a:font script="Telu" typeface="Gautami"/>
+        <a:font script="Taml" typeface="Latha"/>
+        <a:font script="Syrc" typeface="Estrangelo Edessa"/>
+        <a:font script="Orya" typeface="Kalinga"/>
+        <a:font script="Mlym" typeface="Kartika"/>
+        <a:font script="Laoo" typeface="DokChampa"/>
+        <a:font script="Sinh" typeface="Iskoola Pota"/>
+        <a:font script="Mong" typeface="Mongolian Baiti"/>
+        <a:font script="Viet" typeface="Arial"/>
+        <a:font script="Uigh" typeface="Microsoft Uighur"/>
+        <a:font script="Geor" typeface="Sylfaen"/>
+        <a:font script="Armn" typeface="Arial"/>
+        <a:font script="Bugi" typeface="Leelawadee UI"/>
+        <a:font script="Bopo" typeface="Microsoft JhengHei"/>
+        <a:font script="Java" typeface="Javanese Text"/>
+        <a:font script="Lisu" typeface="Segoe UI"/>
+        <a:font script="Mymr" typeface="Myanmar Text"/>
+        <a:font script="Nkoo" typeface="Ebrima"/>
+        <a:font script="Olck" typeface="Nirmala UI"/>
+        <a:font script="Osma" typeface="Ebrima"/>
+        <a:font script="Phag" typeface="Phagspa"/>
+        <a:font script="Syrn" typeface="Estrangelo Edessa"/>
+        <a:font script="Syrj" typeface="Estrangelo Edessa"/>
+        <a:font script="Syre" typeface="Estrangelo Edessa"/>
+        <a:font script="Sora" typeface="Nirmala UI"/>
+        <a:font script="Tale" typeface="Microsoft Tai Le"/>
+        <a:font script="Talu" typeface="Microsoft New Tai Lue"/>
+        <a:font script="Tfng" typeface="Ebrima"/>
+      </a:minorFont>
+    </a:fontScheme>
+    <a:fmtScheme name="Office">
+      <a:fillStyleLst>
+        <a:solidFill>
+          <a:schemeClr val="phClr"/>
+        </a:solidFill>
+        <a:gradFill rotWithShape="1">
+          <a:gsLst>
+            <a:gs pos="0">
+              <a:schemeClr val="phClr">
+                <a:lumMod val="110000"/>
+                <a:satMod val="105000"/>
+                <a:tint val="67000"/>
+              </a:schemeClr>
+            </a:gs>
+            <a:gs pos="50000">
+              <a:schemeClr val="phClr">
+                <a:lumMod val="105000"/>
+                <a:satMod val="103000"/>
+                <a:tint val="73000"/>
+              </a:schemeClr>
+            </a:gs>
+            <a:gs pos="100000">
+              <a:schemeClr val="phClr">
+                <a:lumMod val="105000"/>
+                <a:satMod val="109000"/>
+                <a:tint val="81000"/>
+              </a:schemeClr>
+            </a:gs>
+          </a:gsLst>
+          <a:lin ang="5400000" scaled="0"/>
+        </a:gradFill>
+        <a:gradFill rotWithShape="1">
+          <a:gsLst>
+            <a:gs pos="0">
+              <a:schemeClr val="phClr">
+                <a:satMod val="103000"/>
+                <a:lumMod val="102000"/>
+                <a:tint val="94000"/>
+              </a:schemeClr>
+            </a:gs>
+            <a:gs pos="50000">
+              <a:schemeClr val="phClr">
+                <a:satMod val="110000"/>
+                <a:lumMod val="100000"/>
+                <a:shade val="100000"/>
+              </a:schemeClr>
+            </a:gs>
+            <a:gs pos="100000">
+              <a:schemeClr val="phClr">
+                <a:lumMod val="99000"/>
+                <a:satMod val="120000"/>
+                <a:shade val="78000"/>
+              </a:schemeClr>
+            </a:gs>
+          </a:gsLst>
+          <a:lin ang="5400000" scaled="0"/>
+        </a:gradFill>
+      </a:fillStyleLst>
+      <a:lnStyleLst>
+        <a:ln w="6350" cap="flat" cmpd="sng" algn="ctr">
+          <a:solidFill>
+            <a:schemeClr val="phClr"/>
+          </a:solidFill>
+          <a:prstDash val="solid"/>
+          <a:miter lim="800000"/>
+        </a:ln>
+        <a:ln w="12700" cap="flat" cmpd="sng" algn="ctr">
+          <a:solidFill>
+            <a:schemeClr val="phClr"/>
+          </a:solidFill>
+          <a:prstDash val="solid"/>
+          <a:miter lim="800000"/>
+        </a:ln>
+        <a:ln w="19050" cap="flat" cmpd="sng" algn="ctr">
+          <a:solidFill>
+            <a:schemeClr val="phClr"/>
+          </a:solidFill>
+          <a:prstDash val="solid"/>
+          <a:miter lim="800000"/>
+        </a:ln>
+      </a:lnStyleLst>
+      <a:effectStyleLst>
+        <a:effectStyle>
+          <a:effectLst/>
+        </a:effectStyle>
+        <a:effectStyle>
+          <a:effectLst/>
+        </a:effectStyle>
+        <a:effectStyle>
+          <a:effectLst>
+            <a:outerShdw blurRad="57150" dist="19050" dir="5400000" algn="ctr" rotWithShape="0">
+              <a:srgbClr val="000000">
+                <a:alpha val="63000"/>
+              </a:srgbClr>
+            </a:outerShdw>
+          </a:effectLst>
+        </a:effectStyle>
+      </a:effectStyleLst>
+      <a:bgFillStyleLst>
+        <a:solidFill>
+          <a:schemeClr val="phClr"/>
+        </a:solidFill>
+        <a:solidFill>
+          <a:schemeClr val="phClr">
+            <a:tint val="95000"/>
+            <a:satMod val="170000"/>
+          </a:schemeClr>
+        </a:solidFill>
+        <a:gradFill rotWithShape="1">
+          <a:gsLst>
+            <a:gs pos="0">
+              <a:schemeClr val="phClr">
+                <a:tint val="93000"/>
+                <a:satMod val="150000"/>
+                <a:shade val="98000"/>
+                <a:lumMod val="102000"/>
+              </a:schemeClr>
+            </a:gs>
+            <a:gs pos="50000">
+              <a:schemeClr val="phClr">
+                <a:tint val="98000"/>
+                <a:satMod val="130000"/>
+                <a:shade val="90000"/>
+                <a:lumMod val="103000"/>
+              </a:schemeClr>
+            </a:gs>
+            <a:gs pos="100000">
+              <a:schemeClr val="phClr">
+                <a:shade val="63000"/>
+                <a:satMod val="120000"/>
+              </a:schemeClr>
+            </a:gs>
+          </a:gsLst>
+          <a:lin ang="5400000" scaled="0"/>
+        </a:gradFill>
+      </a:bgFillStyleLst>
+    </a:fmtScheme>
+  </a:themeElements>
+  <a:objectDefaults/>
+  <a:extraClrSchemeLst/>
+  <a:extLst>
+    <a:ext uri="{05A4C25C-085E-4340-85A3-A5531E510DB2}">
+      <thm15:themeFamily xmlns:thm15="http://schemas.microsoft.com/office/thememl/2012/main" name="Office Theme" id="{62F939B6-93AF-4DB8-9C6B-D6C7DFDC589F}" vid="{4A3C46E8-61CC-4603-A589-7422A47A8E4A}"/>
+    </a:ext>
+  </a:extLst>
+</a:theme>
 </file>
--- a/CSCE689-23/L2.pptx
+++ b/CSCE689-23/L2.pptx
@@ -5,7 +5,7 @@
     <p:sldMasterId id="2147483648" r:id="rId1"/>
   </p:sldMasterIdLst>
   <p:notesMasterIdLst>
-    <p:notesMasterId r:id="rId50"/>
+    <p:notesMasterId r:id="rId40"/>
   </p:notesMasterIdLst>
   <p:sldIdLst>
     <p:sldId id="263" r:id="rId2"/>
@@ -46,16 +46,6 @@
     <p:sldId id="786" r:id="rId37"/>
     <p:sldId id="810" r:id="rId38"/>
     <p:sldId id="811" r:id="rId39"/>
-    <p:sldId id="793" r:id="rId40"/>
-    <p:sldId id="767" r:id="rId41"/>
-    <p:sldId id="769" r:id="rId42"/>
-    <p:sldId id="259" r:id="rId43"/>
-    <p:sldId id="760" r:id="rId44"/>
-    <p:sldId id="260" r:id="rId45"/>
-    <p:sldId id="261" r:id="rId46"/>
-    <p:sldId id="761" r:id="rId47"/>
-    <p:sldId id="762" r:id="rId48"/>
-    <p:sldId id="763" r:id="rId49"/>
   </p:sldIdLst>
   <p:sldSz cx="12192000" cy="6858000"/>
   <p:notesSz cx="6858000" cy="9144000"/>
@@ -11556,7 +11546,19 @@
                 </a14:m>
                 <a:r>
                   <a:rPr lang="en-US" dirty="0"/>
-                  <a:t> times. What is the probability we see a repeated outcome among the rolls? </a:t>
+                  <a:t> times. What is the probability we </a:t>
+                </a:r>
+                <a:r>
+                  <a:rPr lang="en-US" dirty="0">
+                    <a:solidFill>
+                      <a:srgbClr val="FF0000"/>
+                    </a:solidFill>
+                  </a:rPr>
+                  <a:t>DO NOT</a:t>
+                </a:r>
+                <a:r>
+                  <a:rPr lang="en-US" dirty="0"/>
+                  <a:t> see a repeated outcome among the rolls? </a:t>
                 </a:r>
               </a:p>
             </p:txBody>
@@ -11587,7 +11589,7 @@
               <a:blipFill>
                 <a:blip r:embed="rId2"/>
                 <a:stretch>
-                  <a:fillRect l="-1043" t="-2089" r="-870"/>
+                  <a:fillRect l="-1043" t="-2089"/>
                 </a:stretch>
               </a:blipFill>
             </p:spPr>
@@ -11728,7 +11730,7 @@
                 <a14:m>
                   <m:oMath xmlns:m="http://schemas.openxmlformats.org/officeDocument/2006/math">
                     <m:r>
-                      <a:rPr lang="en-US" b="0" i="1" dirty="0" smtClean="0">
+                      <a:rPr lang="en-US" i="1" dirty="0">
                         <a:solidFill>
                           <a:srgbClr val="C00000"/>
                         </a:solidFill>
@@ -11737,7 +11739,7 @@
                       <m:t>𝑘</m:t>
                     </m:r>
                     <m:r>
-                      <a:rPr lang="en-US" b="0" i="0" dirty="0" smtClean="0">
+                      <a:rPr lang="en-US" dirty="0">
                         <a:solidFill>
                           <a:srgbClr val="C00000"/>
                         </a:solidFill>
@@ -11753,29 +11755,6 @@
                         <a:latin typeface="Cambria Math" panose="02040503050406030204" pitchFamily="18" charset="0"/>
                       </a:rPr>
                       <m:t>1</m:t>
-                    </m:r>
-                    <m:r>
-                      <m:rPr>
-                        <m:nor/>
-                      </m:rPr>
-                      <a:rPr lang="en-US" dirty="0"/>
-                      <m:t>,</m:t>
-                    </m:r>
-                    <m:r>
-                      <m:rPr>
-                        <m:nor/>
-                      </m:rPr>
-                      <a:rPr lang="en-US" dirty="0" smtClean="0"/>
-                      <m:t> </m:t>
-                    </m:r>
-                    <m:r>
-                      <a:rPr lang="en-US" b="0" i="1" dirty="0" smtClean="0">
-                        <a:solidFill>
-                          <a:srgbClr val="C00000"/>
-                        </a:solidFill>
-                        <a:latin typeface="Cambria Math" panose="02040503050406030204" pitchFamily="18" charset="0"/>
-                      </a:rPr>
-                      <m:t>2</m:t>
                     </m:r>
                     <m:r>
                       <m:rPr>
@@ -11785,13 +11764,13 @@
                       <m:t>, </m:t>
                     </m:r>
                     <m:r>
-                      <a:rPr lang="en-US" b="0" i="1" dirty="0" smtClean="0">
-                        <a:solidFill>
-                          <a:srgbClr val="C00000"/>
-                        </a:solidFill>
-                        <a:latin typeface="Cambria Math" panose="02040503050406030204" pitchFamily="18" charset="0"/>
-                      </a:rPr>
-                      <m:t>3</m:t>
+                      <a:rPr lang="en-US" i="1" dirty="0">
+                        <a:solidFill>
+                          <a:srgbClr val="C00000"/>
+                        </a:solidFill>
+                        <a:latin typeface="Cambria Math" panose="02040503050406030204" pitchFamily="18" charset="0"/>
+                      </a:rPr>
+                      <m:t>2</m:t>
                     </m:r>
                     <m:r>
                       <m:rPr>
@@ -11807,27 +11786,48 @@
                         </a:solidFill>
                         <a:latin typeface="Cambria Math" panose="02040503050406030204" pitchFamily="18" charset="0"/>
                       </a:rPr>
-                      <m:t>4</m:t>
+                      <m:t>3</m:t>
                     </m:r>
                     <m:r>
                       <m:rPr>
                         <m:nor/>
                       </m:rPr>
                       <a:rPr lang="en-US" dirty="0"/>
-                      <m:t>,</m:t>
+                      <m:t>, </m:t>
+                    </m:r>
+                    <m:r>
+                      <a:rPr lang="en-US" i="1" dirty="0">
+                        <a:solidFill>
+                          <a:srgbClr val="C00000"/>
+                        </a:solidFill>
+                        <a:latin typeface="Cambria Math" panose="02040503050406030204" pitchFamily="18" charset="0"/>
+                      </a:rPr>
+                      <m:t>4</m:t>
                     </m:r>
                     <m:r>
                       <m:rPr>
                         <m:nor/>
                       </m:rPr>
-                      <a:rPr lang="en-US" b="0" i="0" dirty="0" smtClean="0"/>
-                      <m:t>...</m:t>
+                      <a:rPr lang="en-US" dirty="0"/>
+                      <m:t>,...</m:t>
                     </m:r>
                   </m:oMath>
                 </a14:m>
                 <a:r>
                   <a:rPr lang="en-US" dirty="0"/>
-                  <a:t> times. What is the probability we see a repeated outcome among the rolls? </a:t>
+                  <a:t> times. What is the probability we </a:t>
+                </a:r>
+                <a:r>
+                  <a:rPr lang="en-US" dirty="0">
+                    <a:solidFill>
+                      <a:srgbClr val="FF0000"/>
+                    </a:solidFill>
+                  </a:rPr>
+                  <a:t>DO NOT</a:t>
+                </a:r>
+                <a:r>
+                  <a:rPr lang="en-US" dirty="0"/>
+                  <a:t> see a repeated outcome among the rolls? </a:t>
                 </a:r>
               </a:p>
             </p:txBody>
@@ -11858,7 +11858,7 @@
               <a:blipFill>
                 <a:blip r:embed="rId2"/>
                 <a:stretch>
-                  <a:fillRect l="-1043" t="-2089" r="-870"/>
+                  <a:fillRect l="-1043" t="-2089"/>
                 </a:stretch>
               </a:blipFill>
             </p:spPr>
@@ -12146,7 +12146,7 @@
                 <a14:m>
                   <m:oMath xmlns:m="http://schemas.openxmlformats.org/officeDocument/2006/math">
                     <m:r>
-                      <a:rPr lang="en-US" b="0" i="1" dirty="0" smtClean="0">
+                      <a:rPr lang="en-US" i="1" dirty="0">
                         <a:solidFill>
                           <a:srgbClr val="C00000"/>
                         </a:solidFill>
@@ -12155,7 +12155,7 @@
                       <m:t>𝑘</m:t>
                     </m:r>
                     <m:r>
-                      <a:rPr lang="en-US" b="0" i="0" dirty="0" smtClean="0">
+                      <a:rPr lang="en-US" dirty="0">
                         <a:solidFill>
                           <a:srgbClr val="C00000"/>
                         </a:solidFill>
@@ -12171,29 +12171,6 @@
                         <a:latin typeface="Cambria Math" panose="02040503050406030204" pitchFamily="18" charset="0"/>
                       </a:rPr>
                       <m:t>1</m:t>
-                    </m:r>
-                    <m:r>
-                      <m:rPr>
-                        <m:nor/>
-                      </m:rPr>
-                      <a:rPr lang="en-US" dirty="0"/>
-                      <m:t>,</m:t>
-                    </m:r>
-                    <m:r>
-                      <m:rPr>
-                        <m:nor/>
-                      </m:rPr>
-                      <a:rPr lang="en-US" dirty="0" smtClean="0"/>
-                      <m:t> </m:t>
-                    </m:r>
-                    <m:r>
-                      <a:rPr lang="en-US" b="0" i="1" dirty="0" smtClean="0">
-                        <a:solidFill>
-                          <a:srgbClr val="C00000"/>
-                        </a:solidFill>
-                        <a:latin typeface="Cambria Math" panose="02040503050406030204" pitchFamily="18" charset="0"/>
-                      </a:rPr>
-                      <m:t>2</m:t>
                     </m:r>
                     <m:r>
                       <m:rPr>
@@ -12203,13 +12180,13 @@
                       <m:t>, </m:t>
                     </m:r>
                     <m:r>
-                      <a:rPr lang="en-US" b="0" i="1" dirty="0" smtClean="0">
-                        <a:solidFill>
-                          <a:srgbClr val="C00000"/>
-                        </a:solidFill>
-                        <a:latin typeface="Cambria Math" panose="02040503050406030204" pitchFamily="18" charset="0"/>
-                      </a:rPr>
-                      <m:t>3</m:t>
+                      <a:rPr lang="en-US" i="1" dirty="0">
+                        <a:solidFill>
+                          <a:srgbClr val="C00000"/>
+                        </a:solidFill>
+                        <a:latin typeface="Cambria Math" panose="02040503050406030204" pitchFamily="18" charset="0"/>
+                      </a:rPr>
+                      <m:t>2</m:t>
                     </m:r>
                     <m:r>
                       <m:rPr>
@@ -12225,27 +12202,48 @@
                         </a:solidFill>
                         <a:latin typeface="Cambria Math" panose="02040503050406030204" pitchFamily="18" charset="0"/>
                       </a:rPr>
-                      <m:t>4</m:t>
+                      <m:t>3</m:t>
                     </m:r>
                     <m:r>
                       <m:rPr>
                         <m:nor/>
                       </m:rPr>
                       <a:rPr lang="en-US" dirty="0"/>
-                      <m:t>,</m:t>
+                      <m:t>, </m:t>
+                    </m:r>
+                    <m:r>
+                      <a:rPr lang="en-US" i="1" dirty="0">
+                        <a:solidFill>
+                          <a:srgbClr val="C00000"/>
+                        </a:solidFill>
+                        <a:latin typeface="Cambria Math" panose="02040503050406030204" pitchFamily="18" charset="0"/>
+                      </a:rPr>
+                      <m:t>4</m:t>
                     </m:r>
                     <m:r>
                       <m:rPr>
                         <m:nor/>
                       </m:rPr>
-                      <a:rPr lang="en-US" b="0" i="0" dirty="0" smtClean="0"/>
-                      <m:t>...</m:t>
+                      <a:rPr lang="en-US" dirty="0"/>
+                      <m:t>,...</m:t>
                     </m:r>
                   </m:oMath>
                 </a14:m>
                 <a:r>
                   <a:rPr lang="en-US" dirty="0"/>
-                  <a:t> times. What is the probability we see a repeated outcome among the rolls? </a:t>
+                  <a:t> times. What is the probability we </a:t>
+                </a:r>
+                <a:r>
+                  <a:rPr lang="en-US" dirty="0">
+                    <a:solidFill>
+                      <a:srgbClr val="FF0000"/>
+                    </a:solidFill>
+                  </a:rPr>
+                  <a:t>DO NOT</a:t>
+                </a:r>
+                <a:r>
+                  <a:rPr lang="en-US" dirty="0"/>
+                  <a:t> see a repeated outcome among the rolls? </a:t>
                 </a:r>
               </a:p>
             </p:txBody>
@@ -12276,7 +12274,7 @@
               <a:blipFill>
                 <a:blip r:embed="rId2"/>
                 <a:stretch>
-                  <a:fillRect l="-1043" t="-2089" r="-870"/>
+                  <a:fillRect l="-1043" t="-2089"/>
                 </a:stretch>
               </a:blipFill>
             </p:spPr>
@@ -12624,7 +12622,7 @@
                 <a14:m>
                   <m:oMath xmlns:m="http://schemas.openxmlformats.org/officeDocument/2006/math">
                     <m:r>
-                      <a:rPr lang="en-US" b="0" i="1" dirty="0" smtClean="0">
+                      <a:rPr lang="en-US" i="1" dirty="0">
                         <a:solidFill>
                           <a:srgbClr val="C00000"/>
                         </a:solidFill>
@@ -12633,7 +12631,7 @@
                       <m:t>𝑘</m:t>
                     </m:r>
                     <m:r>
-                      <a:rPr lang="en-US" b="0" i="0" dirty="0" smtClean="0">
+                      <a:rPr lang="en-US" dirty="0">
                         <a:solidFill>
                           <a:srgbClr val="C00000"/>
                         </a:solidFill>
@@ -12649,29 +12647,6 @@
                         <a:latin typeface="Cambria Math" panose="02040503050406030204" pitchFamily="18" charset="0"/>
                       </a:rPr>
                       <m:t>1</m:t>
-                    </m:r>
-                    <m:r>
-                      <m:rPr>
-                        <m:nor/>
-                      </m:rPr>
-                      <a:rPr lang="en-US" dirty="0"/>
-                      <m:t>,</m:t>
-                    </m:r>
-                    <m:r>
-                      <m:rPr>
-                        <m:nor/>
-                      </m:rPr>
-                      <a:rPr lang="en-US" dirty="0" smtClean="0"/>
-                      <m:t> </m:t>
-                    </m:r>
-                    <m:r>
-                      <a:rPr lang="en-US" b="0" i="1" dirty="0" smtClean="0">
-                        <a:solidFill>
-                          <a:srgbClr val="C00000"/>
-                        </a:solidFill>
-                        <a:latin typeface="Cambria Math" panose="02040503050406030204" pitchFamily="18" charset="0"/>
-                      </a:rPr>
-                      <m:t>2</m:t>
                     </m:r>
                     <m:r>
                       <m:rPr>
@@ -12681,13 +12656,13 @@
                       <m:t>, </m:t>
                     </m:r>
                     <m:r>
-                      <a:rPr lang="en-US" b="0" i="1" dirty="0" smtClean="0">
-                        <a:solidFill>
-                          <a:srgbClr val="C00000"/>
-                        </a:solidFill>
-                        <a:latin typeface="Cambria Math" panose="02040503050406030204" pitchFamily="18" charset="0"/>
-                      </a:rPr>
-                      <m:t>3</m:t>
+                      <a:rPr lang="en-US" i="1" dirty="0">
+                        <a:solidFill>
+                          <a:srgbClr val="C00000"/>
+                        </a:solidFill>
+                        <a:latin typeface="Cambria Math" panose="02040503050406030204" pitchFamily="18" charset="0"/>
+                      </a:rPr>
+                      <m:t>2</m:t>
                     </m:r>
                     <m:r>
                       <m:rPr>
@@ -12703,27 +12678,48 @@
                         </a:solidFill>
                         <a:latin typeface="Cambria Math" panose="02040503050406030204" pitchFamily="18" charset="0"/>
                       </a:rPr>
-                      <m:t>4</m:t>
+                      <m:t>3</m:t>
                     </m:r>
                     <m:r>
                       <m:rPr>
                         <m:nor/>
                       </m:rPr>
                       <a:rPr lang="en-US" dirty="0"/>
-                      <m:t>,</m:t>
+                      <m:t>, </m:t>
+                    </m:r>
+                    <m:r>
+                      <a:rPr lang="en-US" i="1" dirty="0">
+                        <a:solidFill>
+                          <a:srgbClr val="C00000"/>
+                        </a:solidFill>
+                        <a:latin typeface="Cambria Math" panose="02040503050406030204" pitchFamily="18" charset="0"/>
+                      </a:rPr>
+                      <m:t>4</m:t>
                     </m:r>
                     <m:r>
                       <m:rPr>
                         <m:nor/>
                       </m:rPr>
-                      <a:rPr lang="en-US" b="0" i="0" dirty="0" smtClean="0"/>
-                      <m:t>...</m:t>
+                      <a:rPr lang="en-US" dirty="0"/>
+                      <m:t>,...</m:t>
                     </m:r>
                   </m:oMath>
                 </a14:m>
                 <a:r>
                   <a:rPr lang="en-US" dirty="0"/>
-                  <a:t> times. What is the probability we see a repeated outcome among the rolls? </a:t>
+                  <a:t> times. What is the probability we </a:t>
+                </a:r>
+                <a:r>
+                  <a:rPr lang="en-US" dirty="0">
+                    <a:solidFill>
+                      <a:srgbClr val="FF0000"/>
+                    </a:solidFill>
+                  </a:rPr>
+                  <a:t>DO NOT</a:t>
+                </a:r>
+                <a:r>
+                  <a:rPr lang="en-US" dirty="0"/>
+                  <a:t> see a repeated outcome among the rolls? </a:t>
                 </a:r>
               </a:p>
             </p:txBody>
@@ -12754,7 +12750,7 @@
               <a:blipFill>
                 <a:blip r:embed="rId2"/>
                 <a:stretch>
-                  <a:fillRect l="-1043" t="-2089" r="-870"/>
+                  <a:fillRect l="-1043" t="-2089"/>
                 </a:stretch>
               </a:blipFill>
             </p:spPr>
@@ -14173,7 +14169,7 @@
                 <a14:m>
                   <m:oMath xmlns:m="http://schemas.openxmlformats.org/officeDocument/2006/math">
                     <m:r>
-                      <a:rPr lang="en-US" b="0" i="1" dirty="0" smtClean="0">
+                      <a:rPr lang="en-US" i="1" dirty="0">
                         <a:solidFill>
                           <a:srgbClr val="C00000"/>
                         </a:solidFill>
@@ -14182,7 +14178,7 @@
                       <m:t>𝑘</m:t>
                     </m:r>
                     <m:r>
-                      <a:rPr lang="en-US" b="0" i="0" dirty="0" smtClean="0">
+                      <a:rPr lang="en-US" dirty="0">
                         <a:solidFill>
                           <a:srgbClr val="C00000"/>
                         </a:solidFill>
@@ -14198,29 +14194,6 @@
                         <a:latin typeface="Cambria Math" panose="02040503050406030204" pitchFamily="18" charset="0"/>
                       </a:rPr>
                       <m:t>1</m:t>
-                    </m:r>
-                    <m:r>
-                      <m:rPr>
-                        <m:nor/>
-                      </m:rPr>
-                      <a:rPr lang="en-US" dirty="0"/>
-                      <m:t>,</m:t>
-                    </m:r>
-                    <m:r>
-                      <m:rPr>
-                        <m:nor/>
-                      </m:rPr>
-                      <a:rPr lang="en-US" dirty="0" smtClean="0"/>
-                      <m:t> </m:t>
-                    </m:r>
-                    <m:r>
-                      <a:rPr lang="en-US" b="0" i="1" dirty="0" smtClean="0">
-                        <a:solidFill>
-                          <a:srgbClr val="C00000"/>
-                        </a:solidFill>
-                        <a:latin typeface="Cambria Math" panose="02040503050406030204" pitchFamily="18" charset="0"/>
-                      </a:rPr>
-                      <m:t>2</m:t>
                     </m:r>
                     <m:r>
                       <m:rPr>
@@ -14230,13 +14203,13 @@
                       <m:t>, </m:t>
                     </m:r>
                     <m:r>
-                      <a:rPr lang="en-US" b="0" i="1" dirty="0" smtClean="0">
-                        <a:solidFill>
-                          <a:srgbClr val="C00000"/>
-                        </a:solidFill>
-                        <a:latin typeface="Cambria Math" panose="02040503050406030204" pitchFamily="18" charset="0"/>
-                      </a:rPr>
-                      <m:t>3</m:t>
+                      <a:rPr lang="en-US" i="1" dirty="0">
+                        <a:solidFill>
+                          <a:srgbClr val="C00000"/>
+                        </a:solidFill>
+                        <a:latin typeface="Cambria Math" panose="02040503050406030204" pitchFamily="18" charset="0"/>
+                      </a:rPr>
+                      <m:t>2</m:t>
                     </m:r>
                     <m:r>
                       <m:rPr>
@@ -14252,27 +14225,48 @@
                         </a:solidFill>
                         <a:latin typeface="Cambria Math" panose="02040503050406030204" pitchFamily="18" charset="0"/>
                       </a:rPr>
-                      <m:t>4</m:t>
+                      <m:t>3</m:t>
                     </m:r>
                     <m:r>
                       <m:rPr>
                         <m:nor/>
                       </m:rPr>
                       <a:rPr lang="en-US" dirty="0"/>
-                      <m:t>,</m:t>
+                      <m:t>, </m:t>
+                    </m:r>
+                    <m:r>
+                      <a:rPr lang="en-US" i="1" dirty="0">
+                        <a:solidFill>
+                          <a:srgbClr val="C00000"/>
+                        </a:solidFill>
+                        <a:latin typeface="Cambria Math" panose="02040503050406030204" pitchFamily="18" charset="0"/>
+                      </a:rPr>
+                      <m:t>4</m:t>
                     </m:r>
                     <m:r>
                       <m:rPr>
                         <m:nor/>
                       </m:rPr>
-                      <a:rPr lang="en-US" b="0" i="0" dirty="0" smtClean="0"/>
-                      <m:t>...</m:t>
+                      <a:rPr lang="en-US" dirty="0"/>
+                      <m:t>,...</m:t>
                     </m:r>
                   </m:oMath>
                 </a14:m>
                 <a:r>
                   <a:rPr lang="en-US" dirty="0"/>
-                  <a:t> times. What is the probability we see a repeated outcome among the rolls? </a:t>
+                  <a:t> times. What is the probability we </a:t>
+                </a:r>
+                <a:r>
+                  <a:rPr lang="en-US" dirty="0">
+                    <a:solidFill>
+                      <a:srgbClr val="FF0000"/>
+                    </a:solidFill>
+                  </a:rPr>
+                  <a:t>DO NOT</a:t>
+                </a:r>
+                <a:r>
+                  <a:rPr lang="en-US" dirty="0"/>
+                  <a:t> see a repeated outcome among the rolls? </a:t>
                 </a:r>
               </a:p>
             </p:txBody>
@@ -14303,7 +14297,7 @@
               <a:blipFill>
                 <a:blip r:embed="rId2"/>
                 <a:stretch>
-                  <a:fillRect l="-1043" t="-2089" r="-870"/>
+                  <a:fillRect l="-1043" t="-2089"/>
                 </a:stretch>
               </a:blipFill>
             </p:spPr>
@@ -14726,7 +14720,7 @@
                 <a14:m>
                   <m:oMath xmlns:m="http://schemas.openxmlformats.org/officeDocument/2006/math">
                     <m:r>
-                      <a:rPr lang="en-US" b="0" i="1" dirty="0" smtClean="0">
+                      <a:rPr lang="en-US" i="1" dirty="0">
                         <a:solidFill>
                           <a:srgbClr val="C00000"/>
                         </a:solidFill>
@@ -14735,7 +14729,7 @@
                       <m:t>𝑘</m:t>
                     </m:r>
                     <m:r>
-                      <a:rPr lang="en-US" b="0" i="0" dirty="0" smtClean="0">
+                      <a:rPr lang="en-US" dirty="0">
                         <a:solidFill>
                           <a:srgbClr val="C00000"/>
                         </a:solidFill>
@@ -14751,29 +14745,6 @@
                         <a:latin typeface="Cambria Math" panose="02040503050406030204" pitchFamily="18" charset="0"/>
                       </a:rPr>
                       <m:t>1</m:t>
-                    </m:r>
-                    <m:r>
-                      <m:rPr>
-                        <m:nor/>
-                      </m:rPr>
-                      <a:rPr lang="en-US" dirty="0"/>
-                      <m:t>,</m:t>
-                    </m:r>
-                    <m:r>
-                      <m:rPr>
-                        <m:nor/>
-                      </m:rPr>
-                      <a:rPr lang="en-US" dirty="0" smtClean="0"/>
-                      <m:t> </m:t>
-                    </m:r>
-                    <m:r>
-                      <a:rPr lang="en-US" b="0" i="1" dirty="0" smtClean="0">
-                        <a:solidFill>
-                          <a:srgbClr val="C00000"/>
-                        </a:solidFill>
-                        <a:latin typeface="Cambria Math" panose="02040503050406030204" pitchFamily="18" charset="0"/>
-                      </a:rPr>
-                      <m:t>2</m:t>
                     </m:r>
                     <m:r>
                       <m:rPr>
@@ -14783,13 +14754,13 @@
                       <m:t>, </m:t>
                     </m:r>
                     <m:r>
-                      <a:rPr lang="en-US" b="0" i="1" dirty="0" smtClean="0">
-                        <a:solidFill>
-                          <a:srgbClr val="C00000"/>
-                        </a:solidFill>
-                        <a:latin typeface="Cambria Math" panose="02040503050406030204" pitchFamily="18" charset="0"/>
-                      </a:rPr>
-                      <m:t>3</m:t>
+                      <a:rPr lang="en-US" i="1" dirty="0">
+                        <a:solidFill>
+                          <a:srgbClr val="C00000"/>
+                        </a:solidFill>
+                        <a:latin typeface="Cambria Math" panose="02040503050406030204" pitchFamily="18" charset="0"/>
+                      </a:rPr>
+                      <m:t>2</m:t>
                     </m:r>
                     <m:r>
                       <m:rPr>
@@ -14805,27 +14776,48 @@
                         </a:solidFill>
                         <a:latin typeface="Cambria Math" panose="02040503050406030204" pitchFamily="18" charset="0"/>
                       </a:rPr>
-                      <m:t>4</m:t>
+                      <m:t>3</m:t>
                     </m:r>
                     <m:r>
                       <m:rPr>
                         <m:nor/>
                       </m:rPr>
                       <a:rPr lang="en-US" dirty="0"/>
-                      <m:t>,</m:t>
+                      <m:t>, </m:t>
+                    </m:r>
+                    <m:r>
+                      <a:rPr lang="en-US" i="1" dirty="0">
+                        <a:solidFill>
+                          <a:srgbClr val="C00000"/>
+                        </a:solidFill>
+                        <a:latin typeface="Cambria Math" panose="02040503050406030204" pitchFamily="18" charset="0"/>
+                      </a:rPr>
+                      <m:t>4</m:t>
                     </m:r>
                     <m:r>
                       <m:rPr>
                         <m:nor/>
                       </m:rPr>
-                      <a:rPr lang="en-US" b="0" i="0" dirty="0" smtClean="0"/>
-                      <m:t>...</m:t>
+                      <a:rPr lang="en-US" dirty="0"/>
+                      <m:t>,...</m:t>
                     </m:r>
                   </m:oMath>
                 </a14:m>
                 <a:r>
                   <a:rPr lang="en-US" dirty="0"/>
-                  <a:t> times. What is the probability we see a repeated outcome among the rolls? </a:t>
+                  <a:t> times. What is the probability we </a:t>
+                </a:r>
+                <a:r>
+                  <a:rPr lang="en-US" dirty="0">
+                    <a:solidFill>
+                      <a:srgbClr val="FF0000"/>
+                    </a:solidFill>
+                  </a:rPr>
+                  <a:t>DO NOT</a:t>
+                </a:r>
+                <a:r>
+                  <a:rPr lang="en-US" dirty="0"/>
+                  <a:t> see a repeated outcome among the rolls? </a:t>
                 </a:r>
               </a:p>
             </p:txBody>
@@ -14856,7 +14848,7 @@
               <a:blipFill>
                 <a:blip r:embed="rId2"/>
                 <a:stretch>
-                  <a:fillRect l="-1043" t="-2089" r="-870"/>
+                  <a:fillRect l="-1043" t="-2089"/>
                 </a:stretch>
               </a:blipFill>
             </p:spPr>
@@ -15707,7 +15699,7 @@
                 <a14:m>
                   <m:oMath xmlns:m="http://schemas.openxmlformats.org/officeDocument/2006/math">
                     <m:r>
-                      <a:rPr lang="en-US" b="0" i="1" dirty="0" smtClean="0">
+                      <a:rPr lang="en-US" i="1" dirty="0">
                         <a:solidFill>
                           <a:srgbClr val="C00000"/>
                         </a:solidFill>
@@ -15716,7 +15708,7 @@
                       <m:t>𝑘</m:t>
                     </m:r>
                     <m:r>
-                      <a:rPr lang="en-US" b="0" i="0" dirty="0" smtClean="0">
+                      <a:rPr lang="en-US" dirty="0">
                         <a:solidFill>
                           <a:srgbClr val="C00000"/>
                         </a:solidFill>
@@ -15732,29 +15724,6 @@
                         <a:latin typeface="Cambria Math" panose="02040503050406030204" pitchFamily="18" charset="0"/>
                       </a:rPr>
                       <m:t>1</m:t>
-                    </m:r>
-                    <m:r>
-                      <m:rPr>
-                        <m:nor/>
-                      </m:rPr>
-                      <a:rPr lang="en-US" dirty="0"/>
-                      <m:t>,</m:t>
-                    </m:r>
-                    <m:r>
-                      <m:rPr>
-                        <m:nor/>
-                      </m:rPr>
-                      <a:rPr lang="en-US" dirty="0" smtClean="0"/>
-                      <m:t> </m:t>
-                    </m:r>
-                    <m:r>
-                      <a:rPr lang="en-US" b="0" i="1" dirty="0" smtClean="0">
-                        <a:solidFill>
-                          <a:srgbClr val="C00000"/>
-                        </a:solidFill>
-                        <a:latin typeface="Cambria Math" panose="02040503050406030204" pitchFamily="18" charset="0"/>
-                      </a:rPr>
-                      <m:t>2</m:t>
                     </m:r>
                     <m:r>
                       <m:rPr>
@@ -15764,13 +15733,13 @@
                       <m:t>, </m:t>
                     </m:r>
                     <m:r>
-                      <a:rPr lang="en-US" b="0" i="1" dirty="0" smtClean="0">
-                        <a:solidFill>
-                          <a:srgbClr val="C00000"/>
-                        </a:solidFill>
-                        <a:latin typeface="Cambria Math" panose="02040503050406030204" pitchFamily="18" charset="0"/>
-                      </a:rPr>
-                      <m:t>3</m:t>
+                      <a:rPr lang="en-US" i="1" dirty="0">
+                        <a:solidFill>
+                          <a:srgbClr val="C00000"/>
+                        </a:solidFill>
+                        <a:latin typeface="Cambria Math" panose="02040503050406030204" pitchFamily="18" charset="0"/>
+                      </a:rPr>
+                      <m:t>2</m:t>
                     </m:r>
                     <m:r>
                       <m:rPr>
@@ -15786,27 +15755,48 @@
                         </a:solidFill>
                         <a:latin typeface="Cambria Math" panose="02040503050406030204" pitchFamily="18" charset="0"/>
                       </a:rPr>
-                      <m:t>4</m:t>
+                      <m:t>3</m:t>
                     </m:r>
                     <m:r>
                       <m:rPr>
                         <m:nor/>
                       </m:rPr>
                       <a:rPr lang="en-US" dirty="0"/>
-                      <m:t>,</m:t>
+                      <m:t>, </m:t>
+                    </m:r>
+                    <m:r>
+                      <a:rPr lang="en-US" i="1" dirty="0">
+                        <a:solidFill>
+                          <a:srgbClr val="C00000"/>
+                        </a:solidFill>
+                        <a:latin typeface="Cambria Math" panose="02040503050406030204" pitchFamily="18" charset="0"/>
+                      </a:rPr>
+                      <m:t>4</m:t>
                     </m:r>
                     <m:r>
                       <m:rPr>
                         <m:nor/>
                       </m:rPr>
-                      <a:rPr lang="en-US" b="0" i="0" dirty="0" smtClean="0"/>
-                      <m:t>...</m:t>
+                      <a:rPr lang="en-US" dirty="0"/>
+                      <m:t>,...</m:t>
                     </m:r>
                   </m:oMath>
                 </a14:m>
                 <a:r>
                   <a:rPr lang="en-US" dirty="0"/>
-                  <a:t> times. What is the probability we see a repeated outcome among the rolls? </a:t>
+                  <a:t> times. What is the probability we </a:t>
+                </a:r>
+                <a:r>
+                  <a:rPr lang="en-US" dirty="0">
+                    <a:solidFill>
+                      <a:srgbClr val="FF0000"/>
+                    </a:solidFill>
+                  </a:rPr>
+                  <a:t>DO NOT</a:t>
+                </a:r>
+                <a:r>
+                  <a:rPr lang="en-US" dirty="0"/>
+                  <a:t> see a repeated outcome among the rolls? </a:t>
                 </a:r>
               </a:p>
               <a:p>
@@ -16213,7 +16203,7 @@
               <a:blipFill>
                 <a:blip r:embed="rId2"/>
                 <a:stretch>
-                  <a:fillRect l="-1043" t="-2089" r="-870"/>
+                  <a:fillRect l="-1043" t="-2089"/>
                 </a:stretch>
               </a:blipFill>
             </p:spPr>
@@ -16354,7 +16344,7 @@
                 <a14:m>
                   <m:oMath xmlns:m="http://schemas.openxmlformats.org/officeDocument/2006/math">
                     <m:r>
-                      <a:rPr lang="en-US" b="0" i="1" dirty="0" smtClean="0">
+                      <a:rPr lang="en-US" i="1" dirty="0">
                         <a:solidFill>
                           <a:srgbClr val="C00000"/>
                         </a:solidFill>
@@ -16363,7 +16353,7 @@
                       <m:t>𝑘</m:t>
                     </m:r>
                     <m:r>
-                      <a:rPr lang="en-US" b="0" i="0" dirty="0" smtClean="0">
+                      <a:rPr lang="en-US" dirty="0">
                         <a:solidFill>
                           <a:srgbClr val="C00000"/>
                         </a:solidFill>
@@ -16379,29 +16369,6 @@
                         <a:latin typeface="Cambria Math" panose="02040503050406030204" pitchFamily="18" charset="0"/>
                       </a:rPr>
                       <m:t>1</m:t>
-                    </m:r>
-                    <m:r>
-                      <m:rPr>
-                        <m:nor/>
-                      </m:rPr>
-                      <a:rPr lang="en-US" dirty="0"/>
-                      <m:t>,</m:t>
-                    </m:r>
-                    <m:r>
-                      <m:rPr>
-                        <m:nor/>
-                      </m:rPr>
-                      <a:rPr lang="en-US" dirty="0" smtClean="0"/>
-                      <m:t> </m:t>
-                    </m:r>
-                    <m:r>
-                      <a:rPr lang="en-US" b="0" i="1" dirty="0" smtClean="0">
-                        <a:solidFill>
-                          <a:srgbClr val="C00000"/>
-                        </a:solidFill>
-                        <a:latin typeface="Cambria Math" panose="02040503050406030204" pitchFamily="18" charset="0"/>
-                      </a:rPr>
-                      <m:t>2</m:t>
                     </m:r>
                     <m:r>
                       <m:rPr>
@@ -16411,13 +16378,13 @@
                       <m:t>, </m:t>
                     </m:r>
                     <m:r>
-                      <a:rPr lang="en-US" b="0" i="1" dirty="0" smtClean="0">
-                        <a:solidFill>
-                          <a:srgbClr val="C00000"/>
-                        </a:solidFill>
-                        <a:latin typeface="Cambria Math" panose="02040503050406030204" pitchFamily="18" charset="0"/>
-                      </a:rPr>
-                      <m:t>3</m:t>
+                      <a:rPr lang="en-US" i="1" dirty="0">
+                        <a:solidFill>
+                          <a:srgbClr val="C00000"/>
+                        </a:solidFill>
+                        <a:latin typeface="Cambria Math" panose="02040503050406030204" pitchFamily="18" charset="0"/>
+                      </a:rPr>
+                      <m:t>2</m:t>
                     </m:r>
                     <m:r>
                       <m:rPr>
@@ -16433,27 +16400,48 @@
                         </a:solidFill>
                         <a:latin typeface="Cambria Math" panose="02040503050406030204" pitchFamily="18" charset="0"/>
                       </a:rPr>
-                      <m:t>4</m:t>
+                      <m:t>3</m:t>
                     </m:r>
                     <m:r>
                       <m:rPr>
                         <m:nor/>
                       </m:rPr>
                       <a:rPr lang="en-US" dirty="0"/>
-                      <m:t>,</m:t>
+                      <m:t>, </m:t>
+                    </m:r>
+                    <m:r>
+                      <a:rPr lang="en-US" i="1" dirty="0">
+                        <a:solidFill>
+                          <a:srgbClr val="C00000"/>
+                        </a:solidFill>
+                        <a:latin typeface="Cambria Math" panose="02040503050406030204" pitchFamily="18" charset="0"/>
+                      </a:rPr>
+                      <m:t>4</m:t>
                     </m:r>
                     <m:r>
                       <m:rPr>
                         <m:nor/>
                       </m:rPr>
-                      <a:rPr lang="en-US" b="0" i="0" dirty="0" smtClean="0"/>
-                      <m:t>...</m:t>
+                      <a:rPr lang="en-US" dirty="0"/>
+                      <m:t>,...</m:t>
                     </m:r>
                   </m:oMath>
                 </a14:m>
                 <a:r>
                   <a:rPr lang="en-US" dirty="0"/>
-                  <a:t> times. What is the probability we see a repeated outcome among the rolls? </a:t>
+                  <a:t> times. What is the probability we </a:t>
+                </a:r>
+                <a:r>
+                  <a:rPr lang="en-US" dirty="0">
+                    <a:solidFill>
+                      <a:srgbClr val="FF0000"/>
+                    </a:solidFill>
+                  </a:rPr>
+                  <a:t>DO NOT</a:t>
+                </a:r>
+                <a:r>
+                  <a:rPr lang="en-US" dirty="0"/>
+                  <a:t> see a repeated outcome among the rolls? </a:t>
                 </a:r>
               </a:p>
               <a:p>
@@ -16996,7 +16984,7 @@
               <a:blipFill>
                 <a:blip r:embed="rId2"/>
                 <a:stretch>
-                  <a:fillRect l="-1043" t="-2089" r="-870"/>
+                  <a:fillRect l="-1043" t="-2089"/>
                 </a:stretch>
               </a:blipFill>
             </p:spPr>
@@ -17137,7 +17125,7 @@
                 <a14:m>
                   <m:oMath xmlns:m="http://schemas.openxmlformats.org/officeDocument/2006/math">
                     <m:r>
-                      <a:rPr lang="en-US" b="0" i="1" dirty="0" smtClean="0">
+                      <a:rPr lang="en-US" i="1" dirty="0">
                         <a:solidFill>
                           <a:srgbClr val="C00000"/>
                         </a:solidFill>
@@ -17146,7 +17134,7 @@
                       <m:t>𝑘</m:t>
                     </m:r>
                     <m:r>
-                      <a:rPr lang="en-US" b="0" i="0" dirty="0" smtClean="0">
+                      <a:rPr lang="en-US" dirty="0">
                         <a:solidFill>
                           <a:srgbClr val="C00000"/>
                         </a:solidFill>
@@ -17162,29 +17150,6 @@
                         <a:latin typeface="Cambria Math" panose="02040503050406030204" pitchFamily="18" charset="0"/>
                       </a:rPr>
                       <m:t>1</m:t>
-                    </m:r>
-                    <m:r>
-                      <m:rPr>
-                        <m:nor/>
-                      </m:rPr>
-                      <a:rPr lang="en-US" dirty="0"/>
-                      <m:t>,</m:t>
-                    </m:r>
-                    <m:r>
-                      <m:rPr>
-                        <m:nor/>
-                      </m:rPr>
-                      <a:rPr lang="en-US" dirty="0" smtClean="0"/>
-                      <m:t> </m:t>
-                    </m:r>
-                    <m:r>
-                      <a:rPr lang="en-US" b="0" i="1" dirty="0" smtClean="0">
-                        <a:solidFill>
-                          <a:srgbClr val="C00000"/>
-                        </a:solidFill>
-                        <a:latin typeface="Cambria Math" panose="02040503050406030204" pitchFamily="18" charset="0"/>
-                      </a:rPr>
-                      <m:t>2</m:t>
                     </m:r>
                     <m:r>
                       <m:rPr>
@@ -17194,13 +17159,13 @@
                       <m:t>, </m:t>
                     </m:r>
                     <m:r>
-                      <a:rPr lang="en-US" b="0" i="1" dirty="0" smtClean="0">
-                        <a:solidFill>
-                          <a:srgbClr val="C00000"/>
-                        </a:solidFill>
-                        <a:latin typeface="Cambria Math" panose="02040503050406030204" pitchFamily="18" charset="0"/>
-                      </a:rPr>
-                      <m:t>3</m:t>
+                      <a:rPr lang="en-US" i="1" dirty="0">
+                        <a:solidFill>
+                          <a:srgbClr val="C00000"/>
+                        </a:solidFill>
+                        <a:latin typeface="Cambria Math" panose="02040503050406030204" pitchFamily="18" charset="0"/>
+                      </a:rPr>
+                      <m:t>2</m:t>
                     </m:r>
                     <m:r>
                       <m:rPr>
@@ -17216,27 +17181,48 @@
                         </a:solidFill>
                         <a:latin typeface="Cambria Math" panose="02040503050406030204" pitchFamily="18" charset="0"/>
                       </a:rPr>
-                      <m:t>4</m:t>
+                      <m:t>3</m:t>
                     </m:r>
                     <m:r>
                       <m:rPr>
                         <m:nor/>
                       </m:rPr>
                       <a:rPr lang="en-US" dirty="0"/>
-                      <m:t>,</m:t>
+                      <m:t>, </m:t>
+                    </m:r>
+                    <m:r>
+                      <a:rPr lang="en-US" i="1" dirty="0">
+                        <a:solidFill>
+                          <a:srgbClr val="C00000"/>
+                        </a:solidFill>
+                        <a:latin typeface="Cambria Math" panose="02040503050406030204" pitchFamily="18" charset="0"/>
+                      </a:rPr>
+                      <m:t>4</m:t>
                     </m:r>
                     <m:r>
                       <m:rPr>
                         <m:nor/>
                       </m:rPr>
-                      <a:rPr lang="en-US" b="0" i="0" dirty="0" smtClean="0"/>
-                      <m:t>...</m:t>
+                      <a:rPr lang="en-US" dirty="0"/>
+                      <m:t>,...</m:t>
                     </m:r>
                   </m:oMath>
                 </a14:m>
                 <a:r>
                   <a:rPr lang="en-US" dirty="0"/>
-                  <a:t> times. What is the probability we see a repeated outcome among the rolls? </a:t>
+                  <a:t> times. What is the probability we </a:t>
+                </a:r>
+                <a:r>
+                  <a:rPr lang="en-US" dirty="0">
+                    <a:solidFill>
+                      <a:srgbClr val="FF0000"/>
+                    </a:solidFill>
+                  </a:rPr>
+                  <a:t>DO NOT</a:t>
+                </a:r>
+                <a:r>
+                  <a:rPr lang="en-US" dirty="0"/>
+                  <a:t> see a repeated outcome among the rolls? </a:t>
                 </a:r>
               </a:p>
               <a:p>
@@ -17779,7 +17765,7 @@
               <a:blipFill>
                 <a:blip r:embed="rId2"/>
                 <a:stretch>
-                  <a:fillRect l="-1043" t="-2089" r="-870"/>
+                  <a:fillRect l="-1043" t="-2089"/>
                 </a:stretch>
               </a:blipFill>
             </p:spPr>
@@ -19136,114 +19122,6 @@
 </p:sld>
 </file>
 
-<file path=ppt/slides/slide39.xml><?xml version="1.0" encoding="utf-8"?>
-<p:sld xmlns:a="http://schemas.openxmlformats.org/drawingml/2006/main" xmlns:r="http://schemas.openxmlformats.org/officeDocument/2006/relationships" xmlns:p="http://schemas.openxmlformats.org/presentationml/2006/main">
-  <p:cSld>
-    <p:spTree>
-      <p:nvGrpSpPr>
-        <p:cNvPr id="1" name=""/>
-        <p:cNvGrpSpPr/>
-        <p:nvPr/>
-      </p:nvGrpSpPr>
-      <p:grpSpPr>
-        <a:xfrm>
-          <a:off x="0" y="0"/>
-          <a:ext cx="0" cy="0"/>
-          <a:chOff x="0" y="0"/>
-          <a:chExt cx="0" cy="0"/>
-        </a:xfrm>
-      </p:grpSpPr>
-      <p:sp>
-        <p:nvSpPr>
-          <p:cNvPr id="2" name="Title 1">
-            <a:extLst>
-              <a:ext uri="{FF2B5EF4-FFF2-40B4-BE49-F238E27FC236}">
-                <a16:creationId xmlns:a16="http://schemas.microsoft.com/office/drawing/2014/main" id="{E4449558-8CBC-D30A-02F3-65EA383A4C4F}"/>
-              </a:ext>
-            </a:extLst>
-          </p:cNvPr>
-          <p:cNvSpPr>
-            <a:spLocks noGrp="1"/>
-          </p:cNvSpPr>
-          <p:nvPr>
-            <p:ph type="ctrTitle"/>
-          </p:nvPr>
-        </p:nvSpPr>
-        <p:spPr/>
-        <p:txBody>
-          <a:bodyPr>
-            <a:normAutofit fontScale="90000"/>
-          </a:bodyPr>
-          <a:lstStyle/>
-          <a:p>
-            <a:r>
-              <a:rPr lang="en-US" dirty="0">
-                <a:solidFill>
-                  <a:srgbClr val="C00000"/>
-                </a:solidFill>
-              </a:rPr>
-              <a:t>CSCE 689: Special Topics in Modern Algorithms for Data Science </a:t>
-            </a:r>
-          </a:p>
-        </p:txBody>
-      </p:sp>
-      <p:sp>
-        <p:nvSpPr>
-          <p:cNvPr id="3" name="Subtitle 2">
-            <a:extLst>
-              <a:ext uri="{FF2B5EF4-FFF2-40B4-BE49-F238E27FC236}">
-                <a16:creationId xmlns:a16="http://schemas.microsoft.com/office/drawing/2014/main" id="{89802CB3-FC8E-C393-0D77-33E8A17F6B16}"/>
-              </a:ext>
-            </a:extLst>
-          </p:cNvPr>
-          <p:cNvSpPr>
-            <a:spLocks noGrp="1"/>
-          </p:cNvSpPr>
-          <p:nvPr>
-            <p:ph type="subTitle" idx="1"/>
-          </p:nvPr>
-        </p:nvSpPr>
-        <p:spPr>
-          <a:xfrm>
-            <a:off x="1524000" y="3602037"/>
-            <a:ext cx="9144000" cy="2789797"/>
-          </a:xfrm>
-        </p:spPr>
-        <p:txBody>
-          <a:bodyPr>
-            <a:normAutofit/>
-          </a:bodyPr>
-          <a:lstStyle/>
-          <a:p>
-            <a:r>
-              <a:rPr lang="en-US" sz="3600" dirty="0"/>
-              <a:t>Lecture 3</a:t>
-            </a:r>
-          </a:p>
-          <a:p>
-            <a:endParaRPr lang="en-US" sz="3600" dirty="0"/>
-          </a:p>
-          <a:p>
-            <a:r>
-              <a:rPr lang="en-US" sz="2800" dirty="0"/>
-              <a:t>Samson Zhou</a:t>
-            </a:r>
-          </a:p>
-        </p:txBody>
-      </p:sp>
-    </p:spTree>
-    <p:extLst>
-      <p:ext uri="{BB962C8B-B14F-4D97-AF65-F5344CB8AC3E}">
-        <p14:creationId xmlns:p14="http://schemas.microsoft.com/office/powerpoint/2010/main" val="1360453769"/>
-      </p:ext>
-    </p:extLst>
-  </p:cSld>
-  <p:clrMapOvr>
-    <a:masterClrMapping/>
-  </p:clrMapOvr>
-</p:sld>
-</file>
-
 <file path=ppt/slides/slide4.xml><?xml version="1.0" encoding="utf-8"?>
 <p:sld xmlns:a="http://schemas.openxmlformats.org/drawingml/2006/main" xmlns:r="http://schemas.openxmlformats.org/officeDocument/2006/relationships" xmlns:p="http://schemas.openxmlformats.org/presentationml/2006/main">
   <p:cSld>
@@ -19647,4725 +19525,6 @@
     <p:extLst>
       <p:ext uri="{BB962C8B-B14F-4D97-AF65-F5344CB8AC3E}">
         <p14:creationId xmlns:p14="http://schemas.microsoft.com/office/powerpoint/2010/main" val="2643240650"/>
-      </p:ext>
-    </p:extLst>
-  </p:cSld>
-  <p:clrMapOvr>
-    <a:masterClrMapping/>
-  </p:clrMapOvr>
-</p:sld>
-</file>
-
-<file path=ppt/slides/slide40.xml><?xml version="1.0" encoding="utf-8"?>
-<p:sld xmlns:a="http://schemas.openxmlformats.org/drawingml/2006/main" xmlns:r="http://schemas.openxmlformats.org/officeDocument/2006/relationships" xmlns:p="http://schemas.openxmlformats.org/presentationml/2006/main">
-  <p:cSld>
-    <p:spTree>
-      <p:nvGrpSpPr>
-        <p:cNvPr id="1" name=""/>
-        <p:cNvGrpSpPr/>
-        <p:nvPr/>
-      </p:nvGrpSpPr>
-      <p:grpSpPr>
-        <a:xfrm>
-          <a:off x="0" y="0"/>
-          <a:ext cx="0" cy="0"/>
-          <a:chOff x="0" y="0"/>
-          <a:chExt cx="0" cy="0"/>
-        </a:xfrm>
-      </p:grpSpPr>
-      <p:sp>
-        <p:nvSpPr>
-          <p:cNvPr id="2" name="Title 1">
-            <a:extLst>
-              <a:ext uri="{FF2B5EF4-FFF2-40B4-BE49-F238E27FC236}">
-                <a16:creationId xmlns:a16="http://schemas.microsoft.com/office/drawing/2014/main" id="{FCA5AC62-A5FD-2A5B-018F-859A378AA1D4}"/>
-              </a:ext>
-            </a:extLst>
-          </p:cNvPr>
-          <p:cNvSpPr>
-            <a:spLocks noGrp="1"/>
-          </p:cNvSpPr>
-          <p:nvPr>
-            <p:ph type="title"/>
-          </p:nvPr>
-        </p:nvSpPr>
-        <p:spPr/>
-        <p:txBody>
-          <a:bodyPr/>
-          <a:lstStyle/>
-          <a:p>
-            <a:r>
-              <a:rPr lang="en-US" dirty="0">
-                <a:solidFill>
-                  <a:srgbClr val="C00000"/>
-                </a:solidFill>
-              </a:rPr>
-              <a:t>Trivia Question #3 (Coupon Collector)</a:t>
-            </a:r>
-          </a:p>
-        </p:txBody>
-      </p:sp>
-      <mc:AlternateContent xmlns:mc="http://schemas.openxmlformats.org/markup-compatibility/2006" xmlns:a14="http://schemas.microsoft.com/office/drawing/2010/main">
-        <mc:Choice Requires="a14">
-          <p:sp>
-            <p:nvSpPr>
-              <p:cNvPr id="3" name="Content Placeholder 2">
-                <a:extLst>
-                  <a:ext uri="{FF2B5EF4-FFF2-40B4-BE49-F238E27FC236}">
-                    <a16:creationId xmlns:a16="http://schemas.microsoft.com/office/drawing/2014/main" id="{76F2126B-4AA6-302B-7E5A-170FFAAB8BD1}"/>
-                  </a:ext>
-                </a:extLst>
-              </p:cNvPr>
-              <p:cNvSpPr>
-                <a:spLocks noGrp="1"/>
-              </p:cNvSpPr>
-              <p:nvPr>
-                <p:ph idx="1"/>
-              </p:nvPr>
-            </p:nvSpPr>
-            <p:spPr/>
-            <p:txBody>
-              <a:bodyPr/>
-              <a:lstStyle/>
-              <a:p>
-                <a:pPr>
-                  <a:buClr>
-                    <a:schemeClr val="tx1"/>
-                  </a:buClr>
-                </a:pPr>
-                <a:r>
-                  <a:rPr lang="en-US" dirty="0"/>
-                  <a:t>Suppose we have a fair </a:t>
-                </a:r>
-                <a14:m>
-                  <m:oMath xmlns:m="http://schemas.openxmlformats.org/officeDocument/2006/math">
-                    <m:r>
-                      <a:rPr lang="en-US" b="0" i="1" dirty="0" smtClean="0">
-                        <a:solidFill>
-                          <a:srgbClr val="C00000"/>
-                        </a:solidFill>
-                        <a:latin typeface="Cambria Math" panose="02040503050406030204" pitchFamily="18" charset="0"/>
-                      </a:rPr>
-                      <m:t>𝑛</m:t>
-                    </m:r>
-                  </m:oMath>
-                </a14:m>
-                <a:r>
-                  <a:rPr lang="en-US" dirty="0"/>
-                  <a:t>-sided die. “On average”, how many times should we roll the die before we all possible outcomes among the rolls? Example: </a:t>
-                </a:r>
-                <a14:m>
-                  <m:oMath xmlns:m="http://schemas.openxmlformats.org/officeDocument/2006/math">
-                    <m:r>
-                      <a:rPr lang="en-US" b="0" i="1" dirty="0" smtClean="0">
-                        <a:solidFill>
-                          <a:srgbClr val="C00000"/>
-                        </a:solidFill>
-                        <a:latin typeface="Cambria Math" panose="02040503050406030204" pitchFamily="18" charset="0"/>
-                      </a:rPr>
-                      <m:t>1</m:t>
-                    </m:r>
-                  </m:oMath>
-                </a14:m>
-                <a:r>
-                  <a:rPr lang="en-US" dirty="0"/>
-                  <a:t>, </a:t>
-                </a:r>
-                <a14:m>
-                  <m:oMath xmlns:m="http://schemas.openxmlformats.org/officeDocument/2006/math">
-                    <m:r>
-                      <a:rPr lang="en-US" b="0" i="1" dirty="0" smtClean="0">
-                        <a:solidFill>
-                          <a:srgbClr val="C00000"/>
-                        </a:solidFill>
-                        <a:latin typeface="Cambria Math" panose="02040503050406030204" pitchFamily="18" charset="0"/>
-                      </a:rPr>
-                      <m:t>5</m:t>
-                    </m:r>
-                  </m:oMath>
-                </a14:m>
-                <a:r>
-                  <a:rPr lang="en-US" dirty="0"/>
-                  <a:t>, </a:t>
-                </a:r>
-                <a14:m>
-                  <m:oMath xmlns:m="http://schemas.openxmlformats.org/officeDocument/2006/math">
-                    <m:r>
-                      <a:rPr lang="en-US" b="0" i="1" dirty="0" smtClean="0">
-                        <a:solidFill>
-                          <a:srgbClr val="C00000"/>
-                        </a:solidFill>
-                        <a:latin typeface="Cambria Math" panose="02040503050406030204" pitchFamily="18" charset="0"/>
-                      </a:rPr>
-                      <m:t>2</m:t>
-                    </m:r>
-                  </m:oMath>
-                </a14:m>
-                <a:r>
-                  <a:rPr lang="en-US" dirty="0"/>
-                  <a:t>, </a:t>
-                </a:r>
-                <a14:m>
-                  <m:oMath xmlns:m="http://schemas.openxmlformats.org/officeDocument/2006/math">
-                    <m:r>
-                      <a:rPr lang="en-US" b="0" i="1" dirty="0" smtClean="0">
-                        <a:solidFill>
-                          <a:srgbClr val="C00000"/>
-                        </a:solidFill>
-                        <a:latin typeface="Cambria Math" panose="02040503050406030204" pitchFamily="18" charset="0"/>
-                      </a:rPr>
-                      <m:t>4</m:t>
-                    </m:r>
-                  </m:oMath>
-                </a14:m>
-                <a:r>
-                  <a:rPr lang="en-US" dirty="0"/>
-                  <a:t>,</a:t>
-                </a:r>
-                <a:r>
-                  <a:rPr lang="en-US" dirty="0">
-                    <a:solidFill>
-                      <a:srgbClr val="C00000"/>
-                    </a:solidFill>
-                  </a:rPr>
-                  <a:t> </a:t>
-                </a:r>
-                <a14:m>
-                  <m:oMath xmlns:m="http://schemas.openxmlformats.org/officeDocument/2006/math">
-                    <m:r>
-                      <a:rPr lang="en-US" b="0" i="1" smtClean="0">
-                        <a:solidFill>
-                          <a:srgbClr val="C00000"/>
-                        </a:solidFill>
-                        <a:latin typeface="Cambria Math" panose="02040503050406030204" pitchFamily="18" charset="0"/>
-                      </a:rPr>
-                      <m:t>1</m:t>
-                    </m:r>
-                  </m:oMath>
-                </a14:m>
-                <a:r>
-                  <a:rPr lang="en-US" dirty="0"/>
-                  <a:t>, </a:t>
-                </a:r>
-                <a14:m>
-                  <m:oMath xmlns:m="http://schemas.openxmlformats.org/officeDocument/2006/math">
-                    <m:r>
-                      <a:rPr lang="en-US" b="0" i="1" dirty="0" smtClean="0">
-                        <a:solidFill>
-                          <a:srgbClr val="C00000"/>
-                        </a:solidFill>
-                        <a:latin typeface="Cambria Math" panose="02040503050406030204" pitchFamily="18" charset="0"/>
-                      </a:rPr>
-                      <m:t>3</m:t>
-                    </m:r>
-                  </m:oMath>
-                </a14:m>
-                <a:r>
-                  <a:rPr lang="en-US" dirty="0"/>
-                  <a:t>, </a:t>
-                </a:r>
-                <a14:m>
-                  <m:oMath xmlns:m="http://schemas.openxmlformats.org/officeDocument/2006/math">
-                    <m:r>
-                      <a:rPr lang="en-US" b="0" i="1" dirty="0" smtClean="0">
-                        <a:solidFill>
-                          <a:srgbClr val="C00000"/>
-                        </a:solidFill>
-                        <a:latin typeface="Cambria Math" panose="02040503050406030204" pitchFamily="18" charset="0"/>
-                      </a:rPr>
-                      <m:t>1</m:t>
-                    </m:r>
-                  </m:oMath>
-                </a14:m>
-                <a:r>
-                  <a:rPr lang="en-US" dirty="0"/>
-                  <a:t>, </a:t>
-                </a:r>
-                <a14:m>
-                  <m:oMath xmlns:m="http://schemas.openxmlformats.org/officeDocument/2006/math">
-                    <m:r>
-                      <a:rPr lang="en-US" b="0" i="1" dirty="0" smtClean="0">
-                        <a:solidFill>
-                          <a:srgbClr val="0070C0"/>
-                        </a:solidFill>
-                        <a:latin typeface="Cambria Math" panose="02040503050406030204" pitchFamily="18" charset="0"/>
-                      </a:rPr>
-                      <m:t>6</m:t>
-                    </m:r>
-                  </m:oMath>
-                </a14:m>
-                <a:r>
-                  <a:rPr lang="en-US" dirty="0">
-                    <a:solidFill>
-                      <a:srgbClr val="C00000"/>
-                    </a:solidFill>
-                  </a:rPr>
-                  <a:t> </a:t>
-                </a:r>
-                <a:r>
-                  <a:rPr lang="en-US" dirty="0"/>
-                  <a:t>for</a:t>
-                </a:r>
-                <a:r>
-                  <a:rPr lang="en-US" dirty="0">
-                    <a:solidFill>
-                      <a:srgbClr val="C00000"/>
-                    </a:solidFill>
-                  </a:rPr>
-                  <a:t> </a:t>
-                </a:r>
-                <a14:m>
-                  <m:oMath xmlns:m="http://schemas.openxmlformats.org/officeDocument/2006/math">
-                    <m:r>
-                      <a:rPr lang="en-US" i="1" dirty="0">
-                        <a:solidFill>
-                          <a:srgbClr val="C00000"/>
-                        </a:solidFill>
-                        <a:latin typeface="Cambria Math" panose="02040503050406030204" pitchFamily="18" charset="0"/>
-                      </a:rPr>
-                      <m:t>𝑛</m:t>
-                    </m:r>
-                    <m:r>
-                      <a:rPr lang="en-US" b="0" i="0" dirty="0" smtClean="0">
-                        <a:solidFill>
-                          <a:srgbClr val="C00000"/>
-                        </a:solidFill>
-                        <a:latin typeface="Cambria Math" panose="02040503050406030204" pitchFamily="18" charset="0"/>
-                      </a:rPr>
-                      <m:t>=6</m:t>
-                    </m:r>
-                  </m:oMath>
-                </a14:m>
-                <a:endParaRPr lang="en-US" dirty="0">
-                  <a:solidFill>
-                    <a:srgbClr val="C00000"/>
-                  </a:solidFill>
-                </a:endParaRPr>
-              </a:p>
-              <a:p>
-                <a:pPr>
-                  <a:buClr>
-                    <a:schemeClr val="tx1"/>
-                  </a:buClr>
-                </a:pPr>
-                <a:endParaRPr lang="en-US" dirty="0"/>
-              </a:p>
-              <a:p>
-                <a:pPr>
-                  <a:buClr>
-                    <a:schemeClr val="tx1"/>
-                  </a:buClr>
-                </a:pPr>
-                <a14:m>
-                  <m:oMath xmlns:m="http://schemas.openxmlformats.org/officeDocument/2006/math">
-                    <m:r>
-                      <m:rPr>
-                        <m:sty m:val="p"/>
-                      </m:rPr>
-                      <a:rPr lang="en-US" dirty="0">
-                        <a:solidFill>
-                          <a:srgbClr val="C00000"/>
-                        </a:solidFill>
-                        <a:latin typeface="Cambria Math" panose="02040503050406030204" pitchFamily="18" charset="0"/>
-                      </a:rPr>
-                      <m:t>Θ</m:t>
-                    </m:r>
-                    <m:d>
-                      <m:dPr>
-                        <m:ctrlPr>
-                          <a:rPr lang="en-US" b="0" i="1" dirty="0" smtClean="0">
-                            <a:solidFill>
-                              <a:srgbClr val="C00000"/>
-                            </a:solidFill>
-                            <a:latin typeface="Cambria Math" panose="02040503050406030204" pitchFamily="18" charset="0"/>
-                          </a:rPr>
-                        </m:ctrlPr>
-                      </m:dPr>
-                      <m:e>
-                        <m:r>
-                          <a:rPr lang="en-US" b="0" i="1" dirty="0" smtClean="0">
-                            <a:solidFill>
-                              <a:srgbClr val="C00000"/>
-                            </a:solidFill>
-                            <a:latin typeface="Cambria Math" panose="02040503050406030204" pitchFamily="18" charset="0"/>
-                          </a:rPr>
-                          <m:t>𝑛</m:t>
-                        </m:r>
-                      </m:e>
-                    </m:d>
-                  </m:oMath>
-                </a14:m>
-                <a:endParaRPr lang="en-US" b="0" dirty="0">
-                  <a:solidFill>
-                    <a:srgbClr val="C00000"/>
-                  </a:solidFill>
-                </a:endParaRPr>
-              </a:p>
-              <a:p>
-                <a:pPr>
-                  <a:buClr>
-                    <a:schemeClr val="tx1"/>
-                  </a:buClr>
-                </a:pPr>
-                <a14:m>
-                  <m:oMath xmlns:m="http://schemas.openxmlformats.org/officeDocument/2006/math">
-                    <m:r>
-                      <m:rPr>
-                        <m:sty m:val="p"/>
-                      </m:rPr>
-                      <a:rPr lang="en-US" dirty="0">
-                        <a:solidFill>
-                          <a:srgbClr val="C00000"/>
-                        </a:solidFill>
-                        <a:latin typeface="Cambria Math" panose="02040503050406030204" pitchFamily="18" charset="0"/>
-                      </a:rPr>
-                      <m:t>Θ</m:t>
-                    </m:r>
-                    <m:d>
-                      <m:dPr>
-                        <m:ctrlPr>
-                          <a:rPr lang="en-US" b="0" i="1" dirty="0" smtClean="0">
-                            <a:solidFill>
-                              <a:srgbClr val="C00000"/>
-                            </a:solidFill>
-                            <a:latin typeface="Cambria Math" panose="02040503050406030204" pitchFamily="18" charset="0"/>
-                          </a:rPr>
-                        </m:ctrlPr>
-                      </m:dPr>
-                      <m:e>
-                        <m:r>
-                          <a:rPr lang="en-US" b="0" i="1" dirty="0" smtClean="0">
-                            <a:solidFill>
-                              <a:srgbClr val="C00000"/>
-                            </a:solidFill>
-                            <a:latin typeface="Cambria Math" panose="02040503050406030204" pitchFamily="18" charset="0"/>
-                          </a:rPr>
-                          <m:t>𝑛</m:t>
-                        </m:r>
-                        <m:func>
-                          <m:funcPr>
-                            <m:ctrlPr>
-                              <a:rPr lang="en-US" b="0" i="1" dirty="0" smtClean="0">
-                                <a:solidFill>
-                                  <a:srgbClr val="C00000"/>
-                                </a:solidFill>
-                                <a:latin typeface="Cambria Math" panose="02040503050406030204" pitchFamily="18" charset="0"/>
-                              </a:rPr>
-                            </m:ctrlPr>
-                          </m:funcPr>
-                          <m:fName>
-                            <m:r>
-                              <m:rPr>
-                                <m:sty m:val="p"/>
-                              </m:rPr>
-                              <a:rPr lang="en-US" b="0" i="0" dirty="0" smtClean="0">
-                                <a:solidFill>
-                                  <a:srgbClr val="C00000"/>
-                                </a:solidFill>
-                                <a:latin typeface="Cambria Math" panose="02040503050406030204" pitchFamily="18" charset="0"/>
-                              </a:rPr>
-                              <m:t>log</m:t>
-                            </m:r>
-                          </m:fName>
-                          <m:e>
-                            <m:r>
-                              <a:rPr lang="en-US" b="0" i="1" dirty="0" smtClean="0">
-                                <a:solidFill>
-                                  <a:srgbClr val="C00000"/>
-                                </a:solidFill>
-                                <a:latin typeface="Cambria Math" panose="02040503050406030204" pitchFamily="18" charset="0"/>
-                              </a:rPr>
-                              <m:t>𝑛</m:t>
-                            </m:r>
-                          </m:e>
-                        </m:func>
-                      </m:e>
-                    </m:d>
-                  </m:oMath>
-                </a14:m>
-                <a:endParaRPr lang="en-US" b="0" dirty="0">
-                  <a:solidFill>
-                    <a:srgbClr val="C00000"/>
-                  </a:solidFill>
-                </a:endParaRPr>
-              </a:p>
-              <a:p>
-                <a:pPr>
-                  <a:buClr>
-                    <a:schemeClr val="tx1"/>
-                  </a:buClr>
-                </a:pPr>
-                <a14:m>
-                  <m:oMath xmlns:m="http://schemas.openxmlformats.org/officeDocument/2006/math">
-                    <m:r>
-                      <m:rPr>
-                        <m:sty m:val="p"/>
-                      </m:rPr>
-                      <a:rPr lang="en-US" dirty="0">
-                        <a:solidFill>
-                          <a:srgbClr val="C00000"/>
-                        </a:solidFill>
-                        <a:latin typeface="Cambria Math" panose="02040503050406030204" pitchFamily="18" charset="0"/>
-                      </a:rPr>
-                      <m:t>Θ</m:t>
-                    </m:r>
-                    <m:d>
-                      <m:dPr>
-                        <m:ctrlPr>
-                          <a:rPr lang="en-US" b="0" i="1" dirty="0" smtClean="0">
-                            <a:solidFill>
-                              <a:srgbClr val="C00000"/>
-                            </a:solidFill>
-                            <a:latin typeface="Cambria Math" panose="02040503050406030204" pitchFamily="18" charset="0"/>
-                          </a:rPr>
-                        </m:ctrlPr>
-                      </m:dPr>
-                      <m:e>
-                        <m:r>
-                          <a:rPr lang="en-US" b="0" i="1" dirty="0" smtClean="0">
-                            <a:solidFill>
-                              <a:srgbClr val="C00000"/>
-                            </a:solidFill>
-                            <a:latin typeface="Cambria Math" panose="02040503050406030204" pitchFamily="18" charset="0"/>
-                          </a:rPr>
-                          <m:t>𝑛</m:t>
-                        </m:r>
-                        <m:rad>
-                          <m:radPr>
-                            <m:degHide m:val="on"/>
-                            <m:ctrlPr>
-                              <a:rPr lang="en-US" b="0" i="1" dirty="0" smtClean="0">
-                                <a:solidFill>
-                                  <a:srgbClr val="C00000"/>
-                                </a:solidFill>
-                                <a:latin typeface="Cambria Math" panose="02040503050406030204" pitchFamily="18" charset="0"/>
-                              </a:rPr>
-                            </m:ctrlPr>
-                          </m:radPr>
-                          <m:deg/>
-                          <m:e>
-                            <m:r>
-                              <a:rPr lang="en-US" b="0" i="1" dirty="0" smtClean="0">
-                                <a:solidFill>
-                                  <a:srgbClr val="C00000"/>
-                                </a:solidFill>
-                                <a:latin typeface="Cambria Math" panose="02040503050406030204" pitchFamily="18" charset="0"/>
-                              </a:rPr>
-                              <m:t>𝑛</m:t>
-                            </m:r>
-                          </m:e>
-                        </m:rad>
-                      </m:e>
-                    </m:d>
-                  </m:oMath>
-                </a14:m>
-                <a:endParaRPr lang="en-US" b="0" dirty="0">
-                  <a:solidFill>
-                    <a:srgbClr val="C00000"/>
-                  </a:solidFill>
-                </a:endParaRPr>
-              </a:p>
-              <a:p>
-                <a:pPr>
-                  <a:buClr>
-                    <a:schemeClr val="tx1"/>
-                  </a:buClr>
-                </a:pPr>
-                <a14:m>
-                  <m:oMath xmlns:m="http://schemas.openxmlformats.org/officeDocument/2006/math">
-                    <m:r>
-                      <m:rPr>
-                        <m:sty m:val="p"/>
-                      </m:rPr>
-                      <a:rPr lang="en-US" dirty="0">
-                        <a:solidFill>
-                          <a:srgbClr val="C00000"/>
-                        </a:solidFill>
-                        <a:latin typeface="Cambria Math" panose="02040503050406030204" pitchFamily="18" charset="0"/>
-                      </a:rPr>
-                      <m:t>Θ</m:t>
-                    </m:r>
-                    <m:d>
-                      <m:dPr>
-                        <m:ctrlPr>
-                          <a:rPr lang="en-US" b="0" i="1" dirty="0" smtClean="0">
-                            <a:solidFill>
-                              <a:srgbClr val="C00000"/>
-                            </a:solidFill>
-                            <a:latin typeface="Cambria Math" panose="02040503050406030204" pitchFamily="18" charset="0"/>
-                          </a:rPr>
-                        </m:ctrlPr>
-                      </m:dPr>
-                      <m:e>
-                        <m:sSup>
-                          <m:sSupPr>
-                            <m:ctrlPr>
-                              <a:rPr lang="en-US" b="0" i="1" dirty="0" smtClean="0">
-                                <a:solidFill>
-                                  <a:srgbClr val="C00000"/>
-                                </a:solidFill>
-                                <a:latin typeface="Cambria Math" panose="02040503050406030204" pitchFamily="18" charset="0"/>
-                              </a:rPr>
-                            </m:ctrlPr>
-                          </m:sSupPr>
-                          <m:e>
-                            <m:r>
-                              <a:rPr lang="en-US" b="0" i="1" dirty="0" smtClean="0">
-                                <a:solidFill>
-                                  <a:srgbClr val="C00000"/>
-                                </a:solidFill>
-                                <a:latin typeface="Cambria Math" panose="02040503050406030204" pitchFamily="18" charset="0"/>
-                              </a:rPr>
-                              <m:t>𝑛</m:t>
-                            </m:r>
-                          </m:e>
-                          <m:sup>
-                            <m:r>
-                              <a:rPr lang="en-US" b="0" i="1" dirty="0" smtClean="0">
-                                <a:solidFill>
-                                  <a:srgbClr val="C00000"/>
-                                </a:solidFill>
-                                <a:latin typeface="Cambria Math" panose="02040503050406030204" pitchFamily="18" charset="0"/>
-                              </a:rPr>
-                              <m:t>2</m:t>
-                            </m:r>
-                          </m:sup>
-                        </m:sSup>
-                      </m:e>
-                    </m:d>
-                  </m:oMath>
-                </a14:m>
-                <a:endParaRPr lang="en-US" dirty="0"/>
-              </a:p>
-            </p:txBody>
-          </p:sp>
-        </mc:Choice>
-        <mc:Fallback xmlns="">
-          <p:sp>
-            <p:nvSpPr>
-              <p:cNvPr id="3" name="Content Placeholder 2">
-                <a:extLst>
-                  <a:ext uri="{FF2B5EF4-FFF2-40B4-BE49-F238E27FC236}">
-                    <a16:creationId xmlns:a16="http://schemas.microsoft.com/office/drawing/2014/main" id="{76F2126B-4AA6-302B-7E5A-170FFAAB8BD1}"/>
-                  </a:ext>
-                </a:extLst>
-              </p:cNvPr>
-              <p:cNvSpPr>
-                <a:spLocks noGrp="1" noRot="1" noChangeAspect="1" noMove="1" noResize="1" noEditPoints="1" noAdjustHandles="1" noChangeArrowheads="1" noChangeShapeType="1" noTextEdit="1"/>
-              </p:cNvSpPr>
-              <p:nvPr>
-                <p:ph idx="1"/>
-              </p:nvPr>
-            </p:nvSpPr>
-            <p:spPr>
-              <a:blipFill>
-                <a:blip r:embed="rId2"/>
-                <a:stretch>
-                  <a:fillRect l="-1043" t="-2241"/>
-                </a:stretch>
-              </a:blipFill>
-            </p:spPr>
-            <p:txBody>
-              <a:bodyPr/>
-              <a:lstStyle/>
-              <a:p>
-                <a:r>
-                  <a:rPr lang="en-US">
-                    <a:noFill/>
-                  </a:rPr>
-                  <a:t> </a:t>
-                </a:r>
-              </a:p>
-            </p:txBody>
-          </p:sp>
-        </mc:Fallback>
-      </mc:AlternateContent>
-    </p:spTree>
-    <p:extLst>
-      <p:ext uri="{BB962C8B-B14F-4D97-AF65-F5344CB8AC3E}">
-        <p14:creationId xmlns:p14="http://schemas.microsoft.com/office/powerpoint/2010/main" val="3034161375"/>
-      </p:ext>
-    </p:extLst>
-  </p:cSld>
-  <p:clrMapOvr>
-    <a:masterClrMapping/>
-  </p:clrMapOvr>
-</p:sld>
-</file>
-
-<file path=ppt/slides/slide41.xml><?xml version="1.0" encoding="utf-8"?>
-<p:sld xmlns:a="http://schemas.openxmlformats.org/drawingml/2006/main" xmlns:r="http://schemas.openxmlformats.org/officeDocument/2006/relationships" xmlns:p="http://schemas.openxmlformats.org/presentationml/2006/main">
-  <p:cSld>
-    <p:spTree>
-      <p:nvGrpSpPr>
-        <p:cNvPr id="1" name=""/>
-        <p:cNvGrpSpPr/>
-        <p:nvPr/>
-      </p:nvGrpSpPr>
-      <p:grpSpPr>
-        <a:xfrm>
-          <a:off x="0" y="0"/>
-          <a:ext cx="0" cy="0"/>
-          <a:chOff x="0" y="0"/>
-          <a:chExt cx="0" cy="0"/>
-        </a:xfrm>
-      </p:grpSpPr>
-      <p:sp>
-        <p:nvSpPr>
-          <p:cNvPr id="2" name="Title 1">
-            <a:extLst>
-              <a:ext uri="{FF2B5EF4-FFF2-40B4-BE49-F238E27FC236}">
-                <a16:creationId xmlns:a16="http://schemas.microsoft.com/office/drawing/2014/main" id="{FCA5AC62-A5FD-2A5B-018F-859A378AA1D4}"/>
-              </a:ext>
-            </a:extLst>
-          </p:cNvPr>
-          <p:cNvSpPr>
-            <a:spLocks noGrp="1"/>
-          </p:cNvSpPr>
-          <p:nvPr>
-            <p:ph type="title"/>
-          </p:nvPr>
-        </p:nvSpPr>
-        <p:spPr/>
-        <p:txBody>
-          <a:bodyPr/>
-          <a:lstStyle/>
-          <a:p>
-            <a:r>
-              <a:rPr lang="en-US" dirty="0">
-                <a:solidFill>
-                  <a:srgbClr val="C00000"/>
-                </a:solidFill>
-              </a:rPr>
-              <a:t>Trivia Question #4 (Max Load)</a:t>
-            </a:r>
-          </a:p>
-        </p:txBody>
-      </p:sp>
-      <mc:AlternateContent xmlns:mc="http://schemas.openxmlformats.org/markup-compatibility/2006" xmlns:a14="http://schemas.microsoft.com/office/drawing/2010/main">
-        <mc:Choice Requires="a14">
-          <p:sp>
-            <p:nvSpPr>
-              <p:cNvPr id="3" name="Content Placeholder 2">
-                <a:extLst>
-                  <a:ext uri="{FF2B5EF4-FFF2-40B4-BE49-F238E27FC236}">
-                    <a16:creationId xmlns:a16="http://schemas.microsoft.com/office/drawing/2014/main" id="{76F2126B-4AA6-302B-7E5A-170FFAAB8BD1}"/>
-                  </a:ext>
-                </a:extLst>
-              </p:cNvPr>
-              <p:cNvSpPr>
-                <a:spLocks noGrp="1"/>
-              </p:cNvSpPr>
-              <p:nvPr>
-                <p:ph idx="1"/>
-              </p:nvPr>
-            </p:nvSpPr>
-            <p:spPr/>
-            <p:txBody>
-              <a:bodyPr/>
-              <a:lstStyle/>
-              <a:p>
-                <a:pPr>
-                  <a:buClr>
-                    <a:schemeClr val="tx1"/>
-                  </a:buClr>
-                </a:pPr>
-                <a:r>
-                  <a:rPr lang="en-US" dirty="0"/>
-                  <a:t>Suppose we have a fair </a:t>
-                </a:r>
-                <a14:m>
-                  <m:oMath xmlns:m="http://schemas.openxmlformats.org/officeDocument/2006/math">
-                    <m:r>
-                      <a:rPr lang="en-US" b="0" i="1" dirty="0" smtClean="0">
-                        <a:solidFill>
-                          <a:srgbClr val="C00000"/>
-                        </a:solidFill>
-                        <a:latin typeface="Cambria Math" panose="02040503050406030204" pitchFamily="18" charset="0"/>
-                      </a:rPr>
-                      <m:t>𝑛</m:t>
-                    </m:r>
-                  </m:oMath>
-                </a14:m>
-                <a:r>
-                  <a:rPr lang="en-US" dirty="0"/>
-                  <a:t>-sided die that we roll </a:t>
-                </a:r>
-                <a14:m>
-                  <m:oMath xmlns:m="http://schemas.openxmlformats.org/officeDocument/2006/math">
-                    <m:r>
-                      <a:rPr lang="en-US" i="1" dirty="0">
-                        <a:solidFill>
-                          <a:srgbClr val="C00000"/>
-                        </a:solidFill>
-                        <a:latin typeface="Cambria Math" panose="02040503050406030204" pitchFamily="18" charset="0"/>
-                      </a:rPr>
-                      <m:t>𝑛</m:t>
-                    </m:r>
-                  </m:oMath>
-                </a14:m>
-                <a:r>
-                  <a:rPr lang="en-US" dirty="0"/>
-                  <a:t> times. “On average”, what is the largest number of times any outcome is rolled? Example: </a:t>
-                </a:r>
-                <a14:m>
-                  <m:oMath xmlns:m="http://schemas.openxmlformats.org/officeDocument/2006/math">
-                    <m:r>
-                      <a:rPr lang="en-US" b="0" i="1" dirty="0" smtClean="0">
-                        <a:solidFill>
-                          <a:srgbClr val="0070C0"/>
-                        </a:solidFill>
-                        <a:latin typeface="Cambria Math" panose="02040503050406030204" pitchFamily="18" charset="0"/>
-                      </a:rPr>
-                      <m:t>1</m:t>
-                    </m:r>
-                  </m:oMath>
-                </a14:m>
-                <a:r>
-                  <a:rPr lang="en-US" dirty="0"/>
-                  <a:t>, </a:t>
-                </a:r>
-                <a14:m>
-                  <m:oMath xmlns:m="http://schemas.openxmlformats.org/officeDocument/2006/math">
-                    <m:r>
-                      <a:rPr lang="en-US" b="0" i="1" dirty="0" smtClean="0">
-                        <a:solidFill>
-                          <a:srgbClr val="C00000"/>
-                        </a:solidFill>
-                        <a:latin typeface="Cambria Math" panose="02040503050406030204" pitchFamily="18" charset="0"/>
-                      </a:rPr>
-                      <m:t>5</m:t>
-                    </m:r>
-                  </m:oMath>
-                </a14:m>
-                <a:r>
-                  <a:rPr lang="en-US" dirty="0"/>
-                  <a:t>, </a:t>
-                </a:r>
-                <a14:m>
-                  <m:oMath xmlns:m="http://schemas.openxmlformats.org/officeDocument/2006/math">
-                    <m:r>
-                      <a:rPr lang="en-US" b="0" i="1" dirty="0" smtClean="0">
-                        <a:solidFill>
-                          <a:srgbClr val="C00000"/>
-                        </a:solidFill>
-                        <a:latin typeface="Cambria Math" panose="02040503050406030204" pitchFamily="18" charset="0"/>
-                      </a:rPr>
-                      <m:t>2</m:t>
-                    </m:r>
-                  </m:oMath>
-                </a14:m>
-                <a:r>
-                  <a:rPr lang="en-US" dirty="0"/>
-                  <a:t>, </a:t>
-                </a:r>
-                <a14:m>
-                  <m:oMath xmlns:m="http://schemas.openxmlformats.org/officeDocument/2006/math">
-                    <m:r>
-                      <a:rPr lang="en-US" b="0" i="1" dirty="0" smtClean="0">
-                        <a:solidFill>
-                          <a:srgbClr val="C00000"/>
-                        </a:solidFill>
-                        <a:latin typeface="Cambria Math" panose="02040503050406030204" pitchFamily="18" charset="0"/>
-                      </a:rPr>
-                      <m:t>4</m:t>
-                    </m:r>
-                  </m:oMath>
-                </a14:m>
-                <a:r>
-                  <a:rPr lang="en-US" dirty="0"/>
-                  <a:t>,</a:t>
-                </a:r>
-                <a:r>
-                  <a:rPr lang="en-US" dirty="0">
-                    <a:solidFill>
-                      <a:srgbClr val="C00000"/>
-                    </a:solidFill>
-                  </a:rPr>
-                  <a:t> </a:t>
-                </a:r>
-                <a14:m>
-                  <m:oMath xmlns:m="http://schemas.openxmlformats.org/officeDocument/2006/math">
-                    <m:r>
-                      <a:rPr lang="en-US" b="0" i="1" smtClean="0">
-                        <a:solidFill>
-                          <a:srgbClr val="0070C0"/>
-                        </a:solidFill>
-                        <a:latin typeface="Cambria Math" panose="02040503050406030204" pitchFamily="18" charset="0"/>
-                      </a:rPr>
-                      <m:t>1</m:t>
-                    </m:r>
-                  </m:oMath>
-                </a14:m>
-                <a:r>
-                  <a:rPr lang="en-US" dirty="0"/>
-                  <a:t>, </a:t>
-                </a:r>
-                <a14:m>
-                  <m:oMath xmlns:m="http://schemas.openxmlformats.org/officeDocument/2006/math">
-                    <m:r>
-                      <a:rPr lang="en-US" b="0" i="1" dirty="0" smtClean="0">
-                        <a:solidFill>
-                          <a:srgbClr val="C00000"/>
-                        </a:solidFill>
-                        <a:latin typeface="Cambria Math" panose="02040503050406030204" pitchFamily="18" charset="0"/>
-                      </a:rPr>
-                      <m:t>3</m:t>
-                    </m:r>
-                  </m:oMath>
-                </a14:m>
-                <a:r>
-                  <a:rPr lang="en-US" dirty="0"/>
-                  <a:t>, </a:t>
-                </a:r>
-                <a14:m>
-                  <m:oMath xmlns:m="http://schemas.openxmlformats.org/officeDocument/2006/math">
-                    <m:r>
-                      <a:rPr lang="en-US" b="0" i="1" dirty="0" smtClean="0">
-                        <a:solidFill>
-                          <a:srgbClr val="0070C0"/>
-                        </a:solidFill>
-                        <a:latin typeface="Cambria Math" panose="02040503050406030204" pitchFamily="18" charset="0"/>
-                      </a:rPr>
-                      <m:t>1</m:t>
-                    </m:r>
-                  </m:oMath>
-                </a14:m>
-                <a:r>
-                  <a:rPr lang="en-US" dirty="0">
-                    <a:solidFill>
-                      <a:srgbClr val="C00000"/>
-                    </a:solidFill>
-                  </a:rPr>
-                  <a:t> </a:t>
-                </a:r>
-                <a:r>
-                  <a:rPr lang="en-US" dirty="0"/>
-                  <a:t>for</a:t>
-                </a:r>
-                <a:r>
-                  <a:rPr lang="en-US" dirty="0">
-                    <a:solidFill>
-                      <a:srgbClr val="C00000"/>
-                    </a:solidFill>
-                  </a:rPr>
-                  <a:t> </a:t>
-                </a:r>
-                <a14:m>
-                  <m:oMath xmlns:m="http://schemas.openxmlformats.org/officeDocument/2006/math">
-                    <m:r>
-                      <a:rPr lang="en-US" i="1" dirty="0">
-                        <a:solidFill>
-                          <a:srgbClr val="C00000"/>
-                        </a:solidFill>
-                        <a:latin typeface="Cambria Math" panose="02040503050406030204" pitchFamily="18" charset="0"/>
-                      </a:rPr>
-                      <m:t>𝑛</m:t>
-                    </m:r>
-                    <m:r>
-                      <a:rPr lang="en-US" b="0" i="0" dirty="0" smtClean="0">
-                        <a:solidFill>
-                          <a:srgbClr val="C00000"/>
-                        </a:solidFill>
-                        <a:latin typeface="Cambria Math" panose="02040503050406030204" pitchFamily="18" charset="0"/>
-                      </a:rPr>
-                      <m:t>=7</m:t>
-                    </m:r>
-                  </m:oMath>
-                </a14:m>
-                <a:endParaRPr lang="en-US" dirty="0">
-                  <a:solidFill>
-                    <a:srgbClr val="C00000"/>
-                  </a:solidFill>
-                </a:endParaRPr>
-              </a:p>
-              <a:p>
-                <a:pPr>
-                  <a:buClr>
-                    <a:schemeClr val="tx1"/>
-                  </a:buClr>
-                </a:pPr>
-                <a:endParaRPr lang="en-US" dirty="0"/>
-              </a:p>
-              <a:p>
-                <a:pPr>
-                  <a:buClr>
-                    <a:schemeClr val="tx1"/>
-                  </a:buClr>
-                </a:pPr>
-                <a14:m>
-                  <m:oMath xmlns:m="http://schemas.openxmlformats.org/officeDocument/2006/math">
-                    <m:r>
-                      <m:rPr>
-                        <m:sty m:val="p"/>
-                      </m:rPr>
-                      <a:rPr lang="en-US" dirty="0">
-                        <a:solidFill>
-                          <a:srgbClr val="C00000"/>
-                        </a:solidFill>
-                        <a:latin typeface="Cambria Math" panose="02040503050406030204" pitchFamily="18" charset="0"/>
-                      </a:rPr>
-                      <m:t>Θ</m:t>
-                    </m:r>
-                    <m:r>
-                      <a:rPr lang="en-US" i="1" dirty="0">
-                        <a:solidFill>
-                          <a:srgbClr val="C00000"/>
-                        </a:solidFill>
-                        <a:latin typeface="Cambria Math" panose="02040503050406030204" pitchFamily="18" charset="0"/>
-                      </a:rPr>
-                      <m:t>(1)</m:t>
-                    </m:r>
-                  </m:oMath>
-                </a14:m>
-                <a:endParaRPr lang="en-US" dirty="0"/>
-              </a:p>
-              <a:p>
-                <a:pPr>
-                  <a:buClr>
-                    <a:schemeClr val="tx1"/>
-                  </a:buClr>
-                </a:pPr>
-                <a14:m>
-                  <m:oMath xmlns:m="http://schemas.openxmlformats.org/officeDocument/2006/math">
-                    <m:acc>
-                      <m:accPr>
-                        <m:chr m:val="̃"/>
-                        <m:ctrlPr>
-                          <a:rPr lang="en-US" b="0" i="1" dirty="0" smtClean="0">
-                            <a:solidFill>
-                              <a:srgbClr val="C00000"/>
-                            </a:solidFill>
-                            <a:latin typeface="Cambria Math" panose="02040503050406030204" pitchFamily="18" charset="0"/>
-                          </a:rPr>
-                        </m:ctrlPr>
-                      </m:accPr>
-                      <m:e>
-                        <m:r>
-                          <m:rPr>
-                            <m:sty m:val="p"/>
-                          </m:rPr>
-                          <a:rPr lang="en-US" dirty="0">
-                            <a:solidFill>
-                              <a:srgbClr val="C00000"/>
-                            </a:solidFill>
-                            <a:latin typeface="Cambria Math" panose="02040503050406030204" pitchFamily="18" charset="0"/>
-                          </a:rPr>
-                          <m:t>Θ</m:t>
-                        </m:r>
-                      </m:e>
-                    </m:acc>
-                    <m:r>
-                      <a:rPr lang="en-US" i="1" dirty="0">
-                        <a:solidFill>
-                          <a:srgbClr val="C00000"/>
-                        </a:solidFill>
-                        <a:latin typeface="Cambria Math" panose="02040503050406030204" pitchFamily="18" charset="0"/>
-                      </a:rPr>
-                      <m:t>(</m:t>
-                    </m:r>
-                    <m:func>
-                      <m:funcPr>
-                        <m:ctrlPr>
-                          <a:rPr lang="en-US" i="1" dirty="0">
-                            <a:solidFill>
-                              <a:srgbClr val="C00000"/>
-                            </a:solidFill>
-                            <a:latin typeface="Cambria Math" panose="02040503050406030204" pitchFamily="18" charset="0"/>
-                          </a:rPr>
-                        </m:ctrlPr>
-                      </m:funcPr>
-                      <m:fName>
-                        <m:r>
-                          <m:rPr>
-                            <m:sty m:val="p"/>
-                          </m:rPr>
-                          <a:rPr lang="en-US" dirty="0">
-                            <a:solidFill>
-                              <a:srgbClr val="C00000"/>
-                            </a:solidFill>
-                            <a:latin typeface="Cambria Math" panose="02040503050406030204" pitchFamily="18" charset="0"/>
-                          </a:rPr>
-                          <m:t>log</m:t>
-                        </m:r>
-                      </m:fName>
-                      <m:e>
-                        <m:r>
-                          <a:rPr lang="en-US" i="1" dirty="0">
-                            <a:solidFill>
-                              <a:srgbClr val="C00000"/>
-                            </a:solidFill>
-                            <a:latin typeface="Cambria Math" panose="02040503050406030204" pitchFamily="18" charset="0"/>
-                          </a:rPr>
-                          <m:t>𝑛</m:t>
-                        </m:r>
-                      </m:e>
-                    </m:func>
-                    <m:r>
-                      <a:rPr lang="en-US" i="1" dirty="0">
-                        <a:solidFill>
-                          <a:srgbClr val="C00000"/>
-                        </a:solidFill>
-                        <a:latin typeface="Cambria Math" panose="02040503050406030204" pitchFamily="18" charset="0"/>
-                      </a:rPr>
-                      <m:t>)</m:t>
-                    </m:r>
-                  </m:oMath>
-                </a14:m>
-                <a:endParaRPr lang="en-US" i="1" dirty="0">
-                  <a:solidFill>
-                    <a:srgbClr val="C00000"/>
-                  </a:solidFill>
-                  <a:latin typeface="Cambria Math" panose="02040503050406030204" pitchFamily="18" charset="0"/>
-                </a:endParaRPr>
-              </a:p>
-              <a:p>
-                <a:pPr>
-                  <a:buClr>
-                    <a:schemeClr val="tx1"/>
-                  </a:buClr>
-                </a:pPr>
-                <a14:m>
-                  <m:oMath xmlns:m="http://schemas.openxmlformats.org/officeDocument/2006/math">
-                    <m:acc>
-                      <m:accPr>
-                        <m:chr m:val="̃"/>
-                        <m:ctrlPr>
-                          <a:rPr lang="en-US" i="1" dirty="0">
-                            <a:solidFill>
-                              <a:srgbClr val="C00000"/>
-                            </a:solidFill>
-                            <a:latin typeface="Cambria Math" panose="02040503050406030204" pitchFamily="18" charset="0"/>
-                          </a:rPr>
-                        </m:ctrlPr>
-                      </m:accPr>
-                      <m:e>
-                        <m:r>
-                          <m:rPr>
-                            <m:sty m:val="p"/>
-                          </m:rPr>
-                          <a:rPr lang="en-US" dirty="0">
-                            <a:solidFill>
-                              <a:srgbClr val="C00000"/>
-                            </a:solidFill>
-                            <a:latin typeface="Cambria Math" panose="02040503050406030204" pitchFamily="18" charset="0"/>
-                          </a:rPr>
-                          <m:t>Θ</m:t>
-                        </m:r>
-                      </m:e>
-                    </m:acc>
-                    <m:r>
-                      <a:rPr lang="en-US" i="1" dirty="0">
-                        <a:solidFill>
-                          <a:srgbClr val="C00000"/>
-                        </a:solidFill>
-                        <a:latin typeface="Cambria Math" panose="02040503050406030204" pitchFamily="18" charset="0"/>
-                      </a:rPr>
-                      <m:t>(</m:t>
-                    </m:r>
-                    <m:rad>
-                      <m:radPr>
-                        <m:degHide m:val="on"/>
-                        <m:ctrlPr>
-                          <a:rPr lang="en-US" i="1" dirty="0">
-                            <a:solidFill>
-                              <a:srgbClr val="C00000"/>
-                            </a:solidFill>
-                            <a:latin typeface="Cambria Math" panose="02040503050406030204" pitchFamily="18" charset="0"/>
-                          </a:rPr>
-                        </m:ctrlPr>
-                      </m:radPr>
-                      <m:deg/>
-                      <m:e>
-                        <m:r>
-                          <a:rPr lang="en-US" i="1" dirty="0">
-                            <a:solidFill>
-                              <a:srgbClr val="C00000"/>
-                            </a:solidFill>
-                            <a:latin typeface="Cambria Math" panose="02040503050406030204" pitchFamily="18" charset="0"/>
-                          </a:rPr>
-                          <m:t>𝑛</m:t>
-                        </m:r>
-                      </m:e>
-                    </m:rad>
-                    <m:r>
-                      <a:rPr lang="en-US" i="1" dirty="0">
-                        <a:solidFill>
-                          <a:srgbClr val="C00000"/>
-                        </a:solidFill>
-                        <a:latin typeface="Cambria Math" panose="02040503050406030204" pitchFamily="18" charset="0"/>
-                      </a:rPr>
-                      <m:t>)</m:t>
-                    </m:r>
-                  </m:oMath>
-                </a14:m>
-                <a:endParaRPr lang="en-US" i="1" dirty="0">
-                  <a:solidFill>
-                    <a:srgbClr val="C00000"/>
-                  </a:solidFill>
-                  <a:latin typeface="Cambria Math" panose="02040503050406030204" pitchFamily="18" charset="0"/>
-                </a:endParaRPr>
-              </a:p>
-              <a:p>
-                <a:pPr>
-                  <a:buClr>
-                    <a:schemeClr val="tx1"/>
-                  </a:buClr>
-                </a:pPr>
-                <a14:m>
-                  <m:oMath xmlns:m="http://schemas.openxmlformats.org/officeDocument/2006/math">
-                    <m:acc>
-                      <m:accPr>
-                        <m:chr m:val="̃"/>
-                        <m:ctrlPr>
-                          <a:rPr lang="en-US" i="1" dirty="0">
-                            <a:solidFill>
-                              <a:srgbClr val="C00000"/>
-                            </a:solidFill>
-                            <a:latin typeface="Cambria Math" panose="02040503050406030204" pitchFamily="18" charset="0"/>
-                          </a:rPr>
-                        </m:ctrlPr>
-                      </m:accPr>
-                      <m:e>
-                        <m:r>
-                          <m:rPr>
-                            <m:sty m:val="p"/>
-                          </m:rPr>
-                          <a:rPr lang="en-US" dirty="0">
-                            <a:solidFill>
-                              <a:srgbClr val="C00000"/>
-                            </a:solidFill>
-                            <a:latin typeface="Cambria Math" panose="02040503050406030204" pitchFamily="18" charset="0"/>
-                          </a:rPr>
-                          <m:t>Θ</m:t>
-                        </m:r>
-                      </m:e>
-                    </m:acc>
-                    <m:r>
-                      <a:rPr lang="en-US" i="1" dirty="0">
-                        <a:solidFill>
-                          <a:srgbClr val="C00000"/>
-                        </a:solidFill>
-                        <a:latin typeface="Cambria Math" panose="02040503050406030204" pitchFamily="18" charset="0"/>
-                      </a:rPr>
-                      <m:t>(</m:t>
-                    </m:r>
-                    <m:r>
-                      <a:rPr lang="en-US" i="1" dirty="0">
-                        <a:solidFill>
-                          <a:srgbClr val="C00000"/>
-                        </a:solidFill>
-                        <a:latin typeface="Cambria Math" panose="02040503050406030204" pitchFamily="18" charset="0"/>
-                      </a:rPr>
-                      <m:t>𝑛</m:t>
-                    </m:r>
-                    <m:r>
-                      <a:rPr lang="en-US" i="1" dirty="0">
-                        <a:solidFill>
-                          <a:srgbClr val="C00000"/>
-                        </a:solidFill>
-                        <a:latin typeface="Cambria Math" panose="02040503050406030204" pitchFamily="18" charset="0"/>
-                      </a:rPr>
-                      <m:t>)</m:t>
-                    </m:r>
-                  </m:oMath>
-                </a14:m>
-                <a:endParaRPr lang="en-US" dirty="0"/>
-              </a:p>
-            </p:txBody>
-          </p:sp>
-        </mc:Choice>
-        <mc:Fallback xmlns="">
-          <p:sp>
-            <p:nvSpPr>
-              <p:cNvPr id="3" name="Content Placeholder 2">
-                <a:extLst>
-                  <a:ext uri="{FF2B5EF4-FFF2-40B4-BE49-F238E27FC236}">
-                    <a16:creationId xmlns:a16="http://schemas.microsoft.com/office/drawing/2014/main" id="{76F2126B-4AA6-302B-7E5A-170FFAAB8BD1}"/>
-                  </a:ext>
-                </a:extLst>
-              </p:cNvPr>
-              <p:cNvSpPr>
-                <a:spLocks noGrp="1" noRot="1" noChangeAspect="1" noMove="1" noResize="1" noEditPoints="1" noAdjustHandles="1" noChangeArrowheads="1" noChangeShapeType="1" noTextEdit="1"/>
-              </p:cNvSpPr>
-              <p:nvPr>
-                <p:ph idx="1"/>
-              </p:nvPr>
-            </p:nvSpPr>
-            <p:spPr>
-              <a:blipFill>
-                <a:blip r:embed="rId2"/>
-                <a:stretch>
-                  <a:fillRect l="-1043" t="-2241" r="-1565"/>
-                </a:stretch>
-              </a:blipFill>
-            </p:spPr>
-            <p:txBody>
-              <a:bodyPr/>
-              <a:lstStyle/>
-              <a:p>
-                <a:r>
-                  <a:rPr lang="en-US">
-                    <a:noFill/>
-                  </a:rPr>
-                  <a:t> </a:t>
-                </a:r>
-              </a:p>
-            </p:txBody>
-          </p:sp>
-        </mc:Fallback>
-      </mc:AlternateContent>
-    </p:spTree>
-    <p:extLst>
-      <p:ext uri="{BB962C8B-B14F-4D97-AF65-F5344CB8AC3E}">
-        <p14:creationId xmlns:p14="http://schemas.microsoft.com/office/powerpoint/2010/main" val="2069971113"/>
-      </p:ext>
-    </p:extLst>
-  </p:cSld>
-  <p:clrMapOvr>
-    <a:masterClrMapping/>
-  </p:clrMapOvr>
-</p:sld>
-</file>
-
-<file path=ppt/slides/slide42.xml><?xml version="1.0" encoding="utf-8"?>
-<p:sld xmlns:a="http://schemas.openxmlformats.org/drawingml/2006/main" xmlns:r="http://schemas.openxmlformats.org/officeDocument/2006/relationships" xmlns:p="http://schemas.openxmlformats.org/presentationml/2006/main">
-  <p:cSld>
-    <p:spTree>
-      <p:nvGrpSpPr>
-        <p:cNvPr id="1" name=""/>
-        <p:cNvGrpSpPr/>
-        <p:nvPr/>
-      </p:nvGrpSpPr>
-      <p:grpSpPr>
-        <a:xfrm>
-          <a:off x="0" y="0"/>
-          <a:ext cx="0" cy="0"/>
-          <a:chOff x="0" y="0"/>
-          <a:chExt cx="0" cy="0"/>
-        </a:xfrm>
-      </p:grpSpPr>
-      <p:sp>
-        <p:nvSpPr>
-          <p:cNvPr id="2" name="Title 1">
-            <a:extLst>
-              <a:ext uri="{FF2B5EF4-FFF2-40B4-BE49-F238E27FC236}">
-                <a16:creationId xmlns:a16="http://schemas.microsoft.com/office/drawing/2014/main" id="{A49DDC00-2744-B7F9-8394-609BE1AEC413}"/>
-              </a:ext>
-            </a:extLst>
-          </p:cNvPr>
-          <p:cNvSpPr>
-            <a:spLocks noGrp="1"/>
-          </p:cNvSpPr>
-          <p:nvPr>
-            <p:ph type="title"/>
-          </p:nvPr>
-        </p:nvSpPr>
-        <p:spPr/>
-        <p:txBody>
-          <a:bodyPr/>
-          <a:lstStyle/>
-          <a:p>
-            <a:r>
-              <a:rPr lang="en-US" dirty="0">
-                <a:solidFill>
-                  <a:srgbClr val="C00000"/>
-                </a:solidFill>
-              </a:rPr>
-              <a:t>Expected Value</a:t>
-            </a:r>
-            <a:endParaRPr lang="en-US" dirty="0"/>
-          </a:p>
-        </p:txBody>
-      </p:sp>
-      <mc:AlternateContent xmlns:mc="http://schemas.openxmlformats.org/markup-compatibility/2006" xmlns:a14="http://schemas.microsoft.com/office/drawing/2010/main">
-        <mc:Choice Requires="a14">
-          <p:sp>
-            <p:nvSpPr>
-              <p:cNvPr id="3" name="Content Placeholder 2">
-                <a:extLst>
-                  <a:ext uri="{FF2B5EF4-FFF2-40B4-BE49-F238E27FC236}">
-                    <a16:creationId xmlns:a16="http://schemas.microsoft.com/office/drawing/2014/main" id="{6666941B-6AAA-DFD0-8896-ACB1B4FE2AC6}"/>
-                  </a:ext>
-                </a:extLst>
-              </p:cNvPr>
-              <p:cNvSpPr>
-                <a:spLocks noGrp="1"/>
-              </p:cNvSpPr>
-              <p:nvPr>
-                <p:ph idx="1"/>
-              </p:nvPr>
-            </p:nvSpPr>
-            <p:spPr>
-              <a:xfrm>
-                <a:off x="838200" y="1825625"/>
-                <a:ext cx="10515600" cy="4667250"/>
-              </a:xfrm>
-            </p:spPr>
-            <p:txBody>
-              <a:bodyPr>
-                <a:normAutofit/>
-              </a:bodyPr>
-              <a:lstStyle/>
-              <a:p>
-                <a:r>
-                  <a:rPr lang="en-US" dirty="0"/>
-                  <a:t>The expected value of a random variable </a:t>
-                </a:r>
-                <a14:m>
-                  <m:oMath xmlns:m="http://schemas.openxmlformats.org/officeDocument/2006/math">
-                    <m:r>
-                      <a:rPr lang="en-US" b="0" i="1" dirty="0" smtClean="0">
-                        <a:solidFill>
-                          <a:srgbClr val="C00000"/>
-                        </a:solidFill>
-                        <a:latin typeface="Cambria Math" panose="02040503050406030204" pitchFamily="18" charset="0"/>
-                      </a:rPr>
-                      <m:t>𝑋</m:t>
-                    </m:r>
-                  </m:oMath>
-                </a14:m>
-                <a:r>
-                  <a:rPr lang="en-US" dirty="0"/>
-                  <a:t> over </a:t>
-                </a:r>
-                <a14:m>
-                  <m:oMath xmlns:m="http://schemas.openxmlformats.org/officeDocument/2006/math">
-                    <m:r>
-                      <m:rPr>
-                        <m:sty m:val="p"/>
-                      </m:rPr>
-                      <a:rPr lang="en-US" b="0" i="0" dirty="0" smtClean="0">
-                        <a:solidFill>
-                          <a:srgbClr val="C00000"/>
-                        </a:solidFill>
-                        <a:latin typeface="Cambria Math" panose="02040503050406030204" pitchFamily="18" charset="0"/>
-                      </a:rPr>
-                      <m:t>Ω</m:t>
-                    </m:r>
-                  </m:oMath>
-                </a14:m>
-                <a:r>
-                  <a:rPr lang="en-US" dirty="0"/>
-                  <a:t> is:</a:t>
-                </a:r>
-              </a:p>
-              <a:p>
-                <a:endParaRPr lang="en-US" dirty="0"/>
-              </a:p>
-              <a:p>
-                <a:endParaRPr lang="en-US" dirty="0"/>
-              </a:p>
-              <a:p>
-                <a:endParaRPr lang="en-US" dirty="0"/>
-              </a:p>
-              <a:p>
-                <a:r>
-                  <a:rPr lang="en-US" dirty="0"/>
-                  <a:t>The “average value of the random variable"</a:t>
-                </a:r>
-              </a:p>
-              <a:p>
-                <a:endParaRPr lang="en-US" dirty="0"/>
-              </a:p>
-              <a:p>
-                <a:endParaRPr lang="en-US" dirty="0"/>
-              </a:p>
-              <a:p>
-                <a:r>
-                  <a:rPr lang="en-US" dirty="0"/>
-                  <a:t>Linearity of expectation: </a:t>
-                </a:r>
-                <a14:m>
-                  <m:oMath xmlns:m="http://schemas.openxmlformats.org/officeDocument/2006/math">
-                    <m:r>
-                      <m:rPr>
-                        <m:sty m:val="p"/>
-                      </m:rPr>
-                      <a:rPr lang="en-US" sz="2800" b="0" i="0" dirty="0" smtClean="0">
-                        <a:solidFill>
-                          <a:srgbClr val="C00000"/>
-                        </a:solidFill>
-                        <a:latin typeface="Cambria Math" panose="02040503050406030204" pitchFamily="18" charset="0"/>
-                      </a:rPr>
-                      <m:t>E</m:t>
-                    </m:r>
-                    <m:d>
-                      <m:dPr>
-                        <m:begChr m:val="["/>
-                        <m:endChr m:val="]"/>
-                        <m:ctrlPr>
-                          <a:rPr lang="en-US" sz="2800" b="0" i="1" dirty="0" smtClean="0">
-                            <a:solidFill>
-                              <a:srgbClr val="C00000"/>
-                            </a:solidFill>
-                            <a:latin typeface="Cambria Math" panose="02040503050406030204" pitchFamily="18" charset="0"/>
-                          </a:rPr>
-                        </m:ctrlPr>
-                      </m:dPr>
-                      <m:e>
-                        <m:r>
-                          <a:rPr lang="en-US" sz="2800" b="0" i="1" dirty="0" smtClean="0">
-                            <a:solidFill>
-                              <a:srgbClr val="C00000"/>
-                            </a:solidFill>
-                            <a:latin typeface="Cambria Math" panose="02040503050406030204" pitchFamily="18" charset="0"/>
-                          </a:rPr>
-                          <m:t>𝑋</m:t>
-                        </m:r>
-                        <m:r>
-                          <a:rPr lang="en-US" sz="2800" b="0" i="1" dirty="0" smtClean="0">
-                            <a:solidFill>
-                              <a:srgbClr val="C00000"/>
-                            </a:solidFill>
-                            <a:latin typeface="Cambria Math" panose="02040503050406030204" pitchFamily="18" charset="0"/>
-                          </a:rPr>
-                          <m:t>+</m:t>
-                        </m:r>
-                        <m:r>
-                          <a:rPr lang="en-US" sz="2800" b="0" i="1" dirty="0" smtClean="0">
-                            <a:solidFill>
-                              <a:srgbClr val="C00000"/>
-                            </a:solidFill>
-                            <a:latin typeface="Cambria Math" panose="02040503050406030204" pitchFamily="18" charset="0"/>
-                          </a:rPr>
-                          <m:t>𝑌</m:t>
-                        </m:r>
-                      </m:e>
-                    </m:d>
-                    <m:r>
-                      <a:rPr lang="en-US" i="1" dirty="0">
-                        <a:solidFill>
-                          <a:srgbClr val="C00000"/>
-                        </a:solidFill>
-                        <a:latin typeface="Cambria Math" panose="02040503050406030204" pitchFamily="18" charset="0"/>
-                      </a:rPr>
-                      <m:t>=</m:t>
-                    </m:r>
-                    <m:r>
-                      <m:rPr>
-                        <m:sty m:val="p"/>
-                      </m:rPr>
-                      <a:rPr lang="en-US" i="0" dirty="0">
-                        <a:solidFill>
-                          <a:srgbClr val="C00000"/>
-                        </a:solidFill>
-                        <a:latin typeface="Cambria Math" panose="02040503050406030204" pitchFamily="18" charset="0"/>
-                      </a:rPr>
-                      <m:t>E</m:t>
-                    </m:r>
-                    <m:d>
-                      <m:dPr>
-                        <m:begChr m:val="["/>
-                        <m:endChr m:val="]"/>
-                        <m:ctrlPr>
-                          <a:rPr lang="en-US" i="1" dirty="0">
-                            <a:solidFill>
-                              <a:srgbClr val="C00000"/>
-                            </a:solidFill>
-                            <a:latin typeface="Cambria Math" panose="02040503050406030204" pitchFamily="18" charset="0"/>
-                          </a:rPr>
-                        </m:ctrlPr>
-                      </m:dPr>
-                      <m:e>
-                        <m:r>
-                          <a:rPr lang="en-US" i="1" dirty="0">
-                            <a:solidFill>
-                              <a:srgbClr val="C00000"/>
-                            </a:solidFill>
-                            <a:latin typeface="Cambria Math" panose="02040503050406030204" pitchFamily="18" charset="0"/>
-                          </a:rPr>
-                          <m:t>𝑋</m:t>
-                        </m:r>
-                      </m:e>
-                    </m:d>
-                    <m:r>
-                      <a:rPr lang="en-US" b="0" i="0" dirty="0" smtClean="0">
-                        <a:solidFill>
-                          <a:srgbClr val="C00000"/>
-                        </a:solidFill>
-                        <a:latin typeface="Cambria Math" panose="02040503050406030204" pitchFamily="18" charset="0"/>
-                      </a:rPr>
-                      <m:t>+</m:t>
-                    </m:r>
-                    <m:r>
-                      <m:rPr>
-                        <m:sty m:val="p"/>
-                      </m:rPr>
-                      <a:rPr lang="en-US" i="0" dirty="0">
-                        <a:solidFill>
-                          <a:srgbClr val="C00000"/>
-                        </a:solidFill>
-                        <a:latin typeface="Cambria Math" panose="02040503050406030204" pitchFamily="18" charset="0"/>
-                      </a:rPr>
-                      <m:t>E</m:t>
-                    </m:r>
-                    <m:d>
-                      <m:dPr>
-                        <m:begChr m:val="["/>
-                        <m:endChr m:val="]"/>
-                        <m:ctrlPr>
-                          <a:rPr lang="en-US" i="1" dirty="0">
-                            <a:solidFill>
-                              <a:srgbClr val="C00000"/>
-                            </a:solidFill>
-                            <a:latin typeface="Cambria Math" panose="02040503050406030204" pitchFamily="18" charset="0"/>
-                          </a:rPr>
-                        </m:ctrlPr>
-                      </m:dPr>
-                      <m:e>
-                        <m:r>
-                          <a:rPr lang="en-US" b="0" i="1" dirty="0" smtClean="0">
-                            <a:solidFill>
-                              <a:srgbClr val="C00000"/>
-                            </a:solidFill>
-                            <a:latin typeface="Cambria Math" panose="02040503050406030204" pitchFamily="18" charset="0"/>
-                          </a:rPr>
-                          <m:t>𝑌</m:t>
-                        </m:r>
-                      </m:e>
-                    </m:d>
-                  </m:oMath>
-                </a14:m>
-                <a:endParaRPr lang="en-US" dirty="0"/>
-              </a:p>
-            </p:txBody>
-          </p:sp>
-        </mc:Choice>
-        <mc:Fallback xmlns="">
-          <p:sp>
-            <p:nvSpPr>
-              <p:cNvPr id="3" name="Content Placeholder 2">
-                <a:extLst>
-                  <a:ext uri="{FF2B5EF4-FFF2-40B4-BE49-F238E27FC236}">
-                    <a16:creationId xmlns:a16="http://schemas.microsoft.com/office/drawing/2014/main" id="{6666941B-6AAA-DFD0-8896-ACB1B4FE2AC6}"/>
-                  </a:ext>
-                </a:extLst>
-              </p:cNvPr>
-              <p:cNvSpPr>
-                <a:spLocks noGrp="1" noRot="1" noChangeAspect="1" noMove="1" noResize="1" noEditPoints="1" noAdjustHandles="1" noChangeArrowheads="1" noChangeShapeType="1" noTextEdit="1"/>
-              </p:cNvSpPr>
-              <p:nvPr>
-                <p:ph idx="1"/>
-              </p:nvPr>
-            </p:nvSpPr>
-            <p:spPr>
-              <a:xfrm>
-                <a:off x="838200" y="1825625"/>
-                <a:ext cx="10515600" cy="4667250"/>
-              </a:xfrm>
-              <a:blipFill>
-                <a:blip r:embed="rId2"/>
-                <a:stretch>
-                  <a:fillRect l="-1043" t="-2089"/>
-                </a:stretch>
-              </a:blipFill>
-            </p:spPr>
-            <p:txBody>
-              <a:bodyPr/>
-              <a:lstStyle/>
-              <a:p>
-                <a:r>
-                  <a:rPr lang="en-US">
-                    <a:noFill/>
-                  </a:rPr>
-                  <a:t> </a:t>
-                </a:r>
-              </a:p>
-            </p:txBody>
-          </p:sp>
-        </mc:Fallback>
-      </mc:AlternateContent>
-      <mc:AlternateContent xmlns:mc="http://schemas.openxmlformats.org/markup-compatibility/2006" xmlns:a14="http://schemas.microsoft.com/office/drawing/2010/main">
-        <mc:Choice Requires="a14">
-          <p:sp>
-            <p:nvSpPr>
-              <p:cNvPr id="5" name="TextBox 4">
-                <a:extLst>
-                  <a:ext uri="{FF2B5EF4-FFF2-40B4-BE49-F238E27FC236}">
-                    <a16:creationId xmlns:a16="http://schemas.microsoft.com/office/drawing/2014/main" id="{A2DE4CEA-73D7-CD0E-D451-149152B610B0}"/>
-                  </a:ext>
-                </a:extLst>
-              </p:cNvPr>
-              <p:cNvSpPr txBox="1"/>
-              <p:nvPr/>
-            </p:nvSpPr>
-            <p:spPr>
-              <a:xfrm>
-                <a:off x="2877670" y="2356828"/>
-                <a:ext cx="6096000" cy="1137876"/>
-              </a:xfrm>
-              <a:prstGeom prst="rect">
-                <a:avLst/>
-              </a:prstGeom>
-              <a:noFill/>
-            </p:spPr>
-            <p:txBody>
-              <a:bodyPr wrap="square">
-                <a:spAutoFit/>
-              </a:bodyPr>
-              <a:lstStyle/>
-              <a:p>
-                <a:pPr/>
-                <a14:m>
-                  <m:oMathPara xmlns:m="http://schemas.openxmlformats.org/officeDocument/2006/math">
-                    <m:oMathParaPr>
-                      <m:jc m:val="centerGroup"/>
-                    </m:oMathParaPr>
-                    <m:oMath xmlns:m="http://schemas.openxmlformats.org/officeDocument/2006/math">
-                      <m:r>
-                        <m:rPr>
-                          <m:sty m:val="p"/>
-                        </m:rPr>
-                        <a:rPr lang="en-US" sz="2800" b="0" i="0" dirty="0" smtClean="0">
-                          <a:solidFill>
-                            <a:srgbClr val="C00000"/>
-                          </a:solidFill>
-                          <a:latin typeface="Cambria Math" panose="02040503050406030204" pitchFamily="18" charset="0"/>
-                        </a:rPr>
-                        <m:t>E</m:t>
-                      </m:r>
-                      <m:d>
-                        <m:dPr>
-                          <m:begChr m:val="["/>
-                          <m:endChr m:val="]"/>
-                          <m:ctrlPr>
-                            <a:rPr lang="en-US" sz="2800" b="0" i="1" dirty="0" smtClean="0">
-                              <a:solidFill>
-                                <a:srgbClr val="C00000"/>
-                              </a:solidFill>
-                              <a:latin typeface="Cambria Math" panose="02040503050406030204" pitchFamily="18" charset="0"/>
-                            </a:rPr>
-                          </m:ctrlPr>
-                        </m:dPr>
-                        <m:e>
-                          <m:r>
-                            <a:rPr lang="en-US" sz="2800" b="0" i="1" dirty="0" smtClean="0">
-                              <a:solidFill>
-                                <a:srgbClr val="C00000"/>
-                              </a:solidFill>
-                              <a:latin typeface="Cambria Math" panose="02040503050406030204" pitchFamily="18" charset="0"/>
-                            </a:rPr>
-                            <m:t>𝑋</m:t>
-                          </m:r>
-                        </m:e>
-                      </m:d>
-                      <m:r>
-                        <a:rPr lang="en-US" sz="2800" b="0" i="1" dirty="0" smtClean="0">
-                          <a:solidFill>
-                            <a:srgbClr val="C00000"/>
-                          </a:solidFill>
-                          <a:latin typeface="Cambria Math" panose="02040503050406030204" pitchFamily="18" charset="0"/>
-                        </a:rPr>
-                        <m:t>=</m:t>
-                      </m:r>
-                      <m:nary>
-                        <m:naryPr>
-                          <m:chr m:val="∑"/>
-                          <m:supHide m:val="on"/>
-                          <m:ctrlPr>
-                            <a:rPr lang="en-US" sz="2800" b="0" i="1" dirty="0" smtClean="0">
-                              <a:solidFill>
-                                <a:srgbClr val="C00000"/>
-                              </a:solidFill>
-                              <a:latin typeface="Cambria Math" panose="02040503050406030204" pitchFamily="18" charset="0"/>
-                            </a:rPr>
-                          </m:ctrlPr>
-                        </m:naryPr>
-                        <m:sub>
-                          <m:r>
-                            <m:rPr>
-                              <m:brk m:alnAt="7"/>
-                            </m:rPr>
-                            <a:rPr lang="en-US" sz="2800" b="0" i="1" dirty="0" smtClean="0">
-                              <a:solidFill>
-                                <a:srgbClr val="C00000"/>
-                              </a:solidFill>
-                              <a:latin typeface="Cambria Math" panose="02040503050406030204" pitchFamily="18" charset="0"/>
-                            </a:rPr>
-                            <m:t>𝑥</m:t>
-                          </m:r>
-                          <m:r>
-                            <a:rPr lang="en-US" sz="2800" b="0" i="1" dirty="0" smtClean="0">
-                              <a:solidFill>
-                                <a:srgbClr val="C00000"/>
-                              </a:solidFill>
-                              <a:latin typeface="Cambria Math" panose="02040503050406030204" pitchFamily="18" charset="0"/>
-                            </a:rPr>
-                            <m:t>∈</m:t>
-                          </m:r>
-                          <m:r>
-                            <m:rPr>
-                              <m:sty m:val="p"/>
-                            </m:rPr>
-                            <a:rPr lang="en-US" sz="2800" b="0" i="0" dirty="0" smtClean="0">
-                              <a:solidFill>
-                                <a:srgbClr val="C00000"/>
-                              </a:solidFill>
-                              <a:latin typeface="Cambria Math" panose="02040503050406030204" pitchFamily="18" charset="0"/>
-                            </a:rPr>
-                            <m:t>Ω</m:t>
-                          </m:r>
-                        </m:sub>
-                        <m:sup/>
-                        <m:e>
-                          <m:r>
-                            <m:rPr>
-                              <m:sty m:val="p"/>
-                            </m:rPr>
-                            <a:rPr lang="en-US" sz="2800" b="0" i="0" dirty="0" smtClean="0">
-                              <a:solidFill>
-                                <a:srgbClr val="C00000"/>
-                              </a:solidFill>
-                              <a:latin typeface="Cambria Math" panose="02040503050406030204" pitchFamily="18" charset="0"/>
-                            </a:rPr>
-                            <m:t>Pr</m:t>
-                          </m:r>
-                          <m:d>
-                            <m:dPr>
-                              <m:begChr m:val="["/>
-                              <m:endChr m:val="]"/>
-                              <m:ctrlPr>
-                                <a:rPr lang="en-US" sz="2800" b="0" i="1" dirty="0" smtClean="0">
-                                  <a:solidFill>
-                                    <a:srgbClr val="C00000"/>
-                                  </a:solidFill>
-                                  <a:latin typeface="Cambria Math" panose="02040503050406030204" pitchFamily="18" charset="0"/>
-                                </a:rPr>
-                              </m:ctrlPr>
-                            </m:dPr>
-                            <m:e>
-                              <m:r>
-                                <a:rPr lang="en-US" sz="2800" b="0" i="1" dirty="0" smtClean="0">
-                                  <a:solidFill>
-                                    <a:srgbClr val="C00000"/>
-                                  </a:solidFill>
-                                  <a:latin typeface="Cambria Math" panose="02040503050406030204" pitchFamily="18" charset="0"/>
-                                </a:rPr>
-                                <m:t>𝑋</m:t>
-                              </m:r>
-                              <m:r>
-                                <a:rPr lang="en-US" sz="2800" b="0" i="1" dirty="0" smtClean="0">
-                                  <a:solidFill>
-                                    <a:srgbClr val="C00000"/>
-                                  </a:solidFill>
-                                  <a:latin typeface="Cambria Math" panose="02040503050406030204" pitchFamily="18" charset="0"/>
-                                </a:rPr>
-                                <m:t>=</m:t>
-                              </m:r>
-                              <m:r>
-                                <a:rPr lang="en-US" sz="2800" b="0" i="1" dirty="0" smtClean="0">
-                                  <a:solidFill>
-                                    <a:srgbClr val="C00000"/>
-                                  </a:solidFill>
-                                  <a:latin typeface="Cambria Math" panose="02040503050406030204" pitchFamily="18" charset="0"/>
-                                </a:rPr>
-                                <m:t>𝑥</m:t>
-                              </m:r>
-                            </m:e>
-                          </m:d>
-                          <m:r>
-                            <a:rPr lang="en-US" sz="2800" b="0" i="1" dirty="0" smtClean="0">
-                              <a:solidFill>
-                                <a:srgbClr val="C00000"/>
-                              </a:solidFill>
-                              <a:latin typeface="Cambria Math" panose="02040503050406030204" pitchFamily="18" charset="0"/>
-                            </a:rPr>
-                            <m:t>⋅</m:t>
-                          </m:r>
-                          <m:r>
-                            <a:rPr lang="en-US" sz="2800" b="0" i="1" dirty="0" smtClean="0">
-                              <a:solidFill>
-                                <a:srgbClr val="C00000"/>
-                              </a:solidFill>
-                              <a:latin typeface="Cambria Math" panose="02040503050406030204" pitchFamily="18" charset="0"/>
-                            </a:rPr>
-                            <m:t>𝑥</m:t>
-                          </m:r>
-                        </m:e>
-                      </m:nary>
-                    </m:oMath>
-                  </m:oMathPara>
-                </a14:m>
-                <a:endParaRPr lang="en-US" sz="2800" dirty="0"/>
-              </a:p>
-            </p:txBody>
-          </p:sp>
-        </mc:Choice>
-        <mc:Fallback xmlns="">
-          <p:sp>
-            <p:nvSpPr>
-              <p:cNvPr id="5" name="TextBox 4">
-                <a:extLst>
-                  <a:ext uri="{FF2B5EF4-FFF2-40B4-BE49-F238E27FC236}">
-                    <a16:creationId xmlns:a16="http://schemas.microsoft.com/office/drawing/2014/main" id="{A2DE4CEA-73D7-CD0E-D451-149152B610B0}"/>
-                  </a:ext>
-                </a:extLst>
-              </p:cNvPr>
-              <p:cNvSpPr txBox="1">
-                <a:spLocks noRot="1" noChangeAspect="1" noMove="1" noResize="1" noEditPoints="1" noAdjustHandles="1" noChangeArrowheads="1" noChangeShapeType="1" noTextEdit="1"/>
-              </p:cNvSpPr>
-              <p:nvPr/>
-            </p:nvSpPr>
-            <p:spPr>
-              <a:xfrm>
-                <a:off x="2877670" y="2356828"/>
-                <a:ext cx="6096000" cy="1137876"/>
-              </a:xfrm>
-              <a:prstGeom prst="rect">
-                <a:avLst/>
-              </a:prstGeom>
-              <a:blipFill>
-                <a:blip r:embed="rId3"/>
-                <a:stretch>
-                  <a:fillRect/>
-                </a:stretch>
-              </a:blipFill>
-            </p:spPr>
-            <p:txBody>
-              <a:bodyPr/>
-              <a:lstStyle/>
-              <a:p>
-                <a:r>
-                  <a:rPr lang="en-US">
-                    <a:noFill/>
-                  </a:rPr>
-                  <a:t> </a:t>
-                </a:r>
-              </a:p>
-            </p:txBody>
-          </p:sp>
-        </mc:Fallback>
-      </mc:AlternateContent>
-    </p:spTree>
-    <p:extLst>
-      <p:ext uri="{BB962C8B-B14F-4D97-AF65-F5344CB8AC3E}">
-        <p14:creationId xmlns:p14="http://schemas.microsoft.com/office/powerpoint/2010/main" val="701137673"/>
-      </p:ext>
-    </p:extLst>
-  </p:cSld>
-  <p:clrMapOvr>
-    <a:masterClrMapping/>
-  </p:clrMapOvr>
-</p:sld>
-</file>
-
-<file path=ppt/slides/slide43.xml><?xml version="1.0" encoding="utf-8"?>
-<p:sld xmlns:a="http://schemas.openxmlformats.org/drawingml/2006/main" xmlns:r="http://schemas.openxmlformats.org/officeDocument/2006/relationships" xmlns:p="http://schemas.openxmlformats.org/presentationml/2006/main">
-  <p:cSld>
-    <p:spTree>
-      <p:nvGrpSpPr>
-        <p:cNvPr id="1" name=""/>
-        <p:cNvGrpSpPr/>
-        <p:nvPr/>
-      </p:nvGrpSpPr>
-      <p:grpSpPr>
-        <a:xfrm>
-          <a:off x="0" y="0"/>
-          <a:ext cx="0" cy="0"/>
-          <a:chOff x="0" y="0"/>
-          <a:chExt cx="0" cy="0"/>
-        </a:xfrm>
-      </p:grpSpPr>
-      <p:sp>
-        <p:nvSpPr>
-          <p:cNvPr id="2" name="Title 1">
-            <a:extLst>
-              <a:ext uri="{FF2B5EF4-FFF2-40B4-BE49-F238E27FC236}">
-                <a16:creationId xmlns:a16="http://schemas.microsoft.com/office/drawing/2014/main" id="{A49DDC00-2744-B7F9-8394-609BE1AEC413}"/>
-              </a:ext>
-            </a:extLst>
-          </p:cNvPr>
-          <p:cNvSpPr>
-            <a:spLocks noGrp="1"/>
-          </p:cNvSpPr>
-          <p:nvPr>
-            <p:ph type="title"/>
-          </p:nvPr>
-        </p:nvSpPr>
-        <p:spPr/>
-        <p:txBody>
-          <a:bodyPr/>
-          <a:lstStyle/>
-          <a:p>
-            <a:r>
-              <a:rPr lang="en-US" dirty="0">
-                <a:solidFill>
-                  <a:srgbClr val="C00000"/>
-                </a:solidFill>
-              </a:rPr>
-              <a:t>Expected Value</a:t>
-            </a:r>
-            <a:endParaRPr lang="en-US" dirty="0"/>
-          </a:p>
-        </p:txBody>
-      </p:sp>
-      <mc:AlternateContent xmlns:mc="http://schemas.openxmlformats.org/markup-compatibility/2006" xmlns:a14="http://schemas.microsoft.com/office/drawing/2010/main">
-        <mc:Choice Requires="a14">
-          <p:sp>
-            <p:nvSpPr>
-              <p:cNvPr id="3" name="Content Placeholder 2">
-                <a:extLst>
-                  <a:ext uri="{FF2B5EF4-FFF2-40B4-BE49-F238E27FC236}">
-                    <a16:creationId xmlns:a16="http://schemas.microsoft.com/office/drawing/2014/main" id="{6666941B-6AAA-DFD0-8896-ACB1B4FE2AC6}"/>
-                  </a:ext>
-                </a:extLst>
-              </p:cNvPr>
-              <p:cNvSpPr>
-                <a:spLocks noGrp="1"/>
-              </p:cNvSpPr>
-              <p:nvPr>
-                <p:ph idx="1"/>
-              </p:nvPr>
-            </p:nvSpPr>
-            <p:spPr>
-              <a:xfrm>
-                <a:off x="838200" y="1825625"/>
-                <a:ext cx="10515600" cy="4667250"/>
-              </a:xfrm>
-            </p:spPr>
-            <p:txBody>
-              <a:bodyPr>
-                <a:normAutofit/>
-              </a:bodyPr>
-              <a:lstStyle/>
-              <a:p>
-                <a:r>
-                  <a:rPr lang="en-US" dirty="0"/>
-                  <a:t>Suppose we roll a </a:t>
-                </a:r>
-                <a14:m>
-                  <m:oMath xmlns:m="http://schemas.openxmlformats.org/officeDocument/2006/math">
-                    <m:r>
-                      <a:rPr lang="en-US" b="0" i="1" dirty="0" smtClean="0">
-                        <a:solidFill>
-                          <a:srgbClr val="C00000"/>
-                        </a:solidFill>
-                        <a:latin typeface="Cambria Math" panose="02040503050406030204" pitchFamily="18" charset="0"/>
-                      </a:rPr>
-                      <m:t>6</m:t>
-                    </m:r>
-                  </m:oMath>
-                </a14:m>
-                <a:r>
-                  <a:rPr lang="en-US" dirty="0"/>
-                  <a:t>-sided die</a:t>
-                </a:r>
-              </a:p>
-              <a:p>
-                <a:endParaRPr lang="en-US" dirty="0"/>
-              </a:p>
-              <a:p>
-                <a:r>
-                  <a:rPr lang="en-US" dirty="0"/>
-                  <a:t>Let </a:t>
-                </a:r>
-                <a14:m>
-                  <m:oMath xmlns:m="http://schemas.openxmlformats.org/officeDocument/2006/math">
-                    <m:r>
-                      <a:rPr lang="en-US" b="0" i="1" dirty="0" smtClean="0">
-                        <a:solidFill>
-                          <a:srgbClr val="C00000"/>
-                        </a:solidFill>
-                        <a:latin typeface="Cambria Math" panose="02040503050406030204" pitchFamily="18" charset="0"/>
-                      </a:rPr>
-                      <m:t>𝑋</m:t>
-                    </m:r>
-                  </m:oMath>
-                </a14:m>
-                <a:r>
-                  <a:rPr lang="en-US" dirty="0"/>
-                  <a:t> be the outcome of the roll</a:t>
-                </a:r>
-              </a:p>
-              <a:p>
-                <a:endParaRPr lang="en-US" dirty="0"/>
-              </a:p>
-              <a:p>
-                <a:r>
-                  <a:rPr lang="en-US" dirty="0"/>
-                  <a:t>What is </a:t>
-                </a:r>
-                <a14:m>
-                  <m:oMath xmlns:m="http://schemas.openxmlformats.org/officeDocument/2006/math">
-                    <m:r>
-                      <m:rPr>
-                        <m:sty m:val="p"/>
-                      </m:rPr>
-                      <a:rPr lang="en-US" sz="2800" b="0" i="0" dirty="0" smtClean="0">
-                        <a:solidFill>
-                          <a:srgbClr val="C00000"/>
-                        </a:solidFill>
-                        <a:latin typeface="Cambria Math" panose="02040503050406030204" pitchFamily="18" charset="0"/>
-                      </a:rPr>
-                      <m:t>E</m:t>
-                    </m:r>
-                    <m:d>
-                      <m:dPr>
-                        <m:begChr m:val="["/>
-                        <m:endChr m:val="]"/>
-                        <m:ctrlPr>
-                          <a:rPr lang="en-US" sz="2800" b="0" i="1" dirty="0" smtClean="0">
-                            <a:solidFill>
-                              <a:srgbClr val="C00000"/>
-                            </a:solidFill>
-                            <a:latin typeface="Cambria Math" panose="02040503050406030204" pitchFamily="18" charset="0"/>
-                          </a:rPr>
-                        </m:ctrlPr>
-                      </m:dPr>
-                      <m:e>
-                        <m:r>
-                          <a:rPr lang="en-US" sz="2800" b="0" i="1" dirty="0" smtClean="0">
-                            <a:solidFill>
-                              <a:srgbClr val="C00000"/>
-                            </a:solidFill>
-                            <a:latin typeface="Cambria Math" panose="02040503050406030204" pitchFamily="18" charset="0"/>
-                          </a:rPr>
-                          <m:t>𝑋</m:t>
-                        </m:r>
-                      </m:e>
-                    </m:d>
-                  </m:oMath>
-                </a14:m>
-                <a:r>
-                  <a:rPr lang="en-US" dirty="0"/>
-                  <a:t>?</a:t>
-                </a:r>
-              </a:p>
-            </p:txBody>
-          </p:sp>
-        </mc:Choice>
-        <mc:Fallback xmlns="">
-          <p:sp>
-            <p:nvSpPr>
-              <p:cNvPr id="3" name="Content Placeholder 2">
-                <a:extLst>
-                  <a:ext uri="{FF2B5EF4-FFF2-40B4-BE49-F238E27FC236}">
-                    <a16:creationId xmlns:a16="http://schemas.microsoft.com/office/drawing/2014/main" id="{6666941B-6AAA-DFD0-8896-ACB1B4FE2AC6}"/>
-                  </a:ext>
-                </a:extLst>
-              </p:cNvPr>
-              <p:cNvSpPr>
-                <a:spLocks noGrp="1" noRot="1" noChangeAspect="1" noMove="1" noResize="1" noEditPoints="1" noAdjustHandles="1" noChangeArrowheads="1" noChangeShapeType="1" noTextEdit="1"/>
-              </p:cNvSpPr>
-              <p:nvPr>
-                <p:ph idx="1"/>
-              </p:nvPr>
-            </p:nvSpPr>
-            <p:spPr>
-              <a:xfrm>
-                <a:off x="838200" y="1825625"/>
-                <a:ext cx="10515600" cy="4667250"/>
-              </a:xfrm>
-              <a:blipFill>
-                <a:blip r:embed="rId2"/>
-                <a:stretch>
-                  <a:fillRect l="-1043" t="-2089"/>
-                </a:stretch>
-              </a:blipFill>
-            </p:spPr>
-            <p:txBody>
-              <a:bodyPr/>
-              <a:lstStyle/>
-              <a:p>
-                <a:r>
-                  <a:rPr lang="en-US">
-                    <a:noFill/>
-                  </a:rPr>
-                  <a:t> </a:t>
-                </a:r>
-              </a:p>
-            </p:txBody>
-          </p:sp>
-        </mc:Fallback>
-      </mc:AlternateContent>
-    </p:spTree>
-    <p:extLst>
-      <p:ext uri="{BB962C8B-B14F-4D97-AF65-F5344CB8AC3E}">
-        <p14:creationId xmlns:p14="http://schemas.microsoft.com/office/powerpoint/2010/main" val="1505623653"/>
-      </p:ext>
-    </p:extLst>
-  </p:cSld>
-  <p:clrMapOvr>
-    <a:masterClrMapping/>
-  </p:clrMapOvr>
-</p:sld>
-</file>
-
-<file path=ppt/slides/slide44.xml><?xml version="1.0" encoding="utf-8"?>
-<p:sld xmlns:a="http://schemas.openxmlformats.org/drawingml/2006/main" xmlns:r="http://schemas.openxmlformats.org/officeDocument/2006/relationships" xmlns:p="http://schemas.openxmlformats.org/presentationml/2006/main">
-  <p:cSld>
-    <p:spTree>
-      <p:nvGrpSpPr>
-        <p:cNvPr id="1" name=""/>
-        <p:cNvGrpSpPr/>
-        <p:nvPr/>
-      </p:nvGrpSpPr>
-      <p:grpSpPr>
-        <a:xfrm>
-          <a:off x="0" y="0"/>
-          <a:ext cx="0" cy="0"/>
-          <a:chOff x="0" y="0"/>
-          <a:chExt cx="0" cy="0"/>
-        </a:xfrm>
-      </p:grpSpPr>
-      <p:sp>
-        <p:nvSpPr>
-          <p:cNvPr id="2" name="Title 1">
-            <a:extLst>
-              <a:ext uri="{FF2B5EF4-FFF2-40B4-BE49-F238E27FC236}">
-                <a16:creationId xmlns:a16="http://schemas.microsoft.com/office/drawing/2014/main" id="{A49DDC00-2744-B7F9-8394-609BE1AEC413}"/>
-              </a:ext>
-            </a:extLst>
-          </p:cNvPr>
-          <p:cNvSpPr>
-            <a:spLocks noGrp="1"/>
-          </p:cNvSpPr>
-          <p:nvPr>
-            <p:ph type="title"/>
-          </p:nvPr>
-        </p:nvSpPr>
-        <p:spPr/>
-        <p:txBody>
-          <a:bodyPr/>
-          <a:lstStyle/>
-          <a:p>
-            <a:r>
-              <a:rPr lang="en-US" dirty="0">
-                <a:solidFill>
-                  <a:srgbClr val="C00000"/>
-                </a:solidFill>
-              </a:rPr>
-              <a:t>Moments</a:t>
-            </a:r>
-            <a:endParaRPr lang="en-US" dirty="0"/>
-          </a:p>
-        </p:txBody>
-      </p:sp>
-      <mc:AlternateContent xmlns:mc="http://schemas.openxmlformats.org/markup-compatibility/2006" xmlns:a14="http://schemas.microsoft.com/office/drawing/2010/main">
-        <mc:Choice Requires="a14">
-          <p:sp>
-            <p:nvSpPr>
-              <p:cNvPr id="3" name="Content Placeholder 2">
-                <a:extLst>
-                  <a:ext uri="{FF2B5EF4-FFF2-40B4-BE49-F238E27FC236}">
-                    <a16:creationId xmlns:a16="http://schemas.microsoft.com/office/drawing/2014/main" id="{6666941B-6AAA-DFD0-8896-ACB1B4FE2AC6}"/>
-                  </a:ext>
-                </a:extLst>
-              </p:cNvPr>
-              <p:cNvSpPr>
-                <a:spLocks noGrp="1"/>
-              </p:cNvSpPr>
-              <p:nvPr>
-                <p:ph idx="1"/>
-              </p:nvPr>
-            </p:nvSpPr>
-            <p:spPr>
-              <a:xfrm>
-                <a:off x="838200" y="1825625"/>
-                <a:ext cx="10515600" cy="4667250"/>
-              </a:xfrm>
-            </p:spPr>
-            <p:txBody>
-              <a:bodyPr>
-                <a:normAutofit/>
-              </a:bodyPr>
-              <a:lstStyle/>
-              <a:p>
-                <a:r>
-                  <a:rPr lang="en-US" dirty="0"/>
-                  <a:t>For </a:t>
-                </a:r>
-                <a14:m>
-                  <m:oMath xmlns:m="http://schemas.openxmlformats.org/officeDocument/2006/math">
-                    <m:r>
-                      <a:rPr lang="en-US" b="0" i="1" dirty="0" smtClean="0">
-                        <a:solidFill>
-                          <a:srgbClr val="C00000"/>
-                        </a:solidFill>
-                        <a:latin typeface="Cambria Math" panose="02040503050406030204" pitchFamily="18" charset="0"/>
-                      </a:rPr>
-                      <m:t>𝑝</m:t>
-                    </m:r>
-                    <m:r>
-                      <a:rPr lang="en-US" b="0" i="1" dirty="0" smtClean="0">
-                        <a:solidFill>
-                          <a:srgbClr val="C00000"/>
-                        </a:solidFill>
-                        <a:latin typeface="Cambria Math" panose="02040503050406030204" pitchFamily="18" charset="0"/>
-                      </a:rPr>
-                      <m:t>&gt;0</m:t>
-                    </m:r>
-                  </m:oMath>
-                </a14:m>
-                <a:r>
-                  <a:rPr lang="en-US" dirty="0"/>
-                  <a:t>, the </a:t>
-                </a:r>
-                <a14:m>
-                  <m:oMath xmlns:m="http://schemas.openxmlformats.org/officeDocument/2006/math">
-                    <m:r>
-                      <a:rPr lang="en-US" b="0" i="1" dirty="0" smtClean="0">
-                        <a:solidFill>
-                          <a:srgbClr val="C00000"/>
-                        </a:solidFill>
-                        <a:latin typeface="Cambria Math" panose="02040503050406030204" pitchFamily="18" charset="0"/>
-                      </a:rPr>
-                      <m:t>𝑝</m:t>
-                    </m:r>
-                  </m:oMath>
-                </a14:m>
-                <a:r>
-                  <a:rPr lang="en-US" dirty="0"/>
-                  <a:t>-</a:t>
-                </a:r>
-                <a:r>
-                  <a:rPr lang="en-US" dirty="0" err="1"/>
-                  <a:t>th</a:t>
-                </a:r>
-                <a:r>
-                  <a:rPr lang="en-US" dirty="0"/>
-                  <a:t> moment of a random variable </a:t>
-                </a:r>
-                <a14:m>
-                  <m:oMath xmlns:m="http://schemas.openxmlformats.org/officeDocument/2006/math">
-                    <m:r>
-                      <a:rPr lang="en-US" b="0" i="1" dirty="0" smtClean="0">
-                        <a:solidFill>
-                          <a:srgbClr val="C00000"/>
-                        </a:solidFill>
-                        <a:latin typeface="Cambria Math" panose="02040503050406030204" pitchFamily="18" charset="0"/>
-                      </a:rPr>
-                      <m:t>𝑋</m:t>
-                    </m:r>
-                  </m:oMath>
-                </a14:m>
-                <a:r>
-                  <a:rPr lang="en-US" dirty="0"/>
-                  <a:t> over </a:t>
-                </a:r>
-                <a14:m>
-                  <m:oMath xmlns:m="http://schemas.openxmlformats.org/officeDocument/2006/math">
-                    <m:r>
-                      <m:rPr>
-                        <m:sty m:val="p"/>
-                      </m:rPr>
-                      <a:rPr lang="en-US" b="0" i="0" dirty="0" smtClean="0">
-                        <a:solidFill>
-                          <a:srgbClr val="C00000"/>
-                        </a:solidFill>
-                        <a:latin typeface="Cambria Math" panose="02040503050406030204" pitchFamily="18" charset="0"/>
-                      </a:rPr>
-                      <m:t>Ω</m:t>
-                    </m:r>
-                  </m:oMath>
-                </a14:m>
-                <a:r>
-                  <a:rPr lang="en-US" dirty="0"/>
-                  <a:t> is:</a:t>
-                </a:r>
-              </a:p>
-              <a:p>
-                <a:endParaRPr lang="en-US" dirty="0"/>
-              </a:p>
-              <a:p>
-                <a:endParaRPr lang="en-US" dirty="0"/>
-              </a:p>
-              <a:p>
-                <a:pPr marL="0" indent="0">
-                  <a:buNone/>
-                </a:pPr>
-                <a:endParaRPr lang="en-US" dirty="0"/>
-              </a:p>
-            </p:txBody>
-          </p:sp>
-        </mc:Choice>
-        <mc:Fallback xmlns="">
-          <p:sp>
-            <p:nvSpPr>
-              <p:cNvPr id="3" name="Content Placeholder 2">
-                <a:extLst>
-                  <a:ext uri="{FF2B5EF4-FFF2-40B4-BE49-F238E27FC236}">
-                    <a16:creationId xmlns:a16="http://schemas.microsoft.com/office/drawing/2014/main" id="{6666941B-6AAA-DFD0-8896-ACB1B4FE2AC6}"/>
-                  </a:ext>
-                </a:extLst>
-              </p:cNvPr>
-              <p:cNvSpPr>
-                <a:spLocks noGrp="1" noRot="1" noChangeAspect="1" noMove="1" noResize="1" noEditPoints="1" noAdjustHandles="1" noChangeArrowheads="1" noChangeShapeType="1" noTextEdit="1"/>
-              </p:cNvSpPr>
-              <p:nvPr>
-                <p:ph idx="1"/>
-              </p:nvPr>
-            </p:nvSpPr>
-            <p:spPr>
-              <a:xfrm>
-                <a:off x="838200" y="1825625"/>
-                <a:ext cx="10515600" cy="4667250"/>
-              </a:xfrm>
-              <a:blipFill>
-                <a:blip r:embed="rId2"/>
-                <a:stretch>
-                  <a:fillRect l="-1043" t="-2089"/>
-                </a:stretch>
-              </a:blipFill>
-            </p:spPr>
-            <p:txBody>
-              <a:bodyPr/>
-              <a:lstStyle/>
-              <a:p>
-                <a:r>
-                  <a:rPr lang="en-US">
-                    <a:noFill/>
-                  </a:rPr>
-                  <a:t> </a:t>
-                </a:r>
-              </a:p>
-            </p:txBody>
-          </p:sp>
-        </mc:Fallback>
-      </mc:AlternateContent>
-      <mc:AlternateContent xmlns:mc="http://schemas.openxmlformats.org/markup-compatibility/2006" xmlns:a14="http://schemas.microsoft.com/office/drawing/2010/main">
-        <mc:Choice Requires="a14">
-          <p:sp>
-            <p:nvSpPr>
-              <p:cNvPr id="5" name="TextBox 4">
-                <a:extLst>
-                  <a:ext uri="{FF2B5EF4-FFF2-40B4-BE49-F238E27FC236}">
-                    <a16:creationId xmlns:a16="http://schemas.microsoft.com/office/drawing/2014/main" id="{A2DE4CEA-73D7-CD0E-D451-149152B610B0}"/>
-                  </a:ext>
-                </a:extLst>
-              </p:cNvPr>
-              <p:cNvSpPr txBox="1"/>
-              <p:nvPr/>
-            </p:nvSpPr>
-            <p:spPr>
-              <a:xfrm>
-                <a:off x="2877670" y="2356828"/>
-                <a:ext cx="6096000" cy="1137876"/>
-              </a:xfrm>
-              <a:prstGeom prst="rect">
-                <a:avLst/>
-              </a:prstGeom>
-              <a:noFill/>
-            </p:spPr>
-            <p:txBody>
-              <a:bodyPr wrap="square">
-                <a:spAutoFit/>
-              </a:bodyPr>
-              <a:lstStyle/>
-              <a:p>
-                <a:pPr/>
-                <a14:m>
-                  <m:oMathPara xmlns:m="http://schemas.openxmlformats.org/officeDocument/2006/math">
-                    <m:oMathParaPr>
-                      <m:jc m:val="centerGroup"/>
-                    </m:oMathParaPr>
-                    <m:oMath xmlns:m="http://schemas.openxmlformats.org/officeDocument/2006/math">
-                      <m:r>
-                        <m:rPr>
-                          <m:sty m:val="p"/>
-                        </m:rPr>
-                        <a:rPr lang="en-US" sz="2800" b="0" i="0" dirty="0" smtClean="0">
-                          <a:solidFill>
-                            <a:srgbClr val="C00000"/>
-                          </a:solidFill>
-                          <a:latin typeface="Cambria Math" panose="02040503050406030204" pitchFamily="18" charset="0"/>
-                        </a:rPr>
-                        <m:t>E</m:t>
-                      </m:r>
-                      <m:d>
-                        <m:dPr>
-                          <m:begChr m:val="["/>
-                          <m:endChr m:val="]"/>
-                          <m:ctrlPr>
-                            <a:rPr lang="en-US" sz="2800" b="0" i="1" dirty="0" smtClean="0">
-                              <a:solidFill>
-                                <a:srgbClr val="C00000"/>
-                              </a:solidFill>
-                              <a:latin typeface="Cambria Math" panose="02040503050406030204" pitchFamily="18" charset="0"/>
-                            </a:rPr>
-                          </m:ctrlPr>
-                        </m:dPr>
-                        <m:e>
-                          <m:sSup>
-                            <m:sSupPr>
-                              <m:ctrlPr>
-                                <a:rPr lang="en-US" sz="2800" b="0" i="1" dirty="0" smtClean="0">
-                                  <a:solidFill>
-                                    <a:srgbClr val="C00000"/>
-                                  </a:solidFill>
-                                  <a:latin typeface="Cambria Math" panose="02040503050406030204" pitchFamily="18" charset="0"/>
-                                </a:rPr>
-                              </m:ctrlPr>
-                            </m:sSupPr>
-                            <m:e>
-                              <m:r>
-                                <a:rPr lang="en-US" sz="2800" b="0" i="1" dirty="0" smtClean="0">
-                                  <a:solidFill>
-                                    <a:srgbClr val="C00000"/>
-                                  </a:solidFill>
-                                  <a:latin typeface="Cambria Math" panose="02040503050406030204" pitchFamily="18" charset="0"/>
-                                </a:rPr>
-                                <m:t>𝑋</m:t>
-                              </m:r>
-                            </m:e>
-                            <m:sup>
-                              <m:r>
-                                <a:rPr lang="en-US" sz="2800" b="0" i="1" dirty="0" smtClean="0">
-                                  <a:solidFill>
-                                    <a:srgbClr val="C00000"/>
-                                  </a:solidFill>
-                                  <a:latin typeface="Cambria Math" panose="02040503050406030204" pitchFamily="18" charset="0"/>
-                                </a:rPr>
-                                <m:t>𝑝</m:t>
-                              </m:r>
-                            </m:sup>
-                          </m:sSup>
-                        </m:e>
-                      </m:d>
-                      <m:r>
-                        <a:rPr lang="en-US" sz="2800" b="0" i="1" dirty="0" smtClean="0">
-                          <a:solidFill>
-                            <a:srgbClr val="C00000"/>
-                          </a:solidFill>
-                          <a:latin typeface="Cambria Math" panose="02040503050406030204" pitchFamily="18" charset="0"/>
-                        </a:rPr>
-                        <m:t>=</m:t>
-                      </m:r>
-                      <m:nary>
-                        <m:naryPr>
-                          <m:chr m:val="∑"/>
-                          <m:supHide m:val="on"/>
-                          <m:ctrlPr>
-                            <a:rPr lang="en-US" sz="2800" b="0" i="1" dirty="0" smtClean="0">
-                              <a:solidFill>
-                                <a:srgbClr val="C00000"/>
-                              </a:solidFill>
-                              <a:latin typeface="Cambria Math" panose="02040503050406030204" pitchFamily="18" charset="0"/>
-                            </a:rPr>
-                          </m:ctrlPr>
-                        </m:naryPr>
-                        <m:sub>
-                          <m:r>
-                            <m:rPr>
-                              <m:brk m:alnAt="7"/>
-                            </m:rPr>
-                            <a:rPr lang="en-US" sz="2800" b="0" i="1" dirty="0" smtClean="0">
-                              <a:solidFill>
-                                <a:srgbClr val="C00000"/>
-                              </a:solidFill>
-                              <a:latin typeface="Cambria Math" panose="02040503050406030204" pitchFamily="18" charset="0"/>
-                            </a:rPr>
-                            <m:t>𝑥</m:t>
-                          </m:r>
-                          <m:r>
-                            <a:rPr lang="en-US" sz="2800" b="0" i="1" dirty="0" smtClean="0">
-                              <a:solidFill>
-                                <a:srgbClr val="C00000"/>
-                              </a:solidFill>
-                              <a:latin typeface="Cambria Math" panose="02040503050406030204" pitchFamily="18" charset="0"/>
-                            </a:rPr>
-                            <m:t>∈</m:t>
-                          </m:r>
-                          <m:r>
-                            <m:rPr>
-                              <m:sty m:val="p"/>
-                            </m:rPr>
-                            <a:rPr lang="en-US" sz="2800" b="0" i="0" dirty="0" smtClean="0">
-                              <a:solidFill>
-                                <a:srgbClr val="C00000"/>
-                              </a:solidFill>
-                              <a:latin typeface="Cambria Math" panose="02040503050406030204" pitchFamily="18" charset="0"/>
-                            </a:rPr>
-                            <m:t>Ω</m:t>
-                          </m:r>
-                        </m:sub>
-                        <m:sup/>
-                        <m:e>
-                          <m:r>
-                            <m:rPr>
-                              <m:sty m:val="p"/>
-                            </m:rPr>
-                            <a:rPr lang="en-US" sz="2800" b="0" i="0" dirty="0" smtClean="0">
-                              <a:solidFill>
-                                <a:srgbClr val="C00000"/>
-                              </a:solidFill>
-                              <a:latin typeface="Cambria Math" panose="02040503050406030204" pitchFamily="18" charset="0"/>
-                            </a:rPr>
-                            <m:t>Pr</m:t>
-                          </m:r>
-                          <m:d>
-                            <m:dPr>
-                              <m:begChr m:val="["/>
-                              <m:endChr m:val="]"/>
-                              <m:ctrlPr>
-                                <a:rPr lang="en-US" sz="2800" b="0" i="1" dirty="0" smtClean="0">
-                                  <a:solidFill>
-                                    <a:srgbClr val="C00000"/>
-                                  </a:solidFill>
-                                  <a:latin typeface="Cambria Math" panose="02040503050406030204" pitchFamily="18" charset="0"/>
-                                </a:rPr>
-                              </m:ctrlPr>
-                            </m:dPr>
-                            <m:e>
-                              <m:r>
-                                <a:rPr lang="en-US" sz="2800" b="0" i="1" dirty="0" smtClean="0">
-                                  <a:solidFill>
-                                    <a:srgbClr val="C00000"/>
-                                  </a:solidFill>
-                                  <a:latin typeface="Cambria Math" panose="02040503050406030204" pitchFamily="18" charset="0"/>
-                                </a:rPr>
-                                <m:t>𝑋</m:t>
-                              </m:r>
-                              <m:r>
-                                <a:rPr lang="en-US" sz="2800" b="0" i="1" dirty="0" smtClean="0">
-                                  <a:solidFill>
-                                    <a:srgbClr val="C00000"/>
-                                  </a:solidFill>
-                                  <a:latin typeface="Cambria Math" panose="02040503050406030204" pitchFamily="18" charset="0"/>
-                                </a:rPr>
-                                <m:t>=</m:t>
-                              </m:r>
-                              <m:r>
-                                <a:rPr lang="en-US" sz="2800" b="0" i="1" dirty="0" smtClean="0">
-                                  <a:solidFill>
-                                    <a:srgbClr val="C00000"/>
-                                  </a:solidFill>
-                                  <a:latin typeface="Cambria Math" panose="02040503050406030204" pitchFamily="18" charset="0"/>
-                                </a:rPr>
-                                <m:t>𝑥</m:t>
-                              </m:r>
-                            </m:e>
-                          </m:d>
-                          <m:r>
-                            <a:rPr lang="en-US" sz="2800" b="0" i="1" dirty="0" smtClean="0">
-                              <a:solidFill>
-                                <a:srgbClr val="C00000"/>
-                              </a:solidFill>
-                              <a:latin typeface="Cambria Math" panose="02040503050406030204" pitchFamily="18" charset="0"/>
-                            </a:rPr>
-                            <m:t>⋅</m:t>
-                          </m:r>
-                          <m:sSup>
-                            <m:sSupPr>
-                              <m:ctrlPr>
-                                <a:rPr lang="en-US" sz="2800" b="0" i="1" dirty="0" smtClean="0">
-                                  <a:solidFill>
-                                    <a:srgbClr val="C00000"/>
-                                  </a:solidFill>
-                                  <a:latin typeface="Cambria Math" panose="02040503050406030204" pitchFamily="18" charset="0"/>
-                                </a:rPr>
-                              </m:ctrlPr>
-                            </m:sSupPr>
-                            <m:e>
-                              <m:r>
-                                <a:rPr lang="en-US" sz="2800" b="0" i="1" dirty="0" smtClean="0">
-                                  <a:solidFill>
-                                    <a:srgbClr val="C00000"/>
-                                  </a:solidFill>
-                                  <a:latin typeface="Cambria Math" panose="02040503050406030204" pitchFamily="18" charset="0"/>
-                                </a:rPr>
-                                <m:t>𝑥</m:t>
-                              </m:r>
-                            </m:e>
-                            <m:sup>
-                              <m:r>
-                                <a:rPr lang="en-US" sz="2800" b="0" i="1" dirty="0" smtClean="0">
-                                  <a:solidFill>
-                                    <a:srgbClr val="C00000"/>
-                                  </a:solidFill>
-                                  <a:latin typeface="Cambria Math" panose="02040503050406030204" pitchFamily="18" charset="0"/>
-                                </a:rPr>
-                                <m:t>𝑝</m:t>
-                              </m:r>
-                            </m:sup>
-                          </m:sSup>
-                        </m:e>
-                      </m:nary>
-                    </m:oMath>
-                  </m:oMathPara>
-                </a14:m>
-                <a:endParaRPr lang="en-US" sz="2800" dirty="0"/>
-              </a:p>
-            </p:txBody>
-          </p:sp>
-        </mc:Choice>
-        <mc:Fallback xmlns="">
-          <p:sp>
-            <p:nvSpPr>
-              <p:cNvPr id="5" name="TextBox 4">
-                <a:extLst>
-                  <a:ext uri="{FF2B5EF4-FFF2-40B4-BE49-F238E27FC236}">
-                    <a16:creationId xmlns:a16="http://schemas.microsoft.com/office/drawing/2014/main" id="{A2DE4CEA-73D7-CD0E-D451-149152B610B0}"/>
-                  </a:ext>
-                </a:extLst>
-              </p:cNvPr>
-              <p:cNvSpPr txBox="1">
-                <a:spLocks noRot="1" noChangeAspect="1" noMove="1" noResize="1" noEditPoints="1" noAdjustHandles="1" noChangeArrowheads="1" noChangeShapeType="1" noTextEdit="1"/>
-              </p:cNvSpPr>
-              <p:nvPr/>
-            </p:nvSpPr>
-            <p:spPr>
-              <a:xfrm>
-                <a:off x="2877670" y="2356828"/>
-                <a:ext cx="6096000" cy="1137876"/>
-              </a:xfrm>
-              <a:prstGeom prst="rect">
-                <a:avLst/>
-              </a:prstGeom>
-              <a:blipFill>
-                <a:blip r:embed="rId3"/>
-                <a:stretch>
-                  <a:fillRect/>
-                </a:stretch>
-              </a:blipFill>
-            </p:spPr>
-            <p:txBody>
-              <a:bodyPr/>
-              <a:lstStyle/>
-              <a:p>
-                <a:r>
-                  <a:rPr lang="en-US">
-                    <a:noFill/>
-                  </a:rPr>
-                  <a:t> </a:t>
-                </a:r>
-              </a:p>
-            </p:txBody>
-          </p:sp>
-        </mc:Fallback>
-      </mc:AlternateContent>
-    </p:spTree>
-    <p:extLst>
-      <p:ext uri="{BB962C8B-B14F-4D97-AF65-F5344CB8AC3E}">
-        <p14:creationId xmlns:p14="http://schemas.microsoft.com/office/powerpoint/2010/main" val="2500560908"/>
-      </p:ext>
-    </p:extLst>
-  </p:cSld>
-  <p:clrMapOvr>
-    <a:masterClrMapping/>
-  </p:clrMapOvr>
-</p:sld>
-</file>
-
-<file path=ppt/slides/slide45.xml><?xml version="1.0" encoding="utf-8"?>
-<p:sld xmlns:a="http://schemas.openxmlformats.org/drawingml/2006/main" xmlns:r="http://schemas.openxmlformats.org/officeDocument/2006/relationships" xmlns:p="http://schemas.openxmlformats.org/presentationml/2006/main">
-  <p:cSld>
-    <p:spTree>
-      <p:nvGrpSpPr>
-        <p:cNvPr id="1" name=""/>
-        <p:cNvGrpSpPr/>
-        <p:nvPr/>
-      </p:nvGrpSpPr>
-      <p:grpSpPr>
-        <a:xfrm>
-          <a:off x="0" y="0"/>
-          <a:ext cx="0" cy="0"/>
-          <a:chOff x="0" y="0"/>
-          <a:chExt cx="0" cy="0"/>
-        </a:xfrm>
-      </p:grpSpPr>
-      <p:sp>
-        <p:nvSpPr>
-          <p:cNvPr id="2" name="Title 1">
-            <a:extLst>
-              <a:ext uri="{FF2B5EF4-FFF2-40B4-BE49-F238E27FC236}">
-                <a16:creationId xmlns:a16="http://schemas.microsoft.com/office/drawing/2014/main" id="{A49DDC00-2744-B7F9-8394-609BE1AEC413}"/>
-              </a:ext>
-            </a:extLst>
-          </p:cNvPr>
-          <p:cNvSpPr>
-            <a:spLocks noGrp="1"/>
-          </p:cNvSpPr>
-          <p:nvPr>
-            <p:ph type="title"/>
-          </p:nvPr>
-        </p:nvSpPr>
-        <p:spPr/>
-        <p:txBody>
-          <a:bodyPr/>
-          <a:lstStyle/>
-          <a:p>
-            <a:r>
-              <a:rPr lang="en-US" dirty="0">
-                <a:solidFill>
-                  <a:srgbClr val="C00000"/>
-                </a:solidFill>
-              </a:rPr>
-              <a:t>Variance</a:t>
-            </a:r>
-            <a:endParaRPr lang="en-US" dirty="0"/>
-          </a:p>
-        </p:txBody>
-      </p:sp>
-      <mc:AlternateContent xmlns:mc="http://schemas.openxmlformats.org/markup-compatibility/2006" xmlns:a14="http://schemas.microsoft.com/office/drawing/2010/main">
-        <mc:Choice Requires="a14">
-          <p:sp>
-            <p:nvSpPr>
-              <p:cNvPr id="3" name="Content Placeholder 2">
-                <a:extLst>
-                  <a:ext uri="{FF2B5EF4-FFF2-40B4-BE49-F238E27FC236}">
-                    <a16:creationId xmlns:a16="http://schemas.microsoft.com/office/drawing/2014/main" id="{6666941B-6AAA-DFD0-8896-ACB1B4FE2AC6}"/>
-                  </a:ext>
-                </a:extLst>
-              </p:cNvPr>
-              <p:cNvSpPr>
-                <a:spLocks noGrp="1"/>
-              </p:cNvSpPr>
-              <p:nvPr>
-                <p:ph idx="1"/>
-              </p:nvPr>
-            </p:nvSpPr>
-            <p:spPr>
-              <a:xfrm>
-                <a:off x="838200" y="1825625"/>
-                <a:ext cx="10515600" cy="4667250"/>
-              </a:xfrm>
-            </p:spPr>
-            <p:txBody>
-              <a:bodyPr>
-                <a:normAutofit/>
-              </a:bodyPr>
-              <a:lstStyle/>
-              <a:p>
-                <a:r>
-                  <a:rPr lang="en-US" dirty="0"/>
-                  <a:t>The variance of a random variable </a:t>
-                </a:r>
-                <a14:m>
-                  <m:oMath xmlns:m="http://schemas.openxmlformats.org/officeDocument/2006/math">
-                    <m:r>
-                      <a:rPr lang="en-US" b="0" i="1" dirty="0" smtClean="0">
-                        <a:solidFill>
-                          <a:srgbClr val="C00000"/>
-                        </a:solidFill>
-                        <a:latin typeface="Cambria Math" panose="02040503050406030204" pitchFamily="18" charset="0"/>
-                      </a:rPr>
-                      <m:t>𝑋</m:t>
-                    </m:r>
-                  </m:oMath>
-                </a14:m>
-                <a:r>
-                  <a:rPr lang="en-US" dirty="0"/>
-                  <a:t> over </a:t>
-                </a:r>
-                <a14:m>
-                  <m:oMath xmlns:m="http://schemas.openxmlformats.org/officeDocument/2006/math">
-                    <m:r>
-                      <m:rPr>
-                        <m:sty m:val="p"/>
-                      </m:rPr>
-                      <a:rPr lang="en-US" b="0" i="0" dirty="0" smtClean="0">
-                        <a:solidFill>
-                          <a:srgbClr val="C00000"/>
-                        </a:solidFill>
-                        <a:latin typeface="Cambria Math" panose="02040503050406030204" pitchFamily="18" charset="0"/>
-                      </a:rPr>
-                      <m:t>Ω</m:t>
-                    </m:r>
-                  </m:oMath>
-                </a14:m>
-                <a:r>
-                  <a:rPr lang="en-US" dirty="0"/>
-                  <a:t> is:</a:t>
-                </a:r>
-              </a:p>
-              <a:p>
-                <a:endParaRPr lang="en-US" dirty="0"/>
-              </a:p>
-              <a:p>
-                <a:endParaRPr lang="en-US" dirty="0"/>
-              </a:p>
-              <a:p>
-                <a:endParaRPr lang="en-US" dirty="0"/>
-              </a:p>
-              <a:p>
-                <a:pPr>
-                  <a:buClr>
-                    <a:schemeClr val="tx1"/>
-                  </a:buClr>
-                </a:pPr>
-                <a:r>
-                  <a:rPr lang="en-US" dirty="0"/>
-                  <a:t>Linearity of variance for </a:t>
-                </a:r>
-                <a:r>
-                  <a:rPr lang="en-US" i="1" dirty="0">
-                    <a:solidFill>
-                      <a:srgbClr val="00B050"/>
-                    </a:solidFill>
-                  </a:rPr>
-                  <a:t>independent</a:t>
-                </a:r>
-                <a:r>
-                  <a:rPr lang="en-US" dirty="0"/>
-                  <a:t> random variables: </a:t>
-                </a:r>
-                <a14:m>
-                  <m:oMath xmlns:m="http://schemas.openxmlformats.org/officeDocument/2006/math">
-                    <m:r>
-                      <m:rPr>
-                        <m:sty m:val="p"/>
-                      </m:rPr>
-                      <a:rPr lang="en-US" sz="2800" b="0" i="0" dirty="0" smtClean="0">
-                        <a:solidFill>
-                          <a:srgbClr val="C00000"/>
-                        </a:solidFill>
-                        <a:latin typeface="Cambria Math" panose="02040503050406030204" pitchFamily="18" charset="0"/>
-                      </a:rPr>
-                      <m:t>Var</m:t>
-                    </m:r>
-                    <m:d>
-                      <m:dPr>
-                        <m:begChr m:val="["/>
-                        <m:endChr m:val="]"/>
-                        <m:ctrlPr>
-                          <a:rPr lang="en-US" sz="2800" b="0" i="1" dirty="0" smtClean="0">
-                            <a:solidFill>
-                              <a:srgbClr val="C00000"/>
-                            </a:solidFill>
-                            <a:latin typeface="Cambria Math" panose="02040503050406030204" pitchFamily="18" charset="0"/>
-                          </a:rPr>
-                        </m:ctrlPr>
-                      </m:dPr>
-                      <m:e>
-                        <m:r>
-                          <a:rPr lang="en-US" sz="2800" b="0" i="1" dirty="0" smtClean="0">
-                            <a:solidFill>
-                              <a:srgbClr val="C00000"/>
-                            </a:solidFill>
-                            <a:latin typeface="Cambria Math" panose="02040503050406030204" pitchFamily="18" charset="0"/>
-                          </a:rPr>
-                          <m:t>𝑋</m:t>
-                        </m:r>
-                        <m:r>
-                          <a:rPr lang="en-US" sz="2800" b="0" i="1" dirty="0" smtClean="0">
-                            <a:solidFill>
-                              <a:srgbClr val="C00000"/>
-                            </a:solidFill>
-                            <a:latin typeface="Cambria Math" panose="02040503050406030204" pitchFamily="18" charset="0"/>
-                          </a:rPr>
-                          <m:t>+</m:t>
-                        </m:r>
-                        <m:r>
-                          <a:rPr lang="en-US" sz="2800" b="0" i="1" dirty="0" smtClean="0">
-                            <a:solidFill>
-                              <a:srgbClr val="C00000"/>
-                            </a:solidFill>
-                            <a:latin typeface="Cambria Math" panose="02040503050406030204" pitchFamily="18" charset="0"/>
-                          </a:rPr>
-                          <m:t>𝑌</m:t>
-                        </m:r>
-                      </m:e>
-                    </m:d>
-                    <m:r>
-                      <a:rPr lang="en-US" i="1" dirty="0">
-                        <a:solidFill>
-                          <a:srgbClr val="C00000"/>
-                        </a:solidFill>
-                        <a:latin typeface="Cambria Math" panose="02040503050406030204" pitchFamily="18" charset="0"/>
-                      </a:rPr>
-                      <m:t>=</m:t>
-                    </m:r>
-                    <m:r>
-                      <m:rPr>
-                        <m:sty m:val="p"/>
-                      </m:rPr>
-                      <a:rPr lang="en-US" b="0" i="0" dirty="0" smtClean="0">
-                        <a:solidFill>
-                          <a:srgbClr val="C00000"/>
-                        </a:solidFill>
-                        <a:latin typeface="Cambria Math" panose="02040503050406030204" pitchFamily="18" charset="0"/>
-                      </a:rPr>
-                      <m:t>Var</m:t>
-                    </m:r>
-                    <m:d>
-                      <m:dPr>
-                        <m:begChr m:val="["/>
-                        <m:endChr m:val="]"/>
-                        <m:ctrlPr>
-                          <a:rPr lang="en-US" i="1" dirty="0">
-                            <a:solidFill>
-                              <a:srgbClr val="C00000"/>
-                            </a:solidFill>
-                            <a:latin typeface="Cambria Math" panose="02040503050406030204" pitchFamily="18" charset="0"/>
-                          </a:rPr>
-                        </m:ctrlPr>
-                      </m:dPr>
-                      <m:e>
-                        <m:r>
-                          <a:rPr lang="en-US" i="1" dirty="0">
-                            <a:solidFill>
-                              <a:srgbClr val="C00000"/>
-                            </a:solidFill>
-                            <a:latin typeface="Cambria Math" panose="02040503050406030204" pitchFamily="18" charset="0"/>
-                          </a:rPr>
-                          <m:t>𝑋</m:t>
-                        </m:r>
-                      </m:e>
-                    </m:d>
-                    <m:r>
-                      <a:rPr lang="en-US" b="0" i="0" dirty="0" smtClean="0">
-                        <a:solidFill>
-                          <a:srgbClr val="C00000"/>
-                        </a:solidFill>
-                        <a:latin typeface="Cambria Math" panose="02040503050406030204" pitchFamily="18" charset="0"/>
-                      </a:rPr>
-                      <m:t>+</m:t>
-                    </m:r>
-                    <m:r>
-                      <m:rPr>
-                        <m:sty m:val="p"/>
-                      </m:rPr>
-                      <a:rPr lang="en-US" b="0" i="0" dirty="0" smtClean="0">
-                        <a:solidFill>
-                          <a:srgbClr val="C00000"/>
-                        </a:solidFill>
-                        <a:latin typeface="Cambria Math" panose="02040503050406030204" pitchFamily="18" charset="0"/>
-                      </a:rPr>
-                      <m:t>Var</m:t>
-                    </m:r>
-                    <m:d>
-                      <m:dPr>
-                        <m:begChr m:val="["/>
-                        <m:endChr m:val="]"/>
-                        <m:ctrlPr>
-                          <a:rPr lang="en-US" i="1" dirty="0">
-                            <a:solidFill>
-                              <a:srgbClr val="C00000"/>
-                            </a:solidFill>
-                            <a:latin typeface="Cambria Math" panose="02040503050406030204" pitchFamily="18" charset="0"/>
-                          </a:rPr>
-                        </m:ctrlPr>
-                      </m:dPr>
-                      <m:e>
-                        <m:r>
-                          <a:rPr lang="en-US" b="0" i="1" dirty="0" smtClean="0">
-                            <a:solidFill>
-                              <a:srgbClr val="C00000"/>
-                            </a:solidFill>
-                            <a:latin typeface="Cambria Math" panose="02040503050406030204" pitchFamily="18" charset="0"/>
-                          </a:rPr>
-                          <m:t>𝑌</m:t>
-                        </m:r>
-                      </m:e>
-                    </m:d>
-                  </m:oMath>
-                </a14:m>
-                <a:endParaRPr lang="en-US" dirty="0"/>
-              </a:p>
-              <a:p>
-                <a:pPr>
-                  <a:buClr>
-                    <a:schemeClr val="tx1"/>
-                  </a:buClr>
-                </a:pPr>
-                <a:endParaRPr lang="en-US" dirty="0"/>
-              </a:p>
-              <a:p>
-                <a:pPr>
-                  <a:buClr>
-                    <a:schemeClr val="tx1"/>
-                  </a:buClr>
-                </a:pPr>
-                <a:r>
-                  <a:rPr lang="en-US" dirty="0"/>
-                  <a:t>“How far numbers are from the average”</a:t>
-                </a:r>
-              </a:p>
-            </p:txBody>
-          </p:sp>
-        </mc:Choice>
-        <mc:Fallback xmlns="">
-          <p:sp>
-            <p:nvSpPr>
-              <p:cNvPr id="3" name="Content Placeholder 2">
-                <a:extLst>
-                  <a:ext uri="{FF2B5EF4-FFF2-40B4-BE49-F238E27FC236}">
-                    <a16:creationId xmlns:a16="http://schemas.microsoft.com/office/drawing/2014/main" id="{6666941B-6AAA-DFD0-8896-ACB1B4FE2AC6}"/>
-                  </a:ext>
-                </a:extLst>
-              </p:cNvPr>
-              <p:cNvSpPr>
-                <a:spLocks noGrp="1" noRot="1" noChangeAspect="1" noMove="1" noResize="1" noEditPoints="1" noAdjustHandles="1" noChangeArrowheads="1" noChangeShapeType="1" noTextEdit="1"/>
-              </p:cNvSpPr>
-              <p:nvPr>
-                <p:ph idx="1"/>
-              </p:nvPr>
-            </p:nvSpPr>
-            <p:spPr>
-              <a:xfrm>
-                <a:off x="838200" y="1825625"/>
-                <a:ext cx="10515600" cy="4667250"/>
-              </a:xfrm>
-              <a:blipFill>
-                <a:blip r:embed="rId2"/>
-                <a:stretch>
-                  <a:fillRect l="-1043" t="-2089"/>
-                </a:stretch>
-              </a:blipFill>
-            </p:spPr>
-            <p:txBody>
-              <a:bodyPr/>
-              <a:lstStyle/>
-              <a:p>
-                <a:r>
-                  <a:rPr lang="en-US">
-                    <a:noFill/>
-                  </a:rPr>
-                  <a:t> </a:t>
-                </a:r>
-              </a:p>
-            </p:txBody>
-          </p:sp>
-        </mc:Fallback>
-      </mc:AlternateContent>
-      <mc:AlternateContent xmlns:mc="http://schemas.openxmlformats.org/markup-compatibility/2006" xmlns:a14="http://schemas.microsoft.com/office/drawing/2010/main">
-        <mc:Choice Requires="a14">
-          <p:sp>
-            <p:nvSpPr>
-              <p:cNvPr id="5" name="TextBox 4">
-                <a:extLst>
-                  <a:ext uri="{FF2B5EF4-FFF2-40B4-BE49-F238E27FC236}">
-                    <a16:creationId xmlns:a16="http://schemas.microsoft.com/office/drawing/2014/main" id="{A2DE4CEA-73D7-CD0E-D451-149152B610B0}"/>
-                  </a:ext>
-                </a:extLst>
-              </p:cNvPr>
-              <p:cNvSpPr txBox="1"/>
-              <p:nvPr/>
-            </p:nvSpPr>
-            <p:spPr>
-              <a:xfrm>
-                <a:off x="2877670" y="2356828"/>
-                <a:ext cx="6096000" cy="523220"/>
-              </a:xfrm>
-              <a:prstGeom prst="rect">
-                <a:avLst/>
-              </a:prstGeom>
-              <a:noFill/>
-            </p:spPr>
-            <p:txBody>
-              <a:bodyPr wrap="square">
-                <a:spAutoFit/>
-              </a:bodyPr>
-              <a:lstStyle/>
-              <a:p>
-                <a:pPr/>
-                <a14:m>
-                  <m:oMathPara xmlns:m="http://schemas.openxmlformats.org/officeDocument/2006/math">
-                    <m:oMathParaPr>
-                      <m:jc m:val="centerGroup"/>
-                    </m:oMathParaPr>
-                    <m:oMath xmlns:m="http://schemas.openxmlformats.org/officeDocument/2006/math">
-                      <m:r>
-                        <m:rPr>
-                          <m:sty m:val="p"/>
-                        </m:rPr>
-                        <a:rPr lang="en-US" sz="2800" b="0" i="0" dirty="0" smtClean="0">
-                          <a:solidFill>
-                            <a:srgbClr val="C00000"/>
-                          </a:solidFill>
-                          <a:latin typeface="Cambria Math" panose="02040503050406030204" pitchFamily="18" charset="0"/>
-                        </a:rPr>
-                        <m:t>Var</m:t>
-                      </m:r>
-                      <m:d>
-                        <m:dPr>
-                          <m:begChr m:val="["/>
-                          <m:endChr m:val="]"/>
-                          <m:ctrlPr>
-                            <a:rPr lang="en-US" sz="2800" b="0" i="1" dirty="0" smtClean="0">
-                              <a:solidFill>
-                                <a:srgbClr val="C00000"/>
-                              </a:solidFill>
-                              <a:latin typeface="Cambria Math" panose="02040503050406030204" pitchFamily="18" charset="0"/>
-                            </a:rPr>
-                          </m:ctrlPr>
-                        </m:dPr>
-                        <m:e>
-                          <m:r>
-                            <a:rPr lang="en-US" sz="2800" b="0" i="1" dirty="0" smtClean="0">
-                              <a:solidFill>
-                                <a:srgbClr val="C00000"/>
-                              </a:solidFill>
-                              <a:latin typeface="Cambria Math" panose="02040503050406030204" pitchFamily="18" charset="0"/>
-                            </a:rPr>
-                            <m:t>𝑋</m:t>
-                          </m:r>
-                        </m:e>
-                      </m:d>
-                      <m:r>
-                        <a:rPr lang="en-US" sz="2800" b="0" i="1" dirty="0" smtClean="0">
-                          <a:solidFill>
-                            <a:srgbClr val="C00000"/>
-                          </a:solidFill>
-                          <a:latin typeface="Cambria Math" panose="02040503050406030204" pitchFamily="18" charset="0"/>
-                        </a:rPr>
-                        <m:t>=</m:t>
-                      </m:r>
-                      <m:r>
-                        <m:rPr>
-                          <m:sty m:val="p"/>
-                        </m:rPr>
-                        <a:rPr lang="en-US" sz="2800" b="0" i="0" dirty="0" smtClean="0">
-                          <a:solidFill>
-                            <a:srgbClr val="C00000"/>
-                          </a:solidFill>
-                          <a:latin typeface="Cambria Math" panose="02040503050406030204" pitchFamily="18" charset="0"/>
-                        </a:rPr>
-                        <m:t>E</m:t>
-                      </m:r>
-                      <m:d>
-                        <m:dPr>
-                          <m:begChr m:val="["/>
-                          <m:endChr m:val="]"/>
-                          <m:ctrlPr>
-                            <a:rPr lang="en-US" sz="2800" b="0" i="1" dirty="0" smtClean="0">
-                              <a:solidFill>
-                                <a:srgbClr val="C00000"/>
-                              </a:solidFill>
-                              <a:latin typeface="Cambria Math" panose="02040503050406030204" pitchFamily="18" charset="0"/>
-                            </a:rPr>
-                          </m:ctrlPr>
-                        </m:dPr>
-                        <m:e>
-                          <m:sSup>
-                            <m:sSupPr>
-                              <m:ctrlPr>
-                                <a:rPr lang="en-US" sz="2800" b="0" i="1" dirty="0" smtClean="0">
-                                  <a:solidFill>
-                                    <a:srgbClr val="C00000"/>
-                                  </a:solidFill>
-                                  <a:latin typeface="Cambria Math" panose="02040503050406030204" pitchFamily="18" charset="0"/>
-                                </a:rPr>
-                              </m:ctrlPr>
-                            </m:sSupPr>
-                            <m:e>
-                              <m:r>
-                                <a:rPr lang="en-US" sz="2800" b="0" i="1" dirty="0" smtClean="0">
-                                  <a:solidFill>
-                                    <a:srgbClr val="C00000"/>
-                                  </a:solidFill>
-                                  <a:latin typeface="Cambria Math" panose="02040503050406030204" pitchFamily="18" charset="0"/>
-                                </a:rPr>
-                                <m:t>𝑋</m:t>
-                              </m:r>
-                            </m:e>
-                            <m:sup>
-                              <m:r>
-                                <a:rPr lang="en-US" sz="2800" b="0" i="1" dirty="0" smtClean="0">
-                                  <a:solidFill>
-                                    <a:srgbClr val="C00000"/>
-                                  </a:solidFill>
-                                  <a:latin typeface="Cambria Math" panose="02040503050406030204" pitchFamily="18" charset="0"/>
-                                </a:rPr>
-                                <m:t>2</m:t>
-                              </m:r>
-                            </m:sup>
-                          </m:sSup>
-                        </m:e>
-                      </m:d>
-                      <m:r>
-                        <a:rPr lang="en-US" sz="2800" b="0" i="1" dirty="0" smtClean="0">
-                          <a:solidFill>
-                            <a:srgbClr val="C00000"/>
-                          </a:solidFill>
-                          <a:latin typeface="Cambria Math" panose="02040503050406030204" pitchFamily="18" charset="0"/>
-                        </a:rPr>
-                        <m:t>−</m:t>
-                      </m:r>
-                      <m:sSup>
-                        <m:sSupPr>
-                          <m:ctrlPr>
-                            <a:rPr lang="en-US" sz="2800" b="0" i="1" dirty="0" smtClean="0">
-                              <a:solidFill>
-                                <a:srgbClr val="C00000"/>
-                              </a:solidFill>
-                              <a:latin typeface="Cambria Math" panose="02040503050406030204" pitchFamily="18" charset="0"/>
-                            </a:rPr>
-                          </m:ctrlPr>
-                        </m:sSupPr>
-                        <m:e>
-                          <m:d>
-                            <m:dPr>
-                              <m:ctrlPr>
-                                <a:rPr lang="en-US" sz="2800" b="0" i="1" dirty="0" smtClean="0">
-                                  <a:solidFill>
-                                    <a:srgbClr val="C00000"/>
-                                  </a:solidFill>
-                                  <a:latin typeface="Cambria Math" panose="02040503050406030204" pitchFamily="18" charset="0"/>
-                                </a:rPr>
-                              </m:ctrlPr>
-                            </m:dPr>
-                            <m:e>
-                              <m:r>
-                                <m:rPr>
-                                  <m:sty m:val="p"/>
-                                </m:rPr>
-                                <a:rPr lang="en-US" sz="2800" b="0" i="0" dirty="0" smtClean="0">
-                                  <a:solidFill>
-                                    <a:srgbClr val="C00000"/>
-                                  </a:solidFill>
-                                  <a:latin typeface="Cambria Math" panose="02040503050406030204" pitchFamily="18" charset="0"/>
-                                </a:rPr>
-                                <m:t>E</m:t>
-                              </m:r>
-                              <m:d>
-                                <m:dPr>
-                                  <m:begChr m:val="["/>
-                                  <m:endChr m:val="]"/>
-                                  <m:ctrlPr>
-                                    <a:rPr lang="en-US" sz="2800" b="0" i="1" dirty="0" smtClean="0">
-                                      <a:solidFill>
-                                        <a:srgbClr val="C00000"/>
-                                      </a:solidFill>
-                                      <a:latin typeface="Cambria Math" panose="02040503050406030204" pitchFamily="18" charset="0"/>
-                                    </a:rPr>
-                                  </m:ctrlPr>
-                                </m:dPr>
-                                <m:e>
-                                  <m:r>
-                                    <a:rPr lang="en-US" sz="2800" b="0" i="1" dirty="0" smtClean="0">
-                                      <a:solidFill>
-                                        <a:srgbClr val="C00000"/>
-                                      </a:solidFill>
-                                      <a:latin typeface="Cambria Math" panose="02040503050406030204" pitchFamily="18" charset="0"/>
-                                    </a:rPr>
-                                    <m:t>𝑋</m:t>
-                                  </m:r>
-                                </m:e>
-                              </m:d>
-                            </m:e>
-                          </m:d>
-                        </m:e>
-                        <m:sup>
-                          <m:r>
-                            <a:rPr lang="en-US" sz="2800" b="0" i="1" dirty="0" smtClean="0">
-                              <a:solidFill>
-                                <a:srgbClr val="C00000"/>
-                              </a:solidFill>
-                              <a:latin typeface="Cambria Math" panose="02040503050406030204" pitchFamily="18" charset="0"/>
-                            </a:rPr>
-                            <m:t>2</m:t>
-                          </m:r>
-                        </m:sup>
-                      </m:sSup>
-                    </m:oMath>
-                  </m:oMathPara>
-                </a14:m>
-                <a:endParaRPr lang="en-US" sz="2800" dirty="0"/>
-              </a:p>
-            </p:txBody>
-          </p:sp>
-        </mc:Choice>
-        <mc:Fallback xmlns="">
-          <p:sp>
-            <p:nvSpPr>
-              <p:cNvPr id="5" name="TextBox 4">
-                <a:extLst>
-                  <a:ext uri="{FF2B5EF4-FFF2-40B4-BE49-F238E27FC236}">
-                    <a16:creationId xmlns:a16="http://schemas.microsoft.com/office/drawing/2014/main" id="{A2DE4CEA-73D7-CD0E-D451-149152B610B0}"/>
-                  </a:ext>
-                </a:extLst>
-              </p:cNvPr>
-              <p:cNvSpPr txBox="1">
-                <a:spLocks noRot="1" noChangeAspect="1" noMove="1" noResize="1" noEditPoints="1" noAdjustHandles="1" noChangeArrowheads="1" noChangeShapeType="1" noTextEdit="1"/>
-              </p:cNvSpPr>
-              <p:nvPr/>
-            </p:nvSpPr>
-            <p:spPr>
-              <a:xfrm>
-                <a:off x="2877670" y="2356828"/>
-                <a:ext cx="6096000" cy="523220"/>
-              </a:xfrm>
-              <a:prstGeom prst="rect">
-                <a:avLst/>
-              </a:prstGeom>
-              <a:blipFill>
-                <a:blip r:embed="rId3"/>
-                <a:stretch>
-                  <a:fillRect/>
-                </a:stretch>
-              </a:blipFill>
-            </p:spPr>
-            <p:txBody>
-              <a:bodyPr/>
-              <a:lstStyle/>
-              <a:p>
-                <a:r>
-                  <a:rPr lang="en-US">
-                    <a:noFill/>
-                  </a:rPr>
-                  <a:t> </a:t>
-                </a:r>
-              </a:p>
-            </p:txBody>
-          </p:sp>
-        </mc:Fallback>
-      </mc:AlternateContent>
-    </p:spTree>
-    <p:extLst>
-      <p:ext uri="{BB962C8B-B14F-4D97-AF65-F5344CB8AC3E}">
-        <p14:creationId xmlns:p14="http://schemas.microsoft.com/office/powerpoint/2010/main" val="3134621736"/>
-      </p:ext>
-    </p:extLst>
-  </p:cSld>
-  <p:clrMapOvr>
-    <a:masterClrMapping/>
-  </p:clrMapOvr>
-</p:sld>
-</file>
-
-<file path=ppt/slides/slide46.xml><?xml version="1.0" encoding="utf-8"?>
-<p:sld xmlns:a="http://schemas.openxmlformats.org/drawingml/2006/main" xmlns:r="http://schemas.openxmlformats.org/officeDocument/2006/relationships" xmlns:p="http://schemas.openxmlformats.org/presentationml/2006/main">
-  <p:cSld>
-    <p:spTree>
-      <p:nvGrpSpPr>
-        <p:cNvPr id="1" name=""/>
-        <p:cNvGrpSpPr/>
-        <p:nvPr/>
-      </p:nvGrpSpPr>
-      <p:grpSpPr>
-        <a:xfrm>
-          <a:off x="0" y="0"/>
-          <a:ext cx="0" cy="0"/>
-          <a:chOff x="0" y="0"/>
-          <a:chExt cx="0" cy="0"/>
-        </a:xfrm>
-      </p:grpSpPr>
-      <p:sp>
-        <p:nvSpPr>
-          <p:cNvPr id="2" name="Title 1">
-            <a:extLst>
-              <a:ext uri="{FF2B5EF4-FFF2-40B4-BE49-F238E27FC236}">
-                <a16:creationId xmlns:a16="http://schemas.microsoft.com/office/drawing/2014/main" id="{A49DDC00-2744-B7F9-8394-609BE1AEC413}"/>
-              </a:ext>
-            </a:extLst>
-          </p:cNvPr>
-          <p:cNvSpPr>
-            <a:spLocks noGrp="1"/>
-          </p:cNvSpPr>
-          <p:nvPr>
-            <p:ph type="title"/>
-          </p:nvPr>
-        </p:nvSpPr>
-        <p:spPr/>
-        <p:txBody>
-          <a:bodyPr/>
-          <a:lstStyle/>
-          <a:p>
-            <a:r>
-              <a:rPr lang="en-US" dirty="0">
-                <a:solidFill>
-                  <a:srgbClr val="C00000"/>
-                </a:solidFill>
-              </a:rPr>
-              <a:t>Variance</a:t>
-            </a:r>
-            <a:endParaRPr lang="en-US" dirty="0"/>
-          </a:p>
-        </p:txBody>
-      </p:sp>
-      <mc:AlternateContent xmlns:mc="http://schemas.openxmlformats.org/markup-compatibility/2006" xmlns:a14="http://schemas.microsoft.com/office/drawing/2010/main">
-        <mc:Choice Requires="a14">
-          <p:sp>
-            <p:nvSpPr>
-              <p:cNvPr id="3" name="Content Placeholder 2">
-                <a:extLst>
-                  <a:ext uri="{FF2B5EF4-FFF2-40B4-BE49-F238E27FC236}">
-                    <a16:creationId xmlns:a16="http://schemas.microsoft.com/office/drawing/2014/main" id="{6666941B-6AAA-DFD0-8896-ACB1B4FE2AC6}"/>
-                  </a:ext>
-                </a:extLst>
-              </p:cNvPr>
-              <p:cNvSpPr>
-                <a:spLocks noGrp="1"/>
-              </p:cNvSpPr>
-              <p:nvPr>
-                <p:ph idx="1"/>
-              </p:nvPr>
-            </p:nvSpPr>
-            <p:spPr>
-              <a:xfrm>
-                <a:off x="838200" y="1825625"/>
-                <a:ext cx="10515600" cy="4667250"/>
-              </a:xfrm>
-            </p:spPr>
-            <p:txBody>
-              <a:bodyPr>
-                <a:normAutofit/>
-              </a:bodyPr>
-              <a:lstStyle/>
-              <a:p>
-                <a:r>
-                  <a:rPr lang="en-US" dirty="0"/>
-                  <a:t>Suppose </a:t>
-                </a:r>
-                <a14:m>
-                  <m:oMath xmlns:m="http://schemas.openxmlformats.org/officeDocument/2006/math">
-                    <m:r>
-                      <a:rPr lang="en-US" b="0" i="1" dirty="0" smtClean="0">
-                        <a:solidFill>
-                          <a:srgbClr val="C00000"/>
-                        </a:solidFill>
-                        <a:latin typeface="Cambria Math" panose="02040503050406030204" pitchFamily="18" charset="0"/>
-                      </a:rPr>
-                      <m:t>𝑋</m:t>
-                    </m:r>
-                  </m:oMath>
-                </a14:m>
-                <a:r>
-                  <a:rPr lang="en-US" dirty="0"/>
-                  <a:t> takes the value </a:t>
-                </a:r>
-                <a14:m>
-                  <m:oMath xmlns:m="http://schemas.openxmlformats.org/officeDocument/2006/math">
-                    <m:r>
-                      <a:rPr lang="en-US" b="0" i="1" dirty="0" smtClean="0">
-                        <a:solidFill>
-                          <a:srgbClr val="C00000"/>
-                        </a:solidFill>
-                        <a:latin typeface="Cambria Math" panose="02040503050406030204" pitchFamily="18" charset="0"/>
-                      </a:rPr>
-                      <m:t>1</m:t>
-                    </m:r>
-                  </m:oMath>
-                </a14:m>
-                <a:r>
-                  <a:rPr lang="en-US" dirty="0"/>
-                  <a:t> with probability </a:t>
-                </a:r>
-                <a14:m>
-                  <m:oMath xmlns:m="http://schemas.openxmlformats.org/officeDocument/2006/math">
-                    <m:f>
-                      <m:fPr>
-                        <m:ctrlPr>
-                          <a:rPr lang="en-US" b="0" i="1" dirty="0" smtClean="0">
-                            <a:solidFill>
-                              <a:srgbClr val="C00000"/>
-                            </a:solidFill>
-                            <a:latin typeface="Cambria Math" panose="02040503050406030204" pitchFamily="18" charset="0"/>
-                          </a:rPr>
-                        </m:ctrlPr>
-                      </m:fPr>
-                      <m:num>
-                        <m:r>
-                          <a:rPr lang="en-US" b="0" i="1" dirty="0" smtClean="0">
-                            <a:solidFill>
-                              <a:srgbClr val="C00000"/>
-                            </a:solidFill>
-                            <a:latin typeface="Cambria Math" panose="02040503050406030204" pitchFamily="18" charset="0"/>
-                          </a:rPr>
-                          <m:t>1</m:t>
-                        </m:r>
-                      </m:num>
-                      <m:den>
-                        <m:r>
-                          <a:rPr lang="en-US" b="0" i="1" dirty="0" smtClean="0">
-                            <a:solidFill>
-                              <a:srgbClr val="C00000"/>
-                            </a:solidFill>
-                            <a:latin typeface="Cambria Math" panose="02040503050406030204" pitchFamily="18" charset="0"/>
-                          </a:rPr>
-                          <m:t>2</m:t>
-                        </m:r>
-                      </m:den>
-                    </m:f>
-                  </m:oMath>
-                </a14:m>
-                <a:r>
-                  <a:rPr lang="en-US" dirty="0"/>
-                  <a:t> and takes the value </a:t>
-                </a:r>
-                <a14:m>
-                  <m:oMath xmlns:m="http://schemas.openxmlformats.org/officeDocument/2006/math">
-                    <m:r>
-                      <a:rPr lang="en-US" b="0" i="1" dirty="0" smtClean="0">
-                        <a:solidFill>
-                          <a:srgbClr val="C00000"/>
-                        </a:solidFill>
-                        <a:latin typeface="Cambria Math" panose="02040503050406030204" pitchFamily="18" charset="0"/>
-                      </a:rPr>
-                      <m:t>−1</m:t>
-                    </m:r>
-                  </m:oMath>
-                </a14:m>
-                <a:r>
-                  <a:rPr lang="en-US" dirty="0"/>
-                  <a:t> with probability </a:t>
-                </a:r>
-                <a14:m>
-                  <m:oMath xmlns:m="http://schemas.openxmlformats.org/officeDocument/2006/math">
-                    <m:f>
-                      <m:fPr>
-                        <m:ctrlPr>
-                          <a:rPr lang="en-US" b="0" i="1" dirty="0" smtClean="0">
-                            <a:solidFill>
-                              <a:srgbClr val="C00000"/>
-                            </a:solidFill>
-                            <a:latin typeface="Cambria Math" panose="02040503050406030204" pitchFamily="18" charset="0"/>
-                          </a:rPr>
-                        </m:ctrlPr>
-                      </m:fPr>
-                      <m:num>
-                        <m:r>
-                          <a:rPr lang="en-US" b="0" i="1" dirty="0" smtClean="0">
-                            <a:solidFill>
-                              <a:srgbClr val="C00000"/>
-                            </a:solidFill>
-                            <a:latin typeface="Cambria Math" panose="02040503050406030204" pitchFamily="18" charset="0"/>
-                          </a:rPr>
-                          <m:t>1</m:t>
-                        </m:r>
-                      </m:num>
-                      <m:den>
-                        <m:r>
-                          <a:rPr lang="en-US" b="0" i="1" dirty="0" smtClean="0">
-                            <a:solidFill>
-                              <a:srgbClr val="C00000"/>
-                            </a:solidFill>
-                            <a:latin typeface="Cambria Math" panose="02040503050406030204" pitchFamily="18" charset="0"/>
-                          </a:rPr>
-                          <m:t>2</m:t>
-                        </m:r>
-                      </m:den>
-                    </m:f>
-                  </m:oMath>
-                </a14:m>
-                <a:endParaRPr lang="en-US" dirty="0"/>
-              </a:p>
-              <a:p>
-                <a:endParaRPr lang="en-US" dirty="0"/>
-              </a:p>
-              <a:p>
-                <a:r>
-                  <a:rPr lang="en-US" dirty="0"/>
-                  <a:t>What is </a:t>
-                </a:r>
-                <a14:m>
-                  <m:oMath xmlns:m="http://schemas.openxmlformats.org/officeDocument/2006/math">
-                    <m:r>
-                      <m:rPr>
-                        <m:sty m:val="p"/>
-                      </m:rPr>
-                      <a:rPr lang="en-US" sz="2800" b="0" i="0" dirty="0" smtClean="0">
-                        <a:solidFill>
-                          <a:srgbClr val="C00000"/>
-                        </a:solidFill>
-                        <a:latin typeface="Cambria Math" panose="02040503050406030204" pitchFamily="18" charset="0"/>
-                      </a:rPr>
-                      <m:t>E</m:t>
-                    </m:r>
-                    <m:d>
-                      <m:dPr>
-                        <m:begChr m:val="["/>
-                        <m:endChr m:val="]"/>
-                        <m:ctrlPr>
-                          <a:rPr lang="en-US" sz="2800" b="0" i="1" dirty="0" smtClean="0">
-                            <a:solidFill>
-                              <a:srgbClr val="C00000"/>
-                            </a:solidFill>
-                            <a:latin typeface="Cambria Math" panose="02040503050406030204" pitchFamily="18" charset="0"/>
-                          </a:rPr>
-                        </m:ctrlPr>
-                      </m:dPr>
-                      <m:e>
-                        <m:r>
-                          <a:rPr lang="en-US" sz="2800" b="0" i="1" dirty="0" smtClean="0">
-                            <a:solidFill>
-                              <a:srgbClr val="C00000"/>
-                            </a:solidFill>
-                            <a:latin typeface="Cambria Math" panose="02040503050406030204" pitchFamily="18" charset="0"/>
-                          </a:rPr>
-                          <m:t>𝑋</m:t>
-                        </m:r>
-                      </m:e>
-                    </m:d>
-                  </m:oMath>
-                </a14:m>
-                <a:r>
-                  <a:rPr lang="en-US" dirty="0"/>
-                  <a:t>?</a:t>
-                </a:r>
-              </a:p>
-              <a:p>
-                <a:endParaRPr lang="en-US" dirty="0"/>
-              </a:p>
-              <a:p>
-                <a:r>
-                  <a:rPr lang="en-US" dirty="0"/>
-                  <a:t>What is </a:t>
-                </a:r>
-                <a14:m>
-                  <m:oMath xmlns:m="http://schemas.openxmlformats.org/officeDocument/2006/math">
-                    <m:r>
-                      <m:rPr>
-                        <m:sty m:val="p"/>
-                      </m:rPr>
-                      <a:rPr lang="en-US" sz="2800" b="0" i="0" dirty="0" smtClean="0">
-                        <a:solidFill>
-                          <a:srgbClr val="C00000"/>
-                        </a:solidFill>
-                        <a:latin typeface="Cambria Math" panose="02040503050406030204" pitchFamily="18" charset="0"/>
-                      </a:rPr>
-                      <m:t>Var</m:t>
-                    </m:r>
-                    <m:d>
-                      <m:dPr>
-                        <m:begChr m:val="["/>
-                        <m:endChr m:val="]"/>
-                        <m:ctrlPr>
-                          <a:rPr lang="en-US" sz="2800" b="0" i="1" dirty="0" smtClean="0">
-                            <a:solidFill>
-                              <a:srgbClr val="C00000"/>
-                            </a:solidFill>
-                            <a:latin typeface="Cambria Math" panose="02040503050406030204" pitchFamily="18" charset="0"/>
-                          </a:rPr>
-                        </m:ctrlPr>
-                      </m:dPr>
-                      <m:e>
-                        <m:r>
-                          <a:rPr lang="en-US" sz="2800" b="0" i="1" dirty="0" smtClean="0">
-                            <a:solidFill>
-                              <a:srgbClr val="C00000"/>
-                            </a:solidFill>
-                            <a:latin typeface="Cambria Math" panose="02040503050406030204" pitchFamily="18" charset="0"/>
-                          </a:rPr>
-                          <m:t>𝑋</m:t>
-                        </m:r>
-                      </m:e>
-                    </m:d>
-                  </m:oMath>
-                </a14:m>
-                <a:r>
-                  <a:rPr lang="en-US" dirty="0"/>
-                  <a:t>?</a:t>
-                </a:r>
-              </a:p>
-            </p:txBody>
-          </p:sp>
-        </mc:Choice>
-        <mc:Fallback xmlns="">
-          <p:sp>
-            <p:nvSpPr>
-              <p:cNvPr id="3" name="Content Placeholder 2">
-                <a:extLst>
-                  <a:ext uri="{FF2B5EF4-FFF2-40B4-BE49-F238E27FC236}">
-                    <a16:creationId xmlns:a16="http://schemas.microsoft.com/office/drawing/2014/main" id="{6666941B-6AAA-DFD0-8896-ACB1B4FE2AC6}"/>
-                  </a:ext>
-                </a:extLst>
-              </p:cNvPr>
-              <p:cNvSpPr>
-                <a:spLocks noGrp="1" noRot="1" noChangeAspect="1" noMove="1" noResize="1" noEditPoints="1" noAdjustHandles="1" noChangeArrowheads="1" noChangeShapeType="1" noTextEdit="1"/>
-              </p:cNvSpPr>
-              <p:nvPr>
-                <p:ph idx="1"/>
-              </p:nvPr>
-            </p:nvSpPr>
-            <p:spPr>
-              <a:xfrm>
-                <a:off x="838200" y="1825625"/>
-                <a:ext cx="10515600" cy="4667250"/>
-              </a:xfrm>
-              <a:blipFill>
-                <a:blip r:embed="rId2"/>
-                <a:stretch>
-                  <a:fillRect l="-1043" t="-261"/>
-                </a:stretch>
-              </a:blipFill>
-            </p:spPr>
-            <p:txBody>
-              <a:bodyPr/>
-              <a:lstStyle/>
-              <a:p>
-                <a:r>
-                  <a:rPr lang="en-US">
-                    <a:noFill/>
-                  </a:rPr>
-                  <a:t> </a:t>
-                </a:r>
-              </a:p>
-            </p:txBody>
-          </p:sp>
-        </mc:Fallback>
-      </mc:AlternateContent>
-    </p:spTree>
-    <p:extLst>
-      <p:ext uri="{BB962C8B-B14F-4D97-AF65-F5344CB8AC3E}">
-        <p14:creationId xmlns:p14="http://schemas.microsoft.com/office/powerpoint/2010/main" val="3892883946"/>
-      </p:ext>
-    </p:extLst>
-  </p:cSld>
-  <p:clrMapOvr>
-    <a:masterClrMapping/>
-  </p:clrMapOvr>
-</p:sld>
-</file>
-
-<file path=ppt/slides/slide47.xml><?xml version="1.0" encoding="utf-8"?>
-<p:sld xmlns:a="http://schemas.openxmlformats.org/drawingml/2006/main" xmlns:r="http://schemas.openxmlformats.org/officeDocument/2006/relationships" xmlns:p="http://schemas.openxmlformats.org/presentationml/2006/main">
-  <p:cSld>
-    <p:spTree>
-      <p:nvGrpSpPr>
-        <p:cNvPr id="1" name=""/>
-        <p:cNvGrpSpPr/>
-        <p:nvPr/>
-      </p:nvGrpSpPr>
-      <p:grpSpPr>
-        <a:xfrm>
-          <a:off x="0" y="0"/>
-          <a:ext cx="0" cy="0"/>
-          <a:chOff x="0" y="0"/>
-          <a:chExt cx="0" cy="0"/>
-        </a:xfrm>
-      </p:grpSpPr>
-      <p:sp>
-        <p:nvSpPr>
-          <p:cNvPr id="2" name="Title 1">
-            <a:extLst>
-              <a:ext uri="{FF2B5EF4-FFF2-40B4-BE49-F238E27FC236}">
-                <a16:creationId xmlns:a16="http://schemas.microsoft.com/office/drawing/2014/main" id="{A49DDC00-2744-B7F9-8394-609BE1AEC413}"/>
-              </a:ext>
-            </a:extLst>
-          </p:cNvPr>
-          <p:cNvSpPr>
-            <a:spLocks noGrp="1"/>
-          </p:cNvSpPr>
-          <p:nvPr>
-            <p:ph type="title"/>
-          </p:nvPr>
-        </p:nvSpPr>
-        <p:spPr/>
-        <p:txBody>
-          <a:bodyPr/>
-          <a:lstStyle/>
-          <a:p>
-            <a:r>
-              <a:rPr lang="en-US" dirty="0">
-                <a:solidFill>
-                  <a:srgbClr val="C00000"/>
-                </a:solidFill>
-              </a:rPr>
-              <a:t>Variance</a:t>
-            </a:r>
-            <a:endParaRPr lang="en-US" dirty="0"/>
-          </a:p>
-        </p:txBody>
-      </p:sp>
-      <mc:AlternateContent xmlns:mc="http://schemas.openxmlformats.org/markup-compatibility/2006" xmlns:a14="http://schemas.microsoft.com/office/drawing/2010/main">
-        <mc:Choice Requires="a14">
-          <p:sp>
-            <p:nvSpPr>
-              <p:cNvPr id="3" name="Content Placeholder 2">
-                <a:extLst>
-                  <a:ext uri="{FF2B5EF4-FFF2-40B4-BE49-F238E27FC236}">
-                    <a16:creationId xmlns:a16="http://schemas.microsoft.com/office/drawing/2014/main" id="{6666941B-6AAA-DFD0-8896-ACB1B4FE2AC6}"/>
-                  </a:ext>
-                </a:extLst>
-              </p:cNvPr>
-              <p:cNvSpPr>
-                <a:spLocks noGrp="1"/>
-              </p:cNvSpPr>
-              <p:nvPr>
-                <p:ph idx="1"/>
-              </p:nvPr>
-            </p:nvSpPr>
-            <p:spPr>
-              <a:xfrm>
-                <a:off x="838200" y="1825625"/>
-                <a:ext cx="10515600" cy="4667250"/>
-              </a:xfrm>
-            </p:spPr>
-            <p:txBody>
-              <a:bodyPr>
-                <a:normAutofit/>
-              </a:bodyPr>
-              <a:lstStyle/>
-              <a:p>
-                <a:r>
-                  <a:rPr lang="en-US" dirty="0"/>
-                  <a:t>Suppose </a:t>
-                </a:r>
-                <a14:m>
-                  <m:oMath xmlns:m="http://schemas.openxmlformats.org/officeDocument/2006/math">
-                    <m:r>
-                      <a:rPr lang="en-US" b="0" i="1" dirty="0" smtClean="0">
-                        <a:solidFill>
-                          <a:srgbClr val="C00000"/>
-                        </a:solidFill>
-                        <a:latin typeface="Cambria Math" panose="02040503050406030204" pitchFamily="18" charset="0"/>
-                      </a:rPr>
-                      <m:t>𝑌</m:t>
-                    </m:r>
-                  </m:oMath>
-                </a14:m>
-                <a:r>
-                  <a:rPr lang="en-US" dirty="0"/>
-                  <a:t> takes the value </a:t>
-                </a:r>
-                <a14:m>
-                  <m:oMath xmlns:m="http://schemas.openxmlformats.org/officeDocument/2006/math">
-                    <m:r>
-                      <a:rPr lang="en-US" b="0" i="1" dirty="0" smtClean="0">
-                        <a:solidFill>
-                          <a:srgbClr val="C00000"/>
-                        </a:solidFill>
-                        <a:latin typeface="Cambria Math" panose="02040503050406030204" pitchFamily="18" charset="0"/>
-                      </a:rPr>
-                      <m:t>100</m:t>
-                    </m:r>
-                  </m:oMath>
-                </a14:m>
-                <a:r>
-                  <a:rPr lang="en-US" dirty="0"/>
-                  <a:t> with probability </a:t>
-                </a:r>
-                <a14:m>
-                  <m:oMath xmlns:m="http://schemas.openxmlformats.org/officeDocument/2006/math">
-                    <m:f>
-                      <m:fPr>
-                        <m:ctrlPr>
-                          <a:rPr lang="en-US" b="0" i="1" dirty="0" smtClean="0">
-                            <a:solidFill>
-                              <a:srgbClr val="C00000"/>
-                            </a:solidFill>
-                            <a:latin typeface="Cambria Math" panose="02040503050406030204" pitchFamily="18" charset="0"/>
-                          </a:rPr>
-                        </m:ctrlPr>
-                      </m:fPr>
-                      <m:num>
-                        <m:r>
-                          <a:rPr lang="en-US" b="0" i="1" dirty="0" smtClean="0">
-                            <a:solidFill>
-                              <a:srgbClr val="C00000"/>
-                            </a:solidFill>
-                            <a:latin typeface="Cambria Math" panose="02040503050406030204" pitchFamily="18" charset="0"/>
-                          </a:rPr>
-                          <m:t>1</m:t>
-                        </m:r>
-                      </m:num>
-                      <m:den>
-                        <m:r>
-                          <a:rPr lang="en-US" b="0" i="1" dirty="0" smtClean="0">
-                            <a:solidFill>
-                              <a:srgbClr val="C00000"/>
-                            </a:solidFill>
-                            <a:latin typeface="Cambria Math" panose="02040503050406030204" pitchFamily="18" charset="0"/>
-                          </a:rPr>
-                          <m:t>2</m:t>
-                        </m:r>
-                      </m:den>
-                    </m:f>
-                  </m:oMath>
-                </a14:m>
-                <a:r>
-                  <a:rPr lang="en-US" dirty="0"/>
-                  <a:t> and takes the value </a:t>
-                </a:r>
-                <a14:m>
-                  <m:oMath xmlns:m="http://schemas.openxmlformats.org/officeDocument/2006/math">
-                    <m:r>
-                      <a:rPr lang="en-US" b="0" i="1" dirty="0" smtClean="0">
-                        <a:solidFill>
-                          <a:srgbClr val="C00000"/>
-                        </a:solidFill>
-                        <a:latin typeface="Cambria Math" panose="02040503050406030204" pitchFamily="18" charset="0"/>
-                      </a:rPr>
-                      <m:t>−100</m:t>
-                    </m:r>
-                  </m:oMath>
-                </a14:m>
-                <a:r>
-                  <a:rPr lang="en-US" dirty="0"/>
-                  <a:t> with probability </a:t>
-                </a:r>
-                <a14:m>
-                  <m:oMath xmlns:m="http://schemas.openxmlformats.org/officeDocument/2006/math">
-                    <m:f>
-                      <m:fPr>
-                        <m:ctrlPr>
-                          <a:rPr lang="en-US" b="0" i="1" dirty="0" smtClean="0">
-                            <a:solidFill>
-                              <a:srgbClr val="C00000"/>
-                            </a:solidFill>
-                            <a:latin typeface="Cambria Math" panose="02040503050406030204" pitchFamily="18" charset="0"/>
-                          </a:rPr>
-                        </m:ctrlPr>
-                      </m:fPr>
-                      <m:num>
-                        <m:r>
-                          <a:rPr lang="en-US" b="0" i="1" dirty="0" smtClean="0">
-                            <a:solidFill>
-                              <a:srgbClr val="C00000"/>
-                            </a:solidFill>
-                            <a:latin typeface="Cambria Math" panose="02040503050406030204" pitchFamily="18" charset="0"/>
-                          </a:rPr>
-                          <m:t>1</m:t>
-                        </m:r>
-                      </m:num>
-                      <m:den>
-                        <m:r>
-                          <a:rPr lang="en-US" b="0" i="1" dirty="0" smtClean="0">
-                            <a:solidFill>
-                              <a:srgbClr val="C00000"/>
-                            </a:solidFill>
-                            <a:latin typeface="Cambria Math" panose="02040503050406030204" pitchFamily="18" charset="0"/>
-                          </a:rPr>
-                          <m:t>2</m:t>
-                        </m:r>
-                      </m:den>
-                    </m:f>
-                  </m:oMath>
-                </a14:m>
-                <a:endParaRPr lang="en-US" dirty="0"/>
-              </a:p>
-              <a:p>
-                <a:endParaRPr lang="en-US" dirty="0"/>
-              </a:p>
-              <a:p>
-                <a:r>
-                  <a:rPr lang="en-US" dirty="0"/>
-                  <a:t>What is </a:t>
-                </a:r>
-                <a14:m>
-                  <m:oMath xmlns:m="http://schemas.openxmlformats.org/officeDocument/2006/math">
-                    <m:r>
-                      <m:rPr>
-                        <m:sty m:val="p"/>
-                      </m:rPr>
-                      <a:rPr lang="en-US" sz="2800" b="0" i="0" dirty="0" smtClean="0">
-                        <a:solidFill>
-                          <a:srgbClr val="C00000"/>
-                        </a:solidFill>
-                        <a:latin typeface="Cambria Math" panose="02040503050406030204" pitchFamily="18" charset="0"/>
-                      </a:rPr>
-                      <m:t>E</m:t>
-                    </m:r>
-                    <m:d>
-                      <m:dPr>
-                        <m:begChr m:val="["/>
-                        <m:endChr m:val="]"/>
-                        <m:ctrlPr>
-                          <a:rPr lang="en-US" sz="2800" b="0" i="1" dirty="0" smtClean="0">
-                            <a:solidFill>
-                              <a:srgbClr val="C00000"/>
-                            </a:solidFill>
-                            <a:latin typeface="Cambria Math" panose="02040503050406030204" pitchFamily="18" charset="0"/>
-                          </a:rPr>
-                        </m:ctrlPr>
-                      </m:dPr>
-                      <m:e>
-                        <m:r>
-                          <a:rPr lang="en-US" sz="2800" b="0" i="1" dirty="0" smtClean="0">
-                            <a:solidFill>
-                              <a:srgbClr val="C00000"/>
-                            </a:solidFill>
-                            <a:latin typeface="Cambria Math" panose="02040503050406030204" pitchFamily="18" charset="0"/>
-                          </a:rPr>
-                          <m:t>𝑌</m:t>
-                        </m:r>
-                      </m:e>
-                    </m:d>
-                  </m:oMath>
-                </a14:m>
-                <a:r>
-                  <a:rPr lang="en-US" dirty="0"/>
-                  <a:t>?</a:t>
-                </a:r>
-              </a:p>
-              <a:p>
-                <a:endParaRPr lang="en-US" dirty="0"/>
-              </a:p>
-              <a:p>
-                <a:r>
-                  <a:rPr lang="en-US" dirty="0"/>
-                  <a:t>What is </a:t>
-                </a:r>
-                <a14:m>
-                  <m:oMath xmlns:m="http://schemas.openxmlformats.org/officeDocument/2006/math">
-                    <m:r>
-                      <m:rPr>
-                        <m:sty m:val="p"/>
-                      </m:rPr>
-                      <a:rPr lang="en-US" sz="2800" b="0" i="0" dirty="0" smtClean="0">
-                        <a:solidFill>
-                          <a:srgbClr val="C00000"/>
-                        </a:solidFill>
-                        <a:latin typeface="Cambria Math" panose="02040503050406030204" pitchFamily="18" charset="0"/>
-                      </a:rPr>
-                      <m:t>Var</m:t>
-                    </m:r>
-                    <m:d>
-                      <m:dPr>
-                        <m:begChr m:val="["/>
-                        <m:endChr m:val="]"/>
-                        <m:ctrlPr>
-                          <a:rPr lang="en-US" sz="2800" b="0" i="1" dirty="0" smtClean="0">
-                            <a:solidFill>
-                              <a:srgbClr val="C00000"/>
-                            </a:solidFill>
-                            <a:latin typeface="Cambria Math" panose="02040503050406030204" pitchFamily="18" charset="0"/>
-                          </a:rPr>
-                        </m:ctrlPr>
-                      </m:dPr>
-                      <m:e>
-                        <m:r>
-                          <a:rPr lang="en-US" sz="2800" b="0" i="1" dirty="0" smtClean="0">
-                            <a:solidFill>
-                              <a:srgbClr val="C00000"/>
-                            </a:solidFill>
-                            <a:latin typeface="Cambria Math" panose="02040503050406030204" pitchFamily="18" charset="0"/>
-                          </a:rPr>
-                          <m:t>𝑌</m:t>
-                        </m:r>
-                      </m:e>
-                    </m:d>
-                  </m:oMath>
-                </a14:m>
-                <a:r>
-                  <a:rPr lang="en-US" dirty="0"/>
-                  <a:t>?</a:t>
-                </a:r>
-              </a:p>
-            </p:txBody>
-          </p:sp>
-        </mc:Choice>
-        <mc:Fallback xmlns="">
-          <p:sp>
-            <p:nvSpPr>
-              <p:cNvPr id="3" name="Content Placeholder 2">
-                <a:extLst>
-                  <a:ext uri="{FF2B5EF4-FFF2-40B4-BE49-F238E27FC236}">
-                    <a16:creationId xmlns:a16="http://schemas.microsoft.com/office/drawing/2014/main" id="{6666941B-6AAA-DFD0-8896-ACB1B4FE2AC6}"/>
-                  </a:ext>
-                </a:extLst>
-              </p:cNvPr>
-              <p:cNvSpPr>
-                <a:spLocks noGrp="1" noRot="1" noChangeAspect="1" noMove="1" noResize="1" noEditPoints="1" noAdjustHandles="1" noChangeArrowheads="1" noChangeShapeType="1" noTextEdit="1"/>
-              </p:cNvSpPr>
-              <p:nvPr>
-                <p:ph idx="1"/>
-              </p:nvPr>
-            </p:nvSpPr>
-            <p:spPr>
-              <a:xfrm>
-                <a:off x="838200" y="1825625"/>
-                <a:ext cx="10515600" cy="4667250"/>
-              </a:xfrm>
-              <a:blipFill>
-                <a:blip r:embed="rId2"/>
-                <a:stretch>
-                  <a:fillRect l="-1043" t="-261" r="-232"/>
-                </a:stretch>
-              </a:blipFill>
-            </p:spPr>
-            <p:txBody>
-              <a:bodyPr/>
-              <a:lstStyle/>
-              <a:p>
-                <a:r>
-                  <a:rPr lang="en-US">
-                    <a:noFill/>
-                  </a:rPr>
-                  <a:t> </a:t>
-                </a:r>
-              </a:p>
-            </p:txBody>
-          </p:sp>
-        </mc:Fallback>
-      </mc:AlternateContent>
-    </p:spTree>
-    <p:extLst>
-      <p:ext uri="{BB962C8B-B14F-4D97-AF65-F5344CB8AC3E}">
-        <p14:creationId xmlns:p14="http://schemas.microsoft.com/office/powerpoint/2010/main" val="1684232848"/>
-      </p:ext>
-    </p:extLst>
-  </p:cSld>
-  <p:clrMapOvr>
-    <a:masterClrMapping/>
-  </p:clrMapOvr>
-</p:sld>
-</file>
-
-<file path=ppt/slides/slide48.xml><?xml version="1.0" encoding="utf-8"?>
-<p:sld xmlns:a="http://schemas.openxmlformats.org/drawingml/2006/main" xmlns:r="http://schemas.openxmlformats.org/officeDocument/2006/relationships" xmlns:p="http://schemas.openxmlformats.org/presentationml/2006/main">
-  <p:cSld>
-    <p:spTree>
-      <p:nvGrpSpPr>
-        <p:cNvPr id="1" name=""/>
-        <p:cNvGrpSpPr/>
-        <p:nvPr/>
-      </p:nvGrpSpPr>
-      <p:grpSpPr>
-        <a:xfrm>
-          <a:off x="0" y="0"/>
-          <a:ext cx="0" cy="0"/>
-          <a:chOff x="0" y="0"/>
-          <a:chExt cx="0" cy="0"/>
-        </a:xfrm>
-      </p:grpSpPr>
-      <p:sp>
-        <p:nvSpPr>
-          <p:cNvPr id="2" name="Title 1">
-            <a:extLst>
-              <a:ext uri="{FF2B5EF4-FFF2-40B4-BE49-F238E27FC236}">
-                <a16:creationId xmlns:a16="http://schemas.microsoft.com/office/drawing/2014/main" id="{A49DDC00-2744-B7F9-8394-609BE1AEC413}"/>
-              </a:ext>
-            </a:extLst>
-          </p:cNvPr>
-          <p:cNvSpPr>
-            <a:spLocks noGrp="1"/>
-          </p:cNvSpPr>
-          <p:nvPr>
-            <p:ph type="title"/>
-          </p:nvPr>
-        </p:nvSpPr>
-        <p:spPr/>
-        <p:txBody>
-          <a:bodyPr/>
-          <a:lstStyle/>
-          <a:p>
-            <a:r>
-              <a:rPr lang="en-US" dirty="0">
-                <a:solidFill>
-                  <a:srgbClr val="C00000"/>
-                </a:solidFill>
-              </a:rPr>
-              <a:t>Chebyshev’s Inequality</a:t>
-            </a:r>
-            <a:endParaRPr lang="en-US" dirty="0"/>
-          </a:p>
-        </p:txBody>
-      </p:sp>
-      <mc:AlternateContent xmlns:mc="http://schemas.openxmlformats.org/markup-compatibility/2006" xmlns:a14="http://schemas.microsoft.com/office/drawing/2010/main">
-        <mc:Choice Requires="a14">
-          <p:sp>
-            <p:nvSpPr>
-              <p:cNvPr id="3" name="Content Placeholder 2">
-                <a:extLst>
-                  <a:ext uri="{FF2B5EF4-FFF2-40B4-BE49-F238E27FC236}">
-                    <a16:creationId xmlns:a16="http://schemas.microsoft.com/office/drawing/2014/main" id="{6666941B-6AAA-DFD0-8896-ACB1B4FE2AC6}"/>
-                  </a:ext>
-                </a:extLst>
-              </p:cNvPr>
-              <p:cNvSpPr>
-                <a:spLocks noGrp="1"/>
-              </p:cNvSpPr>
-              <p:nvPr>
-                <p:ph idx="1"/>
-              </p:nvPr>
-            </p:nvSpPr>
-            <p:spPr>
-              <a:xfrm>
-                <a:off x="838200" y="1825625"/>
-                <a:ext cx="10515600" cy="4667250"/>
-              </a:xfrm>
-            </p:spPr>
-            <p:txBody>
-              <a:bodyPr>
-                <a:normAutofit/>
-              </a:bodyPr>
-              <a:lstStyle/>
-              <a:p>
-                <a:r>
-                  <a:rPr lang="en-US" dirty="0"/>
-                  <a:t>Let </a:t>
-                </a:r>
-                <a14:m>
-                  <m:oMath xmlns:m="http://schemas.openxmlformats.org/officeDocument/2006/math">
-                    <m:r>
-                      <a:rPr lang="en-US" b="0" i="1" dirty="0" smtClean="0">
-                        <a:solidFill>
-                          <a:srgbClr val="C00000"/>
-                        </a:solidFill>
-                        <a:latin typeface="Cambria Math" panose="02040503050406030204" pitchFamily="18" charset="0"/>
-                      </a:rPr>
-                      <m:t>𝑋</m:t>
-                    </m:r>
-                  </m:oMath>
-                </a14:m>
-                <a:r>
-                  <a:rPr lang="en-US" dirty="0"/>
-                  <a:t> be a random variable with expected value </a:t>
-                </a:r>
-                <a14:m>
-                  <m:oMath xmlns:m="http://schemas.openxmlformats.org/officeDocument/2006/math">
-                    <m:r>
-                      <a:rPr lang="en-US" b="0" i="1" dirty="0" smtClean="0">
-                        <a:solidFill>
-                          <a:srgbClr val="C00000"/>
-                        </a:solidFill>
-                        <a:latin typeface="Cambria Math" panose="02040503050406030204" pitchFamily="18" charset="0"/>
-                      </a:rPr>
-                      <m:t>𝜇</m:t>
-                    </m:r>
-                    <m:r>
-                      <a:rPr lang="en-US" b="0" i="1" dirty="0" smtClean="0">
-                        <a:solidFill>
-                          <a:srgbClr val="C00000"/>
-                        </a:solidFill>
-                        <a:latin typeface="Cambria Math" panose="02040503050406030204" pitchFamily="18" charset="0"/>
-                      </a:rPr>
-                      <m:t>≔</m:t>
-                    </m:r>
-                    <m:r>
-                      <m:rPr>
-                        <m:sty m:val="p"/>
-                      </m:rPr>
-                      <a:rPr lang="en-US" b="0" i="0" dirty="0" smtClean="0">
-                        <a:solidFill>
-                          <a:srgbClr val="C00000"/>
-                        </a:solidFill>
-                        <a:latin typeface="Cambria Math" panose="02040503050406030204" pitchFamily="18" charset="0"/>
-                      </a:rPr>
-                      <m:t>E</m:t>
-                    </m:r>
-                    <m:r>
-                      <a:rPr lang="en-US" b="0" i="0" dirty="0" smtClean="0">
-                        <a:solidFill>
-                          <a:srgbClr val="C00000"/>
-                        </a:solidFill>
-                        <a:latin typeface="Cambria Math" panose="02040503050406030204" pitchFamily="18" charset="0"/>
-                      </a:rPr>
-                      <m:t>[</m:t>
-                    </m:r>
-                    <m:r>
-                      <a:rPr lang="en-US" b="0" i="1" dirty="0" smtClean="0">
-                        <a:solidFill>
-                          <a:srgbClr val="C00000"/>
-                        </a:solidFill>
-                        <a:latin typeface="Cambria Math" panose="02040503050406030204" pitchFamily="18" charset="0"/>
-                      </a:rPr>
-                      <m:t>𝑋</m:t>
-                    </m:r>
-                    <m:r>
-                      <a:rPr lang="en-US" b="0" i="0" dirty="0" smtClean="0">
-                        <a:solidFill>
-                          <a:srgbClr val="C00000"/>
-                        </a:solidFill>
-                        <a:latin typeface="Cambria Math" panose="02040503050406030204" pitchFamily="18" charset="0"/>
-                      </a:rPr>
-                      <m:t>]</m:t>
-                    </m:r>
-                  </m:oMath>
-                </a14:m>
-                <a:r>
-                  <a:rPr lang="en-US" dirty="0"/>
-                  <a:t> and variance </a:t>
-                </a:r>
-                <a14:m>
-                  <m:oMath xmlns:m="http://schemas.openxmlformats.org/officeDocument/2006/math">
-                    <m:sSup>
-                      <m:sSupPr>
-                        <m:ctrlPr>
-                          <a:rPr lang="en-US" b="0" i="1" dirty="0" smtClean="0">
-                            <a:solidFill>
-                              <a:srgbClr val="C00000"/>
-                            </a:solidFill>
-                            <a:latin typeface="Cambria Math" panose="02040503050406030204" pitchFamily="18" charset="0"/>
-                          </a:rPr>
-                        </m:ctrlPr>
-                      </m:sSupPr>
-                      <m:e>
-                        <m:r>
-                          <a:rPr lang="en-US" b="0" i="1" dirty="0" smtClean="0">
-                            <a:solidFill>
-                              <a:srgbClr val="C00000"/>
-                            </a:solidFill>
-                            <a:latin typeface="Cambria Math" panose="02040503050406030204" pitchFamily="18" charset="0"/>
-                          </a:rPr>
-                          <m:t>𝜎</m:t>
-                        </m:r>
-                      </m:e>
-                      <m:sup>
-                        <m:r>
-                          <a:rPr lang="en-US" b="0" i="1" dirty="0" smtClean="0">
-                            <a:solidFill>
-                              <a:srgbClr val="C00000"/>
-                            </a:solidFill>
-                            <a:latin typeface="Cambria Math" panose="02040503050406030204" pitchFamily="18" charset="0"/>
-                          </a:rPr>
-                          <m:t>2</m:t>
-                        </m:r>
-                      </m:sup>
-                    </m:sSup>
-                    <m:r>
-                      <a:rPr lang="en-US" b="0" i="1" dirty="0" smtClean="0">
-                        <a:solidFill>
-                          <a:srgbClr val="C00000"/>
-                        </a:solidFill>
-                        <a:latin typeface="Cambria Math" panose="02040503050406030204" pitchFamily="18" charset="0"/>
-                      </a:rPr>
-                      <m:t>≔</m:t>
-                    </m:r>
-                    <m:r>
-                      <m:rPr>
-                        <m:sty m:val="p"/>
-                      </m:rPr>
-                      <a:rPr lang="en-US" dirty="0">
-                        <a:solidFill>
-                          <a:srgbClr val="C00000"/>
-                        </a:solidFill>
-                        <a:latin typeface="Cambria Math" panose="02040503050406030204" pitchFamily="18" charset="0"/>
-                      </a:rPr>
-                      <m:t>Var</m:t>
-                    </m:r>
-                    <m:d>
-                      <m:dPr>
-                        <m:begChr m:val="["/>
-                        <m:endChr m:val="]"/>
-                        <m:ctrlPr>
-                          <a:rPr lang="en-US" i="1" dirty="0">
-                            <a:solidFill>
-                              <a:srgbClr val="C00000"/>
-                            </a:solidFill>
-                            <a:latin typeface="Cambria Math" panose="02040503050406030204" pitchFamily="18" charset="0"/>
-                          </a:rPr>
-                        </m:ctrlPr>
-                      </m:dPr>
-                      <m:e>
-                        <m:r>
-                          <a:rPr lang="en-US" b="0" i="1" dirty="0" smtClean="0">
-                            <a:solidFill>
-                              <a:srgbClr val="C00000"/>
-                            </a:solidFill>
-                            <a:latin typeface="Cambria Math" panose="02040503050406030204" pitchFamily="18" charset="0"/>
-                          </a:rPr>
-                          <m:t>𝑋</m:t>
-                        </m:r>
-                      </m:e>
-                    </m:d>
-                  </m:oMath>
-                </a14:m>
-                <a:endParaRPr lang="en-US" dirty="0"/>
-              </a:p>
-              <a:p>
-                <a:endParaRPr lang="en-US" dirty="0"/>
-              </a:p>
-              <a:p>
-                <a:endParaRPr lang="en-US" dirty="0"/>
-              </a:p>
-              <a:p>
-                <a:endParaRPr lang="en-US" dirty="0"/>
-              </a:p>
-              <a:p>
-                <a:endParaRPr lang="en-US" dirty="0"/>
-              </a:p>
-              <a:p>
-                <a:endParaRPr lang="en-US" dirty="0"/>
-              </a:p>
-              <a:p>
-                <a:r>
-                  <a:rPr lang="en-US" dirty="0"/>
-                  <a:t>“What is the probability a random variable is far away from its average?”</a:t>
-                </a:r>
-              </a:p>
-            </p:txBody>
-          </p:sp>
-        </mc:Choice>
-        <mc:Fallback xmlns="">
-          <p:sp>
-            <p:nvSpPr>
-              <p:cNvPr id="3" name="Content Placeholder 2">
-                <a:extLst>
-                  <a:ext uri="{FF2B5EF4-FFF2-40B4-BE49-F238E27FC236}">
-                    <a16:creationId xmlns:a16="http://schemas.microsoft.com/office/drawing/2014/main" id="{6666941B-6AAA-DFD0-8896-ACB1B4FE2AC6}"/>
-                  </a:ext>
-                </a:extLst>
-              </p:cNvPr>
-              <p:cNvSpPr>
-                <a:spLocks noGrp="1" noRot="1" noChangeAspect="1" noMove="1" noResize="1" noEditPoints="1" noAdjustHandles="1" noChangeArrowheads="1" noChangeShapeType="1" noTextEdit="1"/>
-              </p:cNvSpPr>
-              <p:nvPr>
-                <p:ph idx="1"/>
-              </p:nvPr>
-            </p:nvSpPr>
-            <p:spPr>
-              <a:xfrm>
-                <a:off x="838200" y="1825625"/>
-                <a:ext cx="10515600" cy="4667250"/>
-              </a:xfrm>
-              <a:blipFill>
-                <a:blip r:embed="rId2"/>
-                <a:stretch>
-                  <a:fillRect l="-1043" t="-2089"/>
-                </a:stretch>
-              </a:blipFill>
-            </p:spPr>
-            <p:txBody>
-              <a:bodyPr/>
-              <a:lstStyle/>
-              <a:p>
-                <a:r>
-                  <a:rPr lang="en-US">
-                    <a:noFill/>
-                  </a:rPr>
-                  <a:t> </a:t>
-                </a:r>
-              </a:p>
-            </p:txBody>
-          </p:sp>
-        </mc:Fallback>
-      </mc:AlternateContent>
-      <mc:AlternateContent xmlns:mc="http://schemas.openxmlformats.org/markup-compatibility/2006" xmlns:a14="http://schemas.microsoft.com/office/drawing/2010/main">
-        <mc:Choice Requires="a14">
-          <p:sp>
-            <p:nvSpPr>
-              <p:cNvPr id="4" name="TextBox 3">
-                <a:extLst>
-                  <a:ext uri="{FF2B5EF4-FFF2-40B4-BE49-F238E27FC236}">
-                    <a16:creationId xmlns:a16="http://schemas.microsoft.com/office/drawing/2014/main" id="{55173900-E52E-F929-2C7C-74CCBD94899E}"/>
-                  </a:ext>
-                </a:extLst>
-              </p:cNvPr>
-              <p:cNvSpPr txBox="1"/>
-              <p:nvPr/>
-            </p:nvSpPr>
-            <p:spPr>
-              <a:xfrm>
-                <a:off x="2877670" y="2356828"/>
-                <a:ext cx="6096000" cy="901785"/>
-              </a:xfrm>
-              <a:prstGeom prst="rect">
-                <a:avLst/>
-              </a:prstGeom>
-              <a:noFill/>
-            </p:spPr>
-            <p:txBody>
-              <a:bodyPr wrap="square">
-                <a:spAutoFit/>
-              </a:bodyPr>
-              <a:lstStyle/>
-              <a:p>
-                <a:pPr/>
-                <a14:m>
-                  <m:oMathPara xmlns:m="http://schemas.openxmlformats.org/officeDocument/2006/math">
-                    <m:oMathParaPr>
-                      <m:jc m:val="centerGroup"/>
-                    </m:oMathParaPr>
-                    <m:oMath xmlns:m="http://schemas.openxmlformats.org/officeDocument/2006/math">
-                      <m:r>
-                        <m:rPr>
-                          <m:sty m:val="p"/>
-                        </m:rPr>
-                        <a:rPr lang="en-US" sz="2800" b="0" i="0" dirty="0" smtClean="0">
-                          <a:solidFill>
-                            <a:srgbClr val="C00000"/>
-                          </a:solidFill>
-                          <a:latin typeface="Cambria Math" panose="02040503050406030204" pitchFamily="18" charset="0"/>
-                        </a:rPr>
-                        <m:t>Pr</m:t>
-                      </m:r>
-                      <m:d>
-                        <m:dPr>
-                          <m:begChr m:val="["/>
-                          <m:endChr m:val="]"/>
-                          <m:ctrlPr>
-                            <a:rPr lang="en-US" sz="2800" b="0" i="1" dirty="0" smtClean="0">
-                              <a:solidFill>
-                                <a:srgbClr val="C00000"/>
-                              </a:solidFill>
-                              <a:latin typeface="Cambria Math" panose="02040503050406030204" pitchFamily="18" charset="0"/>
-                            </a:rPr>
-                          </m:ctrlPr>
-                        </m:dPr>
-                        <m:e>
-                          <m:d>
-                            <m:dPr>
-                              <m:begChr m:val="|"/>
-                              <m:endChr m:val="|"/>
-                              <m:ctrlPr>
-                                <a:rPr lang="en-US" sz="2800" b="0" i="1" dirty="0" smtClean="0">
-                                  <a:solidFill>
-                                    <a:srgbClr val="C00000"/>
-                                  </a:solidFill>
-                                  <a:latin typeface="Cambria Math" panose="02040503050406030204" pitchFamily="18" charset="0"/>
-                                </a:rPr>
-                              </m:ctrlPr>
-                            </m:dPr>
-                            <m:e>
-                              <m:r>
-                                <a:rPr lang="en-US" sz="2800" i="1" dirty="0">
-                                  <a:solidFill>
-                                    <a:srgbClr val="C00000"/>
-                                  </a:solidFill>
-                                  <a:latin typeface="Cambria Math" panose="02040503050406030204" pitchFamily="18" charset="0"/>
-                                </a:rPr>
-                                <m:t>𝑋</m:t>
-                              </m:r>
-                              <m:r>
-                                <a:rPr lang="en-US" sz="2800" b="0" i="1" dirty="0" smtClean="0">
-                                  <a:solidFill>
-                                    <a:srgbClr val="C00000"/>
-                                  </a:solidFill>
-                                  <a:latin typeface="Cambria Math" panose="02040503050406030204" pitchFamily="18" charset="0"/>
-                                </a:rPr>
-                                <m:t>−</m:t>
-                              </m:r>
-                              <m:r>
-                                <a:rPr lang="en-US" sz="2800" b="0" i="1" dirty="0" smtClean="0">
-                                  <a:solidFill>
-                                    <a:srgbClr val="C00000"/>
-                                  </a:solidFill>
-                                  <a:latin typeface="Cambria Math" panose="02040503050406030204" pitchFamily="18" charset="0"/>
-                                </a:rPr>
-                                <m:t>𝜇</m:t>
-                              </m:r>
-                            </m:e>
-                          </m:d>
-                          <m:r>
-                            <a:rPr lang="en-US" sz="2800" b="0" i="1" dirty="0" smtClean="0">
-                              <a:solidFill>
-                                <a:srgbClr val="C00000"/>
-                              </a:solidFill>
-                              <a:latin typeface="Cambria Math" panose="02040503050406030204" pitchFamily="18" charset="0"/>
-                            </a:rPr>
-                            <m:t>≥</m:t>
-                          </m:r>
-                          <m:r>
-                            <a:rPr lang="en-US" sz="2800" b="0" i="1" dirty="0" smtClean="0">
-                              <a:solidFill>
-                                <a:srgbClr val="C00000"/>
-                              </a:solidFill>
-                              <a:latin typeface="Cambria Math" panose="02040503050406030204" pitchFamily="18" charset="0"/>
-                            </a:rPr>
-                            <m:t>𝑘</m:t>
-                          </m:r>
-                          <m:r>
-                            <a:rPr lang="en-US" sz="2800" b="0" i="1" dirty="0" smtClean="0">
-                              <a:solidFill>
-                                <a:srgbClr val="C00000"/>
-                              </a:solidFill>
-                              <a:latin typeface="Cambria Math" panose="02040503050406030204" pitchFamily="18" charset="0"/>
-                            </a:rPr>
-                            <m:t>𝜎</m:t>
-                          </m:r>
-                        </m:e>
-                      </m:d>
-                      <m:r>
-                        <a:rPr lang="en-US" sz="2800" b="0" i="1" dirty="0" smtClean="0">
-                          <a:solidFill>
-                            <a:srgbClr val="C00000"/>
-                          </a:solidFill>
-                          <a:latin typeface="Cambria Math" panose="02040503050406030204" pitchFamily="18" charset="0"/>
-                        </a:rPr>
-                        <m:t>≤</m:t>
-                      </m:r>
-                      <m:f>
-                        <m:fPr>
-                          <m:ctrlPr>
-                            <a:rPr lang="en-US" sz="2800" b="0" i="1" dirty="0" smtClean="0">
-                              <a:solidFill>
-                                <a:srgbClr val="C00000"/>
-                              </a:solidFill>
-                              <a:latin typeface="Cambria Math" panose="02040503050406030204" pitchFamily="18" charset="0"/>
-                            </a:rPr>
-                          </m:ctrlPr>
-                        </m:fPr>
-                        <m:num>
-                          <m:r>
-                            <a:rPr lang="en-US" sz="2800" b="0" i="1" dirty="0" smtClean="0">
-                              <a:solidFill>
-                                <a:srgbClr val="C00000"/>
-                              </a:solidFill>
-                              <a:latin typeface="Cambria Math" panose="02040503050406030204" pitchFamily="18" charset="0"/>
-                            </a:rPr>
-                            <m:t>1</m:t>
-                          </m:r>
-                        </m:num>
-                        <m:den>
-                          <m:sSup>
-                            <m:sSupPr>
-                              <m:ctrlPr>
-                                <a:rPr lang="en-US" sz="2800" b="0" i="1" dirty="0" smtClean="0">
-                                  <a:solidFill>
-                                    <a:srgbClr val="C00000"/>
-                                  </a:solidFill>
-                                  <a:latin typeface="Cambria Math" panose="02040503050406030204" pitchFamily="18" charset="0"/>
-                                </a:rPr>
-                              </m:ctrlPr>
-                            </m:sSupPr>
-                            <m:e>
-                              <m:r>
-                                <a:rPr lang="en-US" sz="2800" b="0" i="1" dirty="0" smtClean="0">
-                                  <a:solidFill>
-                                    <a:srgbClr val="C00000"/>
-                                  </a:solidFill>
-                                  <a:latin typeface="Cambria Math" panose="02040503050406030204" pitchFamily="18" charset="0"/>
-                                </a:rPr>
-                                <m:t>𝑘</m:t>
-                              </m:r>
-                            </m:e>
-                            <m:sup>
-                              <m:r>
-                                <a:rPr lang="en-US" sz="2800" b="0" i="1" dirty="0" smtClean="0">
-                                  <a:solidFill>
-                                    <a:srgbClr val="C00000"/>
-                                  </a:solidFill>
-                                  <a:latin typeface="Cambria Math" panose="02040503050406030204" pitchFamily="18" charset="0"/>
-                                </a:rPr>
-                                <m:t>2</m:t>
-                              </m:r>
-                            </m:sup>
-                          </m:sSup>
-                        </m:den>
-                      </m:f>
-                    </m:oMath>
-                  </m:oMathPara>
-                </a14:m>
-                <a:endParaRPr lang="en-US" sz="2800" dirty="0"/>
-              </a:p>
-            </p:txBody>
-          </p:sp>
-        </mc:Choice>
-        <mc:Fallback xmlns="">
-          <p:sp>
-            <p:nvSpPr>
-              <p:cNvPr id="4" name="TextBox 3">
-                <a:extLst>
-                  <a:ext uri="{FF2B5EF4-FFF2-40B4-BE49-F238E27FC236}">
-                    <a16:creationId xmlns:a16="http://schemas.microsoft.com/office/drawing/2014/main" id="{55173900-E52E-F929-2C7C-74CCBD94899E}"/>
-                  </a:ext>
-                </a:extLst>
-              </p:cNvPr>
-              <p:cNvSpPr txBox="1">
-                <a:spLocks noRot="1" noChangeAspect="1" noMove="1" noResize="1" noEditPoints="1" noAdjustHandles="1" noChangeArrowheads="1" noChangeShapeType="1" noTextEdit="1"/>
-              </p:cNvSpPr>
-              <p:nvPr/>
-            </p:nvSpPr>
-            <p:spPr>
-              <a:xfrm>
-                <a:off x="2877670" y="2356828"/>
-                <a:ext cx="6096000" cy="901785"/>
-              </a:xfrm>
-              <a:prstGeom prst="rect">
-                <a:avLst/>
-              </a:prstGeom>
-              <a:blipFill>
-                <a:blip r:embed="rId3"/>
-                <a:stretch>
-                  <a:fillRect/>
-                </a:stretch>
-              </a:blipFill>
-            </p:spPr>
-            <p:txBody>
-              <a:bodyPr/>
-              <a:lstStyle/>
-              <a:p>
-                <a:r>
-                  <a:rPr lang="en-US">
-                    <a:noFill/>
-                  </a:rPr>
-                  <a:t> </a:t>
-                </a:r>
-              </a:p>
-            </p:txBody>
-          </p:sp>
-        </mc:Fallback>
-      </mc:AlternateContent>
-    </p:spTree>
-    <p:extLst>
-      <p:ext uri="{BB962C8B-B14F-4D97-AF65-F5344CB8AC3E}">
-        <p14:creationId xmlns:p14="http://schemas.microsoft.com/office/powerpoint/2010/main" val="3619015464"/>
       </p:ext>
     </p:extLst>
   </p:cSld>
